--- a/deliverable/presentation/presentation.pptx
+++ b/deliverable/presentation/presentation.pptx
@@ -8,16 +8,24 @@
     <p:sldId id="256" r:id="rId2"/>
     <p:sldId id="260" r:id="rId3"/>
     <p:sldId id="263" r:id="rId4"/>
-    <p:sldId id="257" r:id="rId5"/>
-    <p:sldId id="258" r:id="rId6"/>
-    <p:sldId id="267" r:id="rId7"/>
-    <p:sldId id="264" r:id="rId8"/>
-    <p:sldId id="259" r:id="rId9"/>
-    <p:sldId id="261" r:id="rId10"/>
-    <p:sldId id="268" r:id="rId11"/>
+    <p:sldId id="269" r:id="rId5"/>
+    <p:sldId id="270" r:id="rId6"/>
+    <p:sldId id="285" r:id="rId7"/>
+    <p:sldId id="286" r:id="rId8"/>
+    <p:sldId id="264" r:id="rId9"/>
+    <p:sldId id="272" r:id="rId10"/>
+    <p:sldId id="276" r:id="rId11"/>
     <p:sldId id="265" r:id="rId12"/>
     <p:sldId id="262" r:id="rId13"/>
-    <p:sldId id="266" r:id="rId14"/>
+    <p:sldId id="273" r:id="rId14"/>
+    <p:sldId id="274" r:id="rId15"/>
+    <p:sldId id="275" r:id="rId16"/>
+    <p:sldId id="280" r:id="rId17"/>
+    <p:sldId id="278" r:id="rId18"/>
+    <p:sldId id="279" r:id="rId19"/>
+    <p:sldId id="271" r:id="rId20"/>
+    <p:sldId id="284" r:id="rId21"/>
+    <p:sldId id="283" r:id="rId22"/>
   </p:sldIdLst>
   <p:sldSz cx="12192000" cy="6858000"/>
   <p:notesSz cx="6858000" cy="9144000"/>
@@ -124,6 +132,940 @@
 </p:presentation>
 </file>
 
+<file path=ppt/revisionInfo.xml><?xml version="1.0" encoding="utf-8"?>
+<p1510:revInfo xmlns:a="http://schemas.openxmlformats.org/drawingml/2006/main" xmlns:r="http://schemas.openxmlformats.org/officeDocument/2006/relationships" xmlns:p1510="http://schemas.microsoft.com/office/powerpoint/2015/10/main">
+  <p1510:revLst>
+    <p1510:client id="{3F2B048A-037E-4A90-BE76-30A204F32214}" v="56" dt="2022-12-13T10:50:58.982"/>
+  </p1510:revLst>
+</p1510:revInfo>
+</file>
+
+<file path=ppt/changesInfos/changesInfo1.xml><?xml version="1.0" encoding="utf-8"?>
+<pc:chgInfo xmlns:a="http://schemas.openxmlformats.org/drawingml/2006/main" xmlns:r="http://schemas.openxmlformats.org/officeDocument/2006/relationships" xmlns:ac="http://schemas.microsoft.com/office/drawing/2013/main/command" xmlns:pc="http://schemas.microsoft.com/office/powerpoint/2013/main/command">
+  <pc:docChgLst>
+    <pc:chgData name="ye zehao" userId="1905ace0d028615c" providerId="LiveId" clId="{3F2B048A-037E-4A90-BE76-30A204F32214}"/>
+    <pc:docChg chg="undo custSel addSld delSld modSld sldOrd">
+      <pc:chgData name="ye zehao" userId="1905ace0d028615c" providerId="LiveId" clId="{3F2B048A-037E-4A90-BE76-30A204F32214}" dt="2022-12-13T12:01:50.347" v="2409" actId="20577"/>
+      <pc:docMkLst>
+        <pc:docMk/>
+      </pc:docMkLst>
+      <pc:sldChg chg="del">
+        <pc:chgData name="ye zehao" userId="1905ace0d028615c" providerId="LiveId" clId="{3F2B048A-037E-4A90-BE76-30A204F32214}" dt="2022-12-12T09:00:20.827" v="304" actId="47"/>
+        <pc:sldMkLst>
+          <pc:docMk/>
+          <pc:sldMk cId="3658150231" sldId="257"/>
+        </pc:sldMkLst>
+      </pc:sldChg>
+      <pc:sldChg chg="del">
+        <pc:chgData name="ye zehao" userId="1905ace0d028615c" providerId="LiveId" clId="{3F2B048A-037E-4A90-BE76-30A204F32214}" dt="2022-12-12T09:00:22.107" v="305" actId="47"/>
+        <pc:sldMkLst>
+          <pc:docMk/>
+          <pc:sldMk cId="71600936" sldId="258"/>
+        </pc:sldMkLst>
+      </pc:sldChg>
+      <pc:sldChg chg="del">
+        <pc:chgData name="ye zehao" userId="1905ace0d028615c" providerId="LiveId" clId="{3F2B048A-037E-4A90-BE76-30A204F32214}" dt="2022-12-12T16:45:00.754" v="1543" actId="47"/>
+        <pc:sldMkLst>
+          <pc:docMk/>
+          <pc:sldMk cId="3338723362" sldId="259"/>
+        </pc:sldMkLst>
+      </pc:sldChg>
+      <pc:sldChg chg="addSp modSp mod">
+        <pc:chgData name="ye zehao" userId="1905ace0d028615c" providerId="LiveId" clId="{3F2B048A-037E-4A90-BE76-30A204F32214}" dt="2022-12-13T12:01:50.347" v="2409" actId="20577"/>
+        <pc:sldMkLst>
+          <pc:docMk/>
+          <pc:sldMk cId="2152598732" sldId="260"/>
+        </pc:sldMkLst>
+        <pc:spChg chg="mod">
+          <ac:chgData name="ye zehao" userId="1905ace0d028615c" providerId="LiveId" clId="{3F2B048A-037E-4A90-BE76-30A204F32214}" dt="2022-12-13T12:01:50.347" v="2409" actId="20577"/>
+          <ac:spMkLst>
+            <pc:docMk/>
+            <pc:sldMk cId="2152598732" sldId="260"/>
+            <ac:spMk id="2" creationId="{ABB7ABD1-E29E-620C-71A4-640483E84B4B}"/>
+          </ac:spMkLst>
+        </pc:spChg>
+        <pc:spChg chg="mod">
+          <ac:chgData name="ye zehao" userId="1905ace0d028615c" providerId="LiveId" clId="{3F2B048A-037E-4A90-BE76-30A204F32214}" dt="2022-12-13T09:04:18.686" v="2133" actId="12"/>
+          <ac:spMkLst>
+            <pc:docMk/>
+            <pc:sldMk cId="2152598732" sldId="260"/>
+            <ac:spMk id="3" creationId="{4BF252C8-FF71-F0B3-3681-6EE584C087A7}"/>
+          </ac:spMkLst>
+        </pc:spChg>
+        <pc:spChg chg="add mod">
+          <ac:chgData name="ye zehao" userId="1905ace0d028615c" providerId="LiveId" clId="{3F2B048A-037E-4A90-BE76-30A204F32214}" dt="2022-12-13T09:25:46.233" v="2152" actId="20577"/>
+          <ac:spMkLst>
+            <pc:docMk/>
+            <pc:sldMk cId="2152598732" sldId="260"/>
+            <ac:spMk id="6" creationId="{CBD28782-9E80-E6E5-FC24-6E0B8637E869}"/>
+          </ac:spMkLst>
+        </pc:spChg>
+      </pc:sldChg>
+      <pc:sldChg chg="del">
+        <pc:chgData name="ye zehao" userId="1905ace0d028615c" providerId="LiveId" clId="{3F2B048A-037E-4A90-BE76-30A204F32214}" dt="2022-12-12T16:47:11.327" v="1617" actId="47"/>
+        <pc:sldMkLst>
+          <pc:docMk/>
+          <pc:sldMk cId="1523902364" sldId="261"/>
+        </pc:sldMkLst>
+      </pc:sldChg>
+      <pc:sldChg chg="addSp modSp mod">
+        <pc:chgData name="ye zehao" userId="1905ace0d028615c" providerId="LiveId" clId="{3F2B048A-037E-4A90-BE76-30A204F32214}" dt="2022-12-13T09:27:13.756" v="2181" actId="20577"/>
+        <pc:sldMkLst>
+          <pc:docMk/>
+          <pc:sldMk cId="4191356740" sldId="262"/>
+        </pc:sldMkLst>
+        <pc:spChg chg="mod">
+          <ac:chgData name="ye zehao" userId="1905ace0d028615c" providerId="LiveId" clId="{3F2B048A-037E-4A90-BE76-30A204F32214}" dt="2022-12-12T09:40:44.872" v="540" actId="14100"/>
+          <ac:spMkLst>
+            <pc:docMk/>
+            <pc:sldMk cId="4191356740" sldId="262"/>
+            <ac:spMk id="2" creationId="{EEA00ECA-BA8F-23B3-FE7F-70D99111A8CE}"/>
+          </ac:spMkLst>
+        </pc:spChg>
+        <pc:spChg chg="add mod">
+          <ac:chgData name="ye zehao" userId="1905ace0d028615c" providerId="LiveId" clId="{3F2B048A-037E-4A90-BE76-30A204F32214}" dt="2022-12-13T09:27:13.756" v="2181" actId="20577"/>
+          <ac:spMkLst>
+            <pc:docMk/>
+            <pc:sldMk cId="4191356740" sldId="262"/>
+            <ac:spMk id="3" creationId="{235732EC-9D1E-F91F-ABE1-41172A8E6C76}"/>
+          </ac:spMkLst>
+        </pc:spChg>
+      </pc:sldChg>
+      <pc:sldChg chg="addSp modSp mod">
+        <pc:chgData name="ye zehao" userId="1905ace0d028615c" providerId="LiveId" clId="{3F2B048A-037E-4A90-BE76-30A204F32214}" dt="2022-12-13T09:25:52.221" v="2154" actId="20577"/>
+        <pc:sldMkLst>
+          <pc:docMk/>
+          <pc:sldMk cId="3636171366" sldId="263"/>
+        </pc:sldMkLst>
+        <pc:spChg chg="mod">
+          <ac:chgData name="ye zehao" userId="1905ace0d028615c" providerId="LiveId" clId="{3F2B048A-037E-4A90-BE76-30A204F32214}" dt="2022-12-13T09:04:18.451" v="2132" actId="12"/>
+          <ac:spMkLst>
+            <pc:docMk/>
+            <pc:sldMk cId="3636171366" sldId="263"/>
+            <ac:spMk id="2" creationId="{0ABCDB25-326D-4B74-48C7-AB72A920A8CC}"/>
+          </ac:spMkLst>
+        </pc:spChg>
+        <pc:spChg chg="mod">
+          <ac:chgData name="ye zehao" userId="1905ace0d028615c" providerId="LiveId" clId="{3F2B048A-037E-4A90-BE76-30A204F32214}" dt="2022-12-13T09:04:18.236" v="2131" actId="5793"/>
+          <ac:spMkLst>
+            <pc:docMk/>
+            <pc:sldMk cId="3636171366" sldId="263"/>
+            <ac:spMk id="3" creationId="{303C7CD2-64A6-91F4-E855-B13983DAA3F7}"/>
+          </ac:spMkLst>
+        </pc:spChg>
+        <pc:spChg chg="add mod">
+          <ac:chgData name="ye zehao" userId="1905ace0d028615c" providerId="LiveId" clId="{3F2B048A-037E-4A90-BE76-30A204F32214}" dt="2022-12-13T09:25:52.221" v="2154" actId="20577"/>
+          <ac:spMkLst>
+            <pc:docMk/>
+            <pc:sldMk cId="3636171366" sldId="263"/>
+            <ac:spMk id="6" creationId="{E703D447-CCAD-F658-728E-226EA76EF2AD}"/>
+          </ac:spMkLst>
+        </pc:spChg>
+      </pc:sldChg>
+      <pc:sldChg chg="addSp modSp mod">
+        <pc:chgData name="ye zehao" userId="1905ace0d028615c" providerId="LiveId" clId="{3F2B048A-037E-4A90-BE76-30A204F32214}" dt="2022-12-13T10:36:41.983" v="2234" actId="20577"/>
+        <pc:sldMkLst>
+          <pc:docMk/>
+          <pc:sldMk cId="2788181292" sldId="264"/>
+        </pc:sldMkLst>
+        <pc:spChg chg="mod">
+          <ac:chgData name="ye zehao" userId="1905ace0d028615c" providerId="LiveId" clId="{3F2B048A-037E-4A90-BE76-30A204F32214}" dt="2022-12-13T10:36:41.983" v="2234" actId="20577"/>
+          <ac:spMkLst>
+            <pc:docMk/>
+            <pc:sldMk cId="2788181292" sldId="264"/>
+            <ac:spMk id="3" creationId="{303C7CD2-64A6-91F4-E855-B13983DAA3F7}"/>
+          </ac:spMkLst>
+        </pc:spChg>
+        <pc:spChg chg="add mod">
+          <ac:chgData name="ye zehao" userId="1905ace0d028615c" providerId="LiveId" clId="{3F2B048A-037E-4A90-BE76-30A204F32214}" dt="2022-12-13T09:25:28.793" v="2150" actId="1076"/>
+          <ac:spMkLst>
+            <pc:docMk/>
+            <pc:sldMk cId="2788181292" sldId="264"/>
+            <ac:spMk id="7" creationId="{512CD10E-277B-ECE2-0D4D-1D01D433743F}"/>
+          </ac:spMkLst>
+        </pc:spChg>
+      </pc:sldChg>
+      <pc:sldChg chg="addSp delSp modSp mod delAnim modAnim">
+        <pc:chgData name="ye zehao" userId="1905ace0d028615c" providerId="LiveId" clId="{3F2B048A-037E-4A90-BE76-30A204F32214}" dt="2022-12-13T10:51:43.629" v="2395" actId="478"/>
+        <pc:sldMkLst>
+          <pc:docMk/>
+          <pc:sldMk cId="3437830485" sldId="265"/>
+        </pc:sldMkLst>
+        <pc:spChg chg="add mod">
+          <ac:chgData name="ye zehao" userId="1905ace0d028615c" providerId="LiveId" clId="{3F2B048A-037E-4A90-BE76-30A204F32214}" dt="2022-12-13T09:27:07.354" v="2179" actId="14100"/>
+          <ac:spMkLst>
+            <pc:docMk/>
+            <pc:sldMk cId="3437830485" sldId="265"/>
+            <ac:spMk id="6" creationId="{1705EDD4-A246-977E-4222-D0E1136C6655}"/>
+          </ac:spMkLst>
+        </pc:spChg>
+        <pc:picChg chg="add del mod">
+          <ac:chgData name="ye zehao" userId="1905ace0d028615c" providerId="LiveId" clId="{3F2B048A-037E-4A90-BE76-30A204F32214}" dt="2022-12-13T10:51:43.629" v="2395" actId="478"/>
+          <ac:picMkLst>
+            <pc:docMk/>
+            <pc:sldMk cId="3437830485" sldId="265"/>
+            <ac:picMk id="7" creationId="{6DF5638B-5BD9-2E9D-3F06-7E9A4974B77A}"/>
+          </ac:picMkLst>
+        </pc:picChg>
+      </pc:sldChg>
+      <pc:sldChg chg="del">
+        <pc:chgData name="ye zehao" userId="1905ace0d028615c" providerId="LiveId" clId="{3F2B048A-037E-4A90-BE76-30A204F32214}" dt="2022-12-12T09:43:10.384" v="653" actId="47"/>
+        <pc:sldMkLst>
+          <pc:docMk/>
+          <pc:sldMk cId="2876145616" sldId="266"/>
+        </pc:sldMkLst>
+      </pc:sldChg>
+      <pc:sldChg chg="del">
+        <pc:chgData name="ye zehao" userId="1905ace0d028615c" providerId="LiveId" clId="{3F2B048A-037E-4A90-BE76-30A204F32214}" dt="2022-12-12T09:28:21.838" v="488" actId="47"/>
+        <pc:sldMkLst>
+          <pc:docMk/>
+          <pc:sldMk cId="515235804" sldId="267"/>
+        </pc:sldMkLst>
+      </pc:sldChg>
+      <pc:sldChg chg="del">
+        <pc:chgData name="ye zehao" userId="1905ace0d028615c" providerId="LiveId" clId="{3F2B048A-037E-4A90-BE76-30A204F32214}" dt="2022-12-12T09:30:45.535" v="527" actId="47"/>
+        <pc:sldMkLst>
+          <pc:docMk/>
+          <pc:sldMk cId="2462242837" sldId="268"/>
+        </pc:sldMkLst>
+      </pc:sldChg>
+      <pc:sldChg chg="addSp modSp add mod">
+        <pc:chgData name="ye zehao" userId="1905ace0d028615c" providerId="LiveId" clId="{3F2B048A-037E-4A90-BE76-30A204F32214}" dt="2022-12-13T09:26:08.459" v="2160" actId="1076"/>
+        <pc:sldMkLst>
+          <pc:docMk/>
+          <pc:sldMk cId="4019756829" sldId="269"/>
+        </pc:sldMkLst>
+        <pc:spChg chg="mod">
+          <ac:chgData name="ye zehao" userId="1905ace0d028615c" providerId="LiveId" clId="{3F2B048A-037E-4A90-BE76-30A204F32214}" dt="2022-12-11T20:01:50.624" v="10" actId="20577"/>
+          <ac:spMkLst>
+            <pc:docMk/>
+            <pc:sldMk cId="4019756829" sldId="269"/>
+            <ac:spMk id="2" creationId="{0ABCDB25-326D-4B74-48C7-AB72A920A8CC}"/>
+          </ac:spMkLst>
+        </pc:spChg>
+        <pc:spChg chg="mod">
+          <ac:chgData name="ye zehao" userId="1905ace0d028615c" providerId="LiveId" clId="{3F2B048A-037E-4A90-BE76-30A204F32214}" dt="2022-12-12T08:59:37.187" v="302" actId="27636"/>
+          <ac:spMkLst>
+            <pc:docMk/>
+            <pc:sldMk cId="4019756829" sldId="269"/>
+            <ac:spMk id="3" creationId="{303C7CD2-64A6-91F4-E855-B13983DAA3F7}"/>
+          </ac:spMkLst>
+        </pc:spChg>
+        <pc:spChg chg="add mod">
+          <ac:chgData name="ye zehao" userId="1905ace0d028615c" providerId="LiveId" clId="{3F2B048A-037E-4A90-BE76-30A204F32214}" dt="2022-12-13T09:26:08.459" v="2160" actId="1076"/>
+          <ac:spMkLst>
+            <pc:docMk/>
+            <pc:sldMk cId="4019756829" sldId="269"/>
+            <ac:spMk id="6" creationId="{11903110-FEA9-EAC6-CA89-2CDC6193F2A0}"/>
+          </ac:spMkLst>
+        </pc:spChg>
+      </pc:sldChg>
+      <pc:sldChg chg="addSp modSp add mod">
+        <pc:chgData name="ye zehao" userId="1905ace0d028615c" providerId="LiveId" clId="{3F2B048A-037E-4A90-BE76-30A204F32214}" dt="2022-12-13T09:26:17.090" v="2163" actId="20577"/>
+        <pc:sldMkLst>
+          <pc:docMk/>
+          <pc:sldMk cId="1317368850" sldId="270"/>
+        </pc:sldMkLst>
+        <pc:spChg chg="mod">
+          <ac:chgData name="ye zehao" userId="1905ace0d028615c" providerId="LiveId" clId="{3F2B048A-037E-4A90-BE76-30A204F32214}" dt="2022-12-12T08:20:12.739" v="54" actId="20577"/>
+          <ac:spMkLst>
+            <pc:docMk/>
+            <pc:sldMk cId="1317368850" sldId="270"/>
+            <ac:spMk id="2" creationId="{0ABCDB25-326D-4B74-48C7-AB72A920A8CC}"/>
+          </ac:spMkLst>
+        </pc:spChg>
+        <pc:spChg chg="mod">
+          <ac:chgData name="ye zehao" userId="1905ace0d028615c" providerId="LiveId" clId="{3F2B048A-037E-4A90-BE76-30A204F32214}" dt="2022-12-12T08:45:50.454" v="226" actId="20577"/>
+          <ac:spMkLst>
+            <pc:docMk/>
+            <pc:sldMk cId="1317368850" sldId="270"/>
+            <ac:spMk id="3" creationId="{303C7CD2-64A6-91F4-E855-B13983DAA3F7}"/>
+          </ac:spMkLst>
+        </pc:spChg>
+        <pc:spChg chg="add mod">
+          <ac:chgData name="ye zehao" userId="1905ace0d028615c" providerId="LiveId" clId="{3F2B048A-037E-4A90-BE76-30A204F32214}" dt="2022-12-13T09:26:17.090" v="2163" actId="20577"/>
+          <ac:spMkLst>
+            <pc:docMk/>
+            <pc:sldMk cId="1317368850" sldId="270"/>
+            <ac:spMk id="6" creationId="{7E474CDD-1660-A398-63B8-9E65F991FD7D}"/>
+          </ac:spMkLst>
+        </pc:spChg>
+        <pc:picChg chg="add mod modCrop">
+          <ac:chgData name="ye zehao" userId="1905ace0d028615c" providerId="LiveId" clId="{3F2B048A-037E-4A90-BE76-30A204F32214}" dt="2022-12-12T08:42:35.301" v="142" actId="1076"/>
+          <ac:picMkLst>
+            <pc:docMk/>
+            <pc:sldMk cId="1317368850" sldId="270"/>
+            <ac:picMk id="7" creationId="{7F7CBA43-1A4F-4360-8D4C-C8CF8854F371}"/>
+          </ac:picMkLst>
+        </pc:picChg>
+      </pc:sldChg>
+      <pc:sldChg chg="modSp add del mod">
+        <pc:chgData name="ye zehao" userId="1905ace0d028615c" providerId="LiveId" clId="{3F2B048A-037E-4A90-BE76-30A204F32214}" dt="2022-12-12T16:48:51.696" v="1643" actId="2696"/>
+        <pc:sldMkLst>
+          <pc:docMk/>
+          <pc:sldMk cId="134423003" sldId="271"/>
+        </pc:sldMkLst>
+        <pc:spChg chg="mod">
+          <ac:chgData name="ye zehao" userId="1905ace0d028615c" providerId="LiveId" clId="{3F2B048A-037E-4A90-BE76-30A204F32214}" dt="2022-12-12T09:00:40.977" v="325" actId="20577"/>
+          <ac:spMkLst>
+            <pc:docMk/>
+            <pc:sldMk cId="134423003" sldId="271"/>
+            <ac:spMk id="2" creationId="{0ABCDB25-326D-4B74-48C7-AB72A920A8CC}"/>
+          </ac:spMkLst>
+        </pc:spChg>
+        <pc:spChg chg="mod">
+          <ac:chgData name="ye zehao" userId="1905ace0d028615c" providerId="LiveId" clId="{3F2B048A-037E-4A90-BE76-30A204F32214}" dt="2022-12-12T09:28:17.333" v="487" actId="20577"/>
+          <ac:spMkLst>
+            <pc:docMk/>
+            <pc:sldMk cId="134423003" sldId="271"/>
+            <ac:spMk id="3" creationId="{303C7CD2-64A6-91F4-E855-B13983DAA3F7}"/>
+          </ac:spMkLst>
+        </pc:spChg>
+      </pc:sldChg>
+      <pc:sldChg chg="modSp add mod">
+        <pc:chgData name="ye zehao" userId="1905ace0d028615c" providerId="LiveId" clId="{3F2B048A-037E-4A90-BE76-30A204F32214}" dt="2022-12-13T05:04:08.130" v="2069" actId="14100"/>
+        <pc:sldMkLst>
+          <pc:docMk/>
+          <pc:sldMk cId="750676388" sldId="271"/>
+        </pc:sldMkLst>
+        <pc:spChg chg="mod">
+          <ac:chgData name="ye zehao" userId="1905ace0d028615c" providerId="LiveId" clId="{3F2B048A-037E-4A90-BE76-30A204F32214}" dt="2022-12-12T16:57:10.985" v="1739" actId="20577"/>
+          <ac:spMkLst>
+            <pc:docMk/>
+            <pc:sldMk cId="750676388" sldId="271"/>
+            <ac:spMk id="2" creationId="{0ABCDB25-326D-4B74-48C7-AB72A920A8CC}"/>
+          </ac:spMkLst>
+        </pc:spChg>
+        <pc:spChg chg="mod">
+          <ac:chgData name="ye zehao" userId="1905ace0d028615c" providerId="LiveId" clId="{3F2B048A-037E-4A90-BE76-30A204F32214}" dt="2022-12-13T05:04:08.130" v="2069" actId="14100"/>
+          <ac:spMkLst>
+            <pc:docMk/>
+            <pc:sldMk cId="750676388" sldId="271"/>
+            <ac:spMk id="3" creationId="{303C7CD2-64A6-91F4-E855-B13983DAA3F7}"/>
+          </ac:spMkLst>
+        </pc:spChg>
+      </pc:sldChg>
+      <pc:sldChg chg="addSp delSp modSp add mod">
+        <pc:chgData name="ye zehao" userId="1905ace0d028615c" providerId="LiveId" clId="{3F2B048A-037E-4A90-BE76-30A204F32214}" dt="2022-12-13T09:26:47.860" v="2172" actId="20577"/>
+        <pc:sldMkLst>
+          <pc:docMk/>
+          <pc:sldMk cId="3321664794" sldId="272"/>
+        </pc:sldMkLst>
+        <pc:spChg chg="mod">
+          <ac:chgData name="ye zehao" userId="1905ace0d028615c" providerId="LiveId" clId="{3F2B048A-037E-4A90-BE76-30A204F32214}" dt="2022-12-12T09:30:30.885" v="525" actId="1076"/>
+          <ac:spMkLst>
+            <pc:docMk/>
+            <pc:sldMk cId="3321664794" sldId="272"/>
+            <ac:spMk id="2" creationId="{0ABCDB25-326D-4B74-48C7-AB72A920A8CC}"/>
+          </ac:spMkLst>
+        </pc:spChg>
+        <pc:spChg chg="del mod">
+          <ac:chgData name="ye zehao" userId="1905ace0d028615c" providerId="LiveId" clId="{3F2B048A-037E-4A90-BE76-30A204F32214}" dt="2022-12-12T09:29:02.787" v="503" actId="478"/>
+          <ac:spMkLst>
+            <pc:docMk/>
+            <pc:sldMk cId="3321664794" sldId="272"/>
+            <ac:spMk id="3" creationId="{303C7CD2-64A6-91F4-E855-B13983DAA3F7}"/>
+          </ac:spMkLst>
+        </pc:spChg>
+        <pc:spChg chg="add mod">
+          <ac:chgData name="ye zehao" userId="1905ace0d028615c" providerId="LiveId" clId="{3F2B048A-037E-4A90-BE76-30A204F32214}" dt="2022-12-13T09:26:47.860" v="2172" actId="20577"/>
+          <ac:spMkLst>
+            <pc:docMk/>
+            <pc:sldMk cId="3321664794" sldId="272"/>
+            <ac:spMk id="3" creationId="{7B624340-BDF6-A683-0A23-97CCC4BDCBA3}"/>
+          </ac:spMkLst>
+        </pc:spChg>
+        <pc:spChg chg="del mod">
+          <ac:chgData name="ye zehao" userId="1905ace0d028615c" providerId="LiveId" clId="{3F2B048A-037E-4A90-BE76-30A204F32214}" dt="2022-12-12T09:30:22.712" v="522" actId="478"/>
+          <ac:spMkLst>
+            <pc:docMk/>
+            <pc:sldMk cId="3321664794" sldId="272"/>
+            <ac:spMk id="4" creationId="{FA06EF4E-8F41-A2EB-22CE-5BA672347D08}"/>
+          </ac:spMkLst>
+        </pc:spChg>
+        <pc:spChg chg="del mod">
+          <ac:chgData name="ye zehao" userId="1905ace0d028615c" providerId="LiveId" clId="{3F2B048A-037E-4A90-BE76-30A204F32214}" dt="2022-12-12T09:30:23.773" v="523" actId="478"/>
+          <ac:spMkLst>
+            <pc:docMk/>
+            <pc:sldMk cId="3321664794" sldId="272"/>
+            <ac:spMk id="5" creationId="{B82C7024-1544-EE54-3B50-560BE2C35BDD}"/>
+          </ac:spMkLst>
+        </pc:spChg>
+        <pc:spChg chg="add del mod">
+          <ac:chgData name="ye zehao" userId="1905ace0d028615c" providerId="LiveId" clId="{3F2B048A-037E-4A90-BE76-30A204F32214}" dt="2022-12-12T09:29:11.138" v="506" actId="478"/>
+          <ac:spMkLst>
+            <pc:docMk/>
+            <pc:sldMk cId="3321664794" sldId="272"/>
+            <ac:spMk id="7" creationId="{01CDBE08-33FD-5F99-A1FB-8656B1ECB1BD}"/>
+          </ac:spMkLst>
+        </pc:spChg>
+        <pc:picChg chg="add mod modCrop">
+          <ac:chgData name="ye zehao" userId="1905ace0d028615c" providerId="LiveId" clId="{3F2B048A-037E-4A90-BE76-30A204F32214}" dt="2022-12-12T09:30:40.248" v="526" actId="1076"/>
+          <ac:picMkLst>
+            <pc:docMk/>
+            <pc:sldMk cId="3321664794" sldId="272"/>
+            <ac:picMk id="8" creationId="{2B688563-9A72-2384-9DD1-8112002D90E8}"/>
+          </ac:picMkLst>
+        </pc:picChg>
+        <pc:picChg chg="add del mod modCrop">
+          <ac:chgData name="ye zehao" userId="1905ace0d028615c" providerId="LiveId" clId="{3F2B048A-037E-4A90-BE76-30A204F32214}" dt="2022-12-12T09:39:34.800" v="537" actId="478"/>
+          <ac:picMkLst>
+            <pc:docMk/>
+            <pc:sldMk cId="3321664794" sldId="272"/>
+            <ac:picMk id="9" creationId="{099142A6-641A-071A-CB1F-4FD437514399}"/>
+          </ac:picMkLst>
+        </pc:picChg>
+      </pc:sldChg>
+      <pc:sldChg chg="addSp modSp add mod">
+        <pc:chgData name="ye zehao" userId="1905ace0d028615c" providerId="LiveId" clId="{3F2B048A-037E-4A90-BE76-30A204F32214}" dt="2022-12-13T09:27:21.120" v="2185" actId="20577"/>
+        <pc:sldMkLst>
+          <pc:docMk/>
+          <pc:sldMk cId="3631794458" sldId="273"/>
+        </pc:sldMkLst>
+        <pc:spChg chg="mod">
+          <ac:chgData name="ye zehao" userId="1905ace0d028615c" providerId="LiveId" clId="{3F2B048A-037E-4A90-BE76-30A204F32214}" dt="2022-12-12T09:41:23.104" v="547" actId="20577"/>
+          <ac:spMkLst>
+            <pc:docMk/>
+            <pc:sldMk cId="3631794458" sldId="273"/>
+            <ac:spMk id="2" creationId="{0ABCDB25-326D-4B74-48C7-AB72A920A8CC}"/>
+          </ac:spMkLst>
+        </pc:spChg>
+        <pc:spChg chg="mod">
+          <ac:chgData name="ye zehao" userId="1905ace0d028615c" providerId="LiveId" clId="{3F2B048A-037E-4A90-BE76-30A204F32214}" dt="2022-12-12T09:43:03.107" v="652" actId="15"/>
+          <ac:spMkLst>
+            <pc:docMk/>
+            <pc:sldMk cId="3631794458" sldId="273"/>
+            <ac:spMk id="3" creationId="{303C7CD2-64A6-91F4-E855-B13983DAA3F7}"/>
+          </ac:spMkLst>
+        </pc:spChg>
+        <pc:spChg chg="add mod">
+          <ac:chgData name="ye zehao" userId="1905ace0d028615c" providerId="LiveId" clId="{3F2B048A-037E-4A90-BE76-30A204F32214}" dt="2022-12-13T09:27:21.120" v="2185" actId="20577"/>
+          <ac:spMkLst>
+            <pc:docMk/>
+            <pc:sldMk cId="3631794458" sldId="273"/>
+            <ac:spMk id="6" creationId="{26303DDE-D7D9-E6CD-C74A-9578B9A6BEDA}"/>
+          </ac:spMkLst>
+        </pc:spChg>
+      </pc:sldChg>
+      <pc:sldChg chg="addSp delSp modSp add mod">
+        <pc:chgData name="ye zehao" userId="1905ace0d028615c" providerId="LiveId" clId="{3F2B048A-037E-4A90-BE76-30A204F32214}" dt="2022-12-13T09:27:58.066" v="2195" actId="14100"/>
+        <pc:sldMkLst>
+          <pc:docMk/>
+          <pc:sldMk cId="3200390067" sldId="274"/>
+        </pc:sldMkLst>
+        <pc:spChg chg="mod">
+          <ac:chgData name="ye zehao" userId="1905ace0d028615c" providerId="LiveId" clId="{3F2B048A-037E-4A90-BE76-30A204F32214}" dt="2022-12-12T09:43:44.577" v="670" actId="20577"/>
+          <ac:spMkLst>
+            <pc:docMk/>
+            <pc:sldMk cId="3200390067" sldId="274"/>
+            <ac:spMk id="2" creationId="{0ABCDB25-326D-4B74-48C7-AB72A920A8CC}"/>
+          </ac:spMkLst>
+        </pc:spChg>
+        <pc:spChg chg="del mod">
+          <ac:chgData name="ye zehao" userId="1905ace0d028615c" providerId="LiveId" clId="{3F2B048A-037E-4A90-BE76-30A204F32214}" dt="2022-12-12T10:00:57.073" v="995" actId="478"/>
+          <ac:spMkLst>
+            <pc:docMk/>
+            <pc:sldMk cId="3200390067" sldId="274"/>
+            <ac:spMk id="3" creationId="{303C7CD2-64A6-91F4-E855-B13983DAA3F7}"/>
+          </ac:spMkLst>
+        </pc:spChg>
+        <pc:spChg chg="add mod">
+          <ac:chgData name="ye zehao" userId="1905ace0d028615c" providerId="LiveId" clId="{3F2B048A-037E-4A90-BE76-30A204F32214}" dt="2022-12-13T09:27:58.066" v="2195" actId="14100"/>
+          <ac:spMkLst>
+            <pc:docMk/>
+            <pc:sldMk cId="3200390067" sldId="274"/>
+            <ac:spMk id="3" creationId="{F1E7C55E-4A24-5DAF-2194-10180A682198}"/>
+          </ac:spMkLst>
+        </pc:spChg>
+        <pc:spChg chg="add del mod">
+          <ac:chgData name="ye zehao" userId="1905ace0d028615c" providerId="LiveId" clId="{3F2B048A-037E-4A90-BE76-30A204F32214}" dt="2022-12-12T10:01:03.626" v="997" actId="478"/>
+          <ac:spMkLst>
+            <pc:docMk/>
+            <pc:sldMk cId="3200390067" sldId="274"/>
+            <ac:spMk id="10" creationId="{A3E8444B-6D4C-2CED-9F72-B411ACD63BC4}"/>
+          </ac:spMkLst>
+        </pc:spChg>
+        <pc:spChg chg="add mod">
+          <ac:chgData name="ye zehao" userId="1905ace0d028615c" providerId="LiveId" clId="{3F2B048A-037E-4A90-BE76-30A204F32214}" dt="2022-12-12T15:57:49.316" v="1540"/>
+          <ac:spMkLst>
+            <pc:docMk/>
+            <pc:sldMk cId="3200390067" sldId="274"/>
+            <ac:spMk id="11" creationId="{5CE9C9DF-F8BB-175E-7D6A-3B44D0DB13B9}"/>
+          </ac:spMkLst>
+        </pc:spChg>
+        <pc:picChg chg="add del mod">
+          <ac:chgData name="ye zehao" userId="1905ace0d028615c" providerId="LiveId" clId="{3F2B048A-037E-4A90-BE76-30A204F32214}" dt="2022-12-12T09:46:16.643" v="750" actId="21"/>
+          <ac:picMkLst>
+            <pc:docMk/>
+            <pc:sldMk cId="3200390067" sldId="274"/>
+            <ac:picMk id="7" creationId="{5FC5A510-C97E-2CD5-6EB0-F0873B701B80}"/>
+          </ac:picMkLst>
+        </pc:picChg>
+        <pc:picChg chg="add mod modCrop">
+          <ac:chgData name="ye zehao" userId="1905ace0d028615c" providerId="LiveId" clId="{3F2B048A-037E-4A90-BE76-30A204F32214}" dt="2022-12-12T09:46:57.054" v="758" actId="1076"/>
+          <ac:picMkLst>
+            <pc:docMk/>
+            <pc:sldMk cId="3200390067" sldId="274"/>
+            <ac:picMk id="8" creationId="{7EA14804-1725-982F-CF38-CC5EAAB868DF}"/>
+          </ac:picMkLst>
+        </pc:picChg>
+      </pc:sldChg>
+      <pc:sldChg chg="addSp delSp modSp add mod">
+        <pc:chgData name="ye zehao" userId="1905ace0d028615c" providerId="LiveId" clId="{3F2B048A-037E-4A90-BE76-30A204F32214}" dt="2022-12-13T09:28:03.917" v="2198" actId="20577"/>
+        <pc:sldMkLst>
+          <pc:docMk/>
+          <pc:sldMk cId="877464387" sldId="275"/>
+        </pc:sldMkLst>
+        <pc:spChg chg="mod">
+          <ac:chgData name="ye zehao" userId="1905ace0d028615c" providerId="LiveId" clId="{3F2B048A-037E-4A90-BE76-30A204F32214}" dt="2022-12-12T09:53:09.617" v="925" actId="20577"/>
+          <ac:spMkLst>
+            <pc:docMk/>
+            <pc:sldMk cId="877464387" sldId="275"/>
+            <ac:spMk id="2" creationId="{0ABCDB25-326D-4B74-48C7-AB72A920A8CC}"/>
+          </ac:spMkLst>
+        </pc:spChg>
+        <pc:spChg chg="mod">
+          <ac:chgData name="ye zehao" userId="1905ace0d028615c" providerId="LiveId" clId="{3F2B048A-037E-4A90-BE76-30A204F32214}" dt="2022-12-12T17:41:36.592" v="2059" actId="20577"/>
+          <ac:spMkLst>
+            <pc:docMk/>
+            <pc:sldMk cId="877464387" sldId="275"/>
+            <ac:spMk id="3" creationId="{303C7CD2-64A6-91F4-E855-B13983DAA3F7}"/>
+          </ac:spMkLst>
+        </pc:spChg>
+        <pc:spChg chg="add mod">
+          <ac:chgData name="ye zehao" userId="1905ace0d028615c" providerId="LiveId" clId="{3F2B048A-037E-4A90-BE76-30A204F32214}" dt="2022-12-13T09:28:03.917" v="2198" actId="20577"/>
+          <ac:spMkLst>
+            <pc:docMk/>
+            <pc:sldMk cId="877464387" sldId="275"/>
+            <ac:spMk id="6" creationId="{182329BC-3095-AC40-0B3D-D0F715C505BA}"/>
+          </ac:spMkLst>
+        </pc:spChg>
+        <pc:spChg chg="add del mod">
+          <ac:chgData name="ye zehao" userId="1905ace0d028615c" providerId="LiveId" clId="{3F2B048A-037E-4A90-BE76-30A204F32214}" dt="2022-12-12T11:40:23.428" v="1529" actId="478"/>
+          <ac:spMkLst>
+            <pc:docMk/>
+            <pc:sldMk cId="877464387" sldId="275"/>
+            <ac:spMk id="16" creationId="{85D3A794-BC7D-AB97-1FD5-0A660166F824}"/>
+          </ac:spMkLst>
+        </pc:spChg>
+        <pc:picChg chg="add del mod modCrop">
+          <ac:chgData name="ye zehao" userId="1905ace0d028615c" providerId="LiveId" clId="{3F2B048A-037E-4A90-BE76-30A204F32214}" dt="2022-12-12T10:58:17.116" v="1066" actId="478"/>
+          <ac:picMkLst>
+            <pc:docMk/>
+            <pc:sldMk cId="877464387" sldId="275"/>
+            <ac:picMk id="7" creationId="{2936784A-99C6-A5FE-9CA8-3EC89755ADDC}"/>
+          </ac:picMkLst>
+        </pc:picChg>
+        <pc:picChg chg="add del mod modCrop">
+          <ac:chgData name="ye zehao" userId="1905ace0d028615c" providerId="LiveId" clId="{3F2B048A-037E-4A90-BE76-30A204F32214}" dt="2022-12-12T10:58:17.747" v="1067" actId="478"/>
+          <ac:picMkLst>
+            <pc:docMk/>
+            <pc:sldMk cId="877464387" sldId="275"/>
+            <ac:picMk id="9" creationId="{1F0F4D8E-3726-97B0-B2D8-75219C95B051}"/>
+          </ac:picMkLst>
+        </pc:picChg>
+        <pc:picChg chg="add del mod modCrop">
+          <ac:chgData name="ye zehao" userId="1905ace0d028615c" providerId="LiveId" clId="{3F2B048A-037E-4A90-BE76-30A204F32214}" dt="2022-12-12T11:39:53.560" v="1516" actId="478"/>
+          <ac:picMkLst>
+            <pc:docMk/>
+            <pc:sldMk cId="877464387" sldId="275"/>
+            <ac:picMk id="11" creationId="{2916EA29-5267-7C0B-C13B-D6245EC24F16}"/>
+          </ac:picMkLst>
+        </pc:picChg>
+        <pc:picChg chg="add del mod modCrop">
+          <ac:chgData name="ye zehao" userId="1905ace0d028615c" providerId="LiveId" clId="{3F2B048A-037E-4A90-BE76-30A204F32214}" dt="2022-12-12T11:39:54.198" v="1517" actId="478"/>
+          <ac:picMkLst>
+            <pc:docMk/>
+            <pc:sldMk cId="877464387" sldId="275"/>
+            <ac:picMk id="13" creationId="{D0384EB6-7D24-54DD-D501-A651DE07B081}"/>
+          </ac:picMkLst>
+        </pc:picChg>
+        <pc:picChg chg="add del mod modCrop">
+          <ac:chgData name="ye zehao" userId="1905ace0d028615c" providerId="LiveId" clId="{3F2B048A-037E-4A90-BE76-30A204F32214}" dt="2022-12-12T11:39:54.710" v="1518" actId="478"/>
+          <ac:picMkLst>
+            <pc:docMk/>
+            <pc:sldMk cId="877464387" sldId="275"/>
+            <ac:picMk id="14" creationId="{45913AD2-67FC-1BB9-5EFD-15B0C9BDD607}"/>
+          </ac:picMkLst>
+        </pc:picChg>
+        <pc:picChg chg="add del mod">
+          <ac:chgData name="ye zehao" userId="1905ace0d028615c" providerId="LiveId" clId="{3F2B048A-037E-4A90-BE76-30A204F32214}" dt="2022-12-12T11:00:40.014" v="1106"/>
+          <ac:picMkLst>
+            <pc:docMk/>
+            <pc:sldMk cId="877464387" sldId="275"/>
+            <ac:picMk id="15" creationId="{30246BD4-805B-E343-D718-4EB933083FCA}"/>
+          </ac:picMkLst>
+        </pc:picChg>
+      </pc:sldChg>
+      <pc:sldChg chg="addSp modSp add mod">
+        <pc:chgData name="ye zehao" userId="1905ace0d028615c" providerId="LiveId" clId="{3F2B048A-037E-4A90-BE76-30A204F32214}" dt="2022-12-13T10:38:13.858" v="2386" actId="14100"/>
+        <pc:sldMkLst>
+          <pc:docMk/>
+          <pc:sldMk cId="3690252051" sldId="276"/>
+        </pc:sldMkLst>
+        <pc:spChg chg="mod">
+          <ac:chgData name="ye zehao" userId="1905ace0d028615c" providerId="LiveId" clId="{3F2B048A-037E-4A90-BE76-30A204F32214}" dt="2022-12-13T10:36:48.322" v="2245" actId="20577"/>
+          <ac:spMkLst>
+            <pc:docMk/>
+            <pc:sldMk cId="3690252051" sldId="276"/>
+            <ac:spMk id="2" creationId="{0ABCDB25-326D-4B74-48C7-AB72A920A8CC}"/>
+          </ac:spMkLst>
+        </pc:spChg>
+        <pc:spChg chg="mod">
+          <ac:chgData name="ye zehao" userId="1905ace0d028615c" providerId="LiveId" clId="{3F2B048A-037E-4A90-BE76-30A204F32214}" dt="2022-12-13T10:38:13.858" v="2386" actId="14100"/>
+          <ac:spMkLst>
+            <pc:docMk/>
+            <pc:sldMk cId="3690252051" sldId="276"/>
+            <ac:spMk id="3" creationId="{303C7CD2-64A6-91F4-E855-B13983DAA3F7}"/>
+          </ac:spMkLst>
+        </pc:spChg>
+        <pc:spChg chg="add mod">
+          <ac:chgData name="ye zehao" userId="1905ace0d028615c" providerId="LiveId" clId="{3F2B048A-037E-4A90-BE76-30A204F32214}" dt="2022-12-13T09:26:57.013" v="2176" actId="20577"/>
+          <ac:spMkLst>
+            <pc:docMk/>
+            <pc:sldMk cId="3690252051" sldId="276"/>
+            <ac:spMk id="6" creationId="{0E93128A-086D-F9A0-8339-AA62E4D8AF1E}"/>
+          </ac:spMkLst>
+        </pc:spChg>
+      </pc:sldChg>
+      <pc:sldChg chg="addSp delSp modSp add del mod">
+        <pc:chgData name="ye zehao" userId="1905ace0d028615c" providerId="LiveId" clId="{3F2B048A-037E-4A90-BE76-30A204F32214}" dt="2022-12-12T11:40:56.945" v="1539" actId="47"/>
+        <pc:sldMkLst>
+          <pc:docMk/>
+          <pc:sldMk cId="988118272" sldId="277"/>
+        </pc:sldMkLst>
+        <pc:spChg chg="mod">
+          <ac:chgData name="ye zehao" userId="1905ace0d028615c" providerId="LiveId" clId="{3F2B048A-037E-4A90-BE76-30A204F32214}" dt="2022-12-12T11:01:40.132" v="1144" actId="20577"/>
+          <ac:spMkLst>
+            <pc:docMk/>
+            <pc:sldMk cId="988118272" sldId="277"/>
+            <ac:spMk id="3" creationId="{303C7CD2-64A6-91F4-E855-B13983DAA3F7}"/>
+          </ac:spMkLst>
+        </pc:spChg>
+        <pc:picChg chg="add del mod modCrop">
+          <ac:chgData name="ye zehao" userId="1905ace0d028615c" providerId="LiveId" clId="{3F2B048A-037E-4A90-BE76-30A204F32214}" dt="2022-12-12T11:39:48.420" v="1515" actId="478"/>
+          <ac:picMkLst>
+            <pc:docMk/>
+            <pc:sldMk cId="988118272" sldId="277"/>
+            <ac:picMk id="7" creationId="{C336E516-411B-DD2F-F2D7-E12B8ADBF884}"/>
+          </ac:picMkLst>
+        </pc:picChg>
+        <pc:picChg chg="del">
+          <ac:chgData name="ye zehao" userId="1905ace0d028615c" providerId="LiveId" clId="{3F2B048A-037E-4A90-BE76-30A204F32214}" dt="2022-12-12T11:02:23.069" v="1145" actId="478"/>
+          <ac:picMkLst>
+            <pc:docMk/>
+            <pc:sldMk cId="988118272" sldId="277"/>
+            <ac:picMk id="11" creationId="{2916EA29-5267-7C0B-C13B-D6245EC24F16}"/>
+          </ac:picMkLst>
+        </pc:picChg>
+        <pc:picChg chg="del">
+          <ac:chgData name="ye zehao" userId="1905ace0d028615c" providerId="LiveId" clId="{3F2B048A-037E-4A90-BE76-30A204F32214}" dt="2022-12-12T11:03:16.387" v="1155" actId="478"/>
+          <ac:picMkLst>
+            <pc:docMk/>
+            <pc:sldMk cId="988118272" sldId="277"/>
+            <ac:picMk id="13" creationId="{D0384EB6-7D24-54DD-D501-A651DE07B081}"/>
+          </ac:picMkLst>
+        </pc:picChg>
+        <pc:picChg chg="del">
+          <ac:chgData name="ye zehao" userId="1905ace0d028615c" providerId="LiveId" clId="{3F2B048A-037E-4A90-BE76-30A204F32214}" dt="2022-12-12T11:03:15.662" v="1154" actId="478"/>
+          <ac:picMkLst>
+            <pc:docMk/>
+            <pc:sldMk cId="988118272" sldId="277"/>
+            <ac:picMk id="14" creationId="{45913AD2-67FC-1BB9-5EFD-15B0C9BDD607}"/>
+          </ac:picMkLst>
+        </pc:picChg>
+      </pc:sldChg>
+      <pc:sldChg chg="addSp delSp modSp add del mod delAnim modAnim">
+        <pc:chgData name="ye zehao" userId="1905ace0d028615c" providerId="LiveId" clId="{3F2B048A-037E-4A90-BE76-30A204F32214}" dt="2022-12-12T10:42:33.478" v="1062" actId="47"/>
+        <pc:sldMkLst>
+          <pc:docMk/>
+          <pc:sldMk cId="3008661371" sldId="277"/>
+        </pc:sldMkLst>
+        <pc:spChg chg="del mod">
+          <ac:chgData name="ye zehao" userId="1905ace0d028615c" providerId="LiveId" clId="{3F2B048A-037E-4A90-BE76-30A204F32214}" dt="2022-12-12T10:02:43.100" v="1053" actId="478"/>
+          <ac:spMkLst>
+            <pc:docMk/>
+            <pc:sldMk cId="3008661371" sldId="277"/>
+            <ac:spMk id="3" creationId="{303C7CD2-64A6-91F4-E855-B13983DAA3F7}"/>
+          </ac:spMkLst>
+        </pc:spChg>
+        <pc:spChg chg="add del mod">
+          <ac:chgData name="ye zehao" userId="1905ace0d028615c" providerId="LiveId" clId="{3F2B048A-037E-4A90-BE76-30A204F32214}" dt="2022-12-12T10:02:45.526" v="1054" actId="478"/>
+          <ac:spMkLst>
+            <pc:docMk/>
+            <pc:sldMk cId="3008661371" sldId="277"/>
+            <ac:spMk id="7" creationId="{AD2BE5CB-D83F-96BE-BF31-F53A44E5B9F4}"/>
+          </ac:spMkLst>
+        </pc:spChg>
+        <pc:picChg chg="del">
+          <ac:chgData name="ye zehao" userId="1905ace0d028615c" providerId="LiveId" clId="{3F2B048A-037E-4A90-BE76-30A204F32214}" dt="2022-12-12T10:02:47.165" v="1055" actId="478"/>
+          <ac:picMkLst>
+            <pc:docMk/>
+            <pc:sldMk cId="3008661371" sldId="277"/>
+            <ac:picMk id="8" creationId="{7EA14804-1725-982F-CF38-CC5EAAB868DF}"/>
+          </ac:picMkLst>
+        </pc:picChg>
+        <pc:picChg chg="add del mod">
+          <ac:chgData name="ye zehao" userId="1905ace0d028615c" providerId="LiveId" clId="{3F2B048A-037E-4A90-BE76-30A204F32214}" dt="2022-12-12T10:03:13.917" v="1061" actId="478"/>
+          <ac:picMkLst>
+            <pc:docMk/>
+            <pc:sldMk cId="3008661371" sldId="277"/>
+            <ac:picMk id="9" creationId="{626588E9-5AF5-9431-CD77-C07CB930E995}"/>
+          </ac:picMkLst>
+        </pc:picChg>
+      </pc:sldChg>
+      <pc:sldChg chg="addSp delSp modSp add mod">
+        <pc:chgData name="ye zehao" userId="1905ace0d028615c" providerId="LiveId" clId="{3F2B048A-037E-4A90-BE76-30A204F32214}" dt="2022-12-13T09:28:28.757" v="2204"/>
+        <pc:sldMkLst>
+          <pc:docMk/>
+          <pc:sldMk cId="702815529" sldId="278"/>
+        </pc:sldMkLst>
+        <pc:spChg chg="mod">
+          <ac:chgData name="ye zehao" userId="1905ace0d028615c" providerId="LiveId" clId="{3F2B048A-037E-4A90-BE76-30A204F32214}" dt="2022-12-12T11:04:47.991" v="1187" actId="20577"/>
+          <ac:spMkLst>
+            <pc:docMk/>
+            <pc:sldMk cId="702815529" sldId="278"/>
+            <ac:spMk id="2" creationId="{0ABCDB25-326D-4B74-48C7-AB72A920A8CC}"/>
+          </ac:spMkLst>
+        </pc:spChg>
+        <pc:spChg chg="mod">
+          <ac:chgData name="ye zehao" userId="1905ace0d028615c" providerId="LiveId" clId="{3F2B048A-037E-4A90-BE76-30A204F32214}" dt="2022-12-12T11:06:32.167" v="1304" actId="14100"/>
+          <ac:spMkLst>
+            <pc:docMk/>
+            <pc:sldMk cId="702815529" sldId="278"/>
+            <ac:spMk id="3" creationId="{303C7CD2-64A6-91F4-E855-B13983DAA3F7}"/>
+          </ac:spMkLst>
+        </pc:spChg>
+        <pc:spChg chg="add mod">
+          <ac:chgData name="ye zehao" userId="1905ace0d028615c" providerId="LiveId" clId="{3F2B048A-037E-4A90-BE76-30A204F32214}" dt="2022-12-13T09:28:28.757" v="2204"/>
+          <ac:spMkLst>
+            <pc:docMk/>
+            <pc:sldMk cId="702815529" sldId="278"/>
+            <ac:spMk id="6" creationId="{31C2F6F4-C62E-6E44-0EBB-6CF09E508EC5}"/>
+          </ac:spMkLst>
+        </pc:spChg>
+        <pc:spChg chg="del">
+          <ac:chgData name="ye zehao" userId="1905ace0d028615c" providerId="LiveId" clId="{3F2B048A-037E-4A90-BE76-30A204F32214}" dt="2022-12-12T11:06:36.043" v="1305" actId="478"/>
+          <ac:spMkLst>
+            <pc:docMk/>
+            <pc:sldMk cId="702815529" sldId="278"/>
+            <ac:spMk id="16" creationId="{85D3A794-BC7D-AB97-1FD5-0A660166F824}"/>
+          </ac:spMkLst>
+        </pc:spChg>
+        <pc:picChg chg="del">
+          <ac:chgData name="ye zehao" userId="1905ace0d028615c" providerId="LiveId" clId="{3F2B048A-037E-4A90-BE76-30A204F32214}" dt="2022-12-12T11:04:50.990" v="1188" actId="478"/>
+          <ac:picMkLst>
+            <pc:docMk/>
+            <pc:sldMk cId="702815529" sldId="278"/>
+            <ac:picMk id="7" creationId="{C336E516-411B-DD2F-F2D7-E12B8ADBF884}"/>
+          </ac:picMkLst>
+        </pc:picChg>
+      </pc:sldChg>
+      <pc:sldChg chg="addSp delSp modSp add mod">
+        <pc:chgData name="ye zehao" userId="1905ace0d028615c" providerId="LiveId" clId="{3F2B048A-037E-4A90-BE76-30A204F32214}" dt="2022-12-13T09:28:37.485" v="2207" actId="14100"/>
+        <pc:sldMkLst>
+          <pc:docMk/>
+          <pc:sldMk cId="15287027" sldId="279"/>
+        </pc:sldMkLst>
+        <pc:spChg chg="mod">
+          <ac:chgData name="ye zehao" userId="1905ace0d028615c" providerId="LiveId" clId="{3F2B048A-037E-4A90-BE76-30A204F32214}" dt="2022-12-12T11:06:47.966" v="1313" actId="20577"/>
+          <ac:spMkLst>
+            <pc:docMk/>
+            <pc:sldMk cId="15287027" sldId="279"/>
+            <ac:spMk id="2" creationId="{0ABCDB25-326D-4B74-48C7-AB72A920A8CC}"/>
+          </ac:spMkLst>
+        </pc:spChg>
+        <pc:spChg chg="mod">
+          <ac:chgData name="ye zehao" userId="1905ace0d028615c" providerId="LiveId" clId="{3F2B048A-037E-4A90-BE76-30A204F32214}" dt="2022-12-13T09:04:19.501" v="2134" actId="14100"/>
+          <ac:spMkLst>
+            <pc:docMk/>
+            <pc:sldMk cId="15287027" sldId="279"/>
+            <ac:spMk id="3" creationId="{303C7CD2-64A6-91F4-E855-B13983DAA3F7}"/>
+          </ac:spMkLst>
+        </pc:spChg>
+        <pc:spChg chg="add mod">
+          <ac:chgData name="ye zehao" userId="1905ace0d028615c" providerId="LiveId" clId="{3F2B048A-037E-4A90-BE76-30A204F32214}" dt="2022-12-13T09:28:37.485" v="2207" actId="14100"/>
+          <ac:spMkLst>
+            <pc:docMk/>
+            <pc:sldMk cId="15287027" sldId="279"/>
+            <ac:spMk id="6" creationId="{B08C997F-1EEE-D958-D231-4C82A2223313}"/>
+          </ac:spMkLst>
+        </pc:spChg>
+        <pc:spChg chg="add del">
+          <ac:chgData name="ye zehao" userId="1905ace0d028615c" providerId="LiveId" clId="{3F2B048A-037E-4A90-BE76-30A204F32214}" dt="2022-12-12T11:15:44.371" v="1341" actId="22"/>
+          <ac:spMkLst>
+            <pc:docMk/>
+            <pc:sldMk cId="15287027" sldId="279"/>
+            <ac:spMk id="7" creationId="{2615AC51-EF7F-A169-6261-21999C3208AD}"/>
+          </ac:spMkLst>
+        </pc:spChg>
+      </pc:sldChg>
+      <pc:sldChg chg="addSp modSp add mod">
+        <pc:chgData name="ye zehao" userId="1905ace0d028615c" providerId="LiveId" clId="{3F2B048A-037E-4A90-BE76-30A204F32214}" dt="2022-12-13T10:32:09.626" v="2223" actId="20577"/>
+        <pc:sldMkLst>
+          <pc:docMk/>
+          <pc:sldMk cId="953404111" sldId="280"/>
+        </pc:sldMkLst>
+        <pc:spChg chg="mod">
+          <ac:chgData name="ye zehao" userId="1905ace0d028615c" providerId="LiveId" clId="{3F2B048A-037E-4A90-BE76-30A204F32214}" dt="2022-12-13T10:32:09.626" v="2223" actId="20577"/>
+          <ac:spMkLst>
+            <pc:docMk/>
+            <pc:sldMk cId="953404111" sldId="280"/>
+            <ac:spMk id="3" creationId="{303C7CD2-64A6-91F4-E855-B13983DAA3F7}"/>
+          </ac:spMkLst>
+        </pc:spChg>
+        <pc:spChg chg="add mod">
+          <ac:chgData name="ye zehao" userId="1905ace0d028615c" providerId="LiveId" clId="{3F2B048A-037E-4A90-BE76-30A204F32214}" dt="2022-12-13T09:28:18.194" v="2203" actId="14100"/>
+          <ac:spMkLst>
+            <pc:docMk/>
+            <pc:sldMk cId="953404111" sldId="280"/>
+            <ac:spMk id="7" creationId="{F178899A-501E-A98C-4476-A5998785812A}"/>
+          </ac:spMkLst>
+        </pc:spChg>
+        <pc:picChg chg="add mod modCrop">
+          <ac:chgData name="ye zehao" userId="1905ace0d028615c" providerId="LiveId" clId="{3F2B048A-037E-4A90-BE76-30A204F32214}" dt="2022-12-12T11:07:43.775" v="1321" actId="1076"/>
+          <ac:picMkLst>
+            <pc:docMk/>
+            <pc:sldMk cId="953404111" sldId="280"/>
+            <ac:picMk id="6" creationId="{F1B4596E-6CD3-F3F9-FC84-E49515497E38}"/>
+          </ac:picMkLst>
+        </pc:picChg>
+      </pc:sldChg>
+      <pc:sldChg chg="delSp modSp add del mod">
+        <pc:chgData name="ye zehao" userId="1905ace0d028615c" providerId="LiveId" clId="{3F2B048A-037E-4A90-BE76-30A204F32214}" dt="2022-12-12T11:19:14.624" v="1385" actId="47"/>
+        <pc:sldMkLst>
+          <pc:docMk/>
+          <pc:sldMk cId="3983762802" sldId="281"/>
+        </pc:sldMkLst>
+        <pc:spChg chg="mod">
+          <ac:chgData name="ye zehao" userId="1905ace0d028615c" providerId="LiveId" clId="{3F2B048A-037E-4A90-BE76-30A204F32214}" dt="2022-12-12T11:15:56.150" v="1347" actId="20577"/>
+          <ac:spMkLst>
+            <pc:docMk/>
+            <pc:sldMk cId="3983762802" sldId="281"/>
+            <ac:spMk id="2" creationId="{0ABCDB25-326D-4B74-48C7-AB72A920A8CC}"/>
+          </ac:spMkLst>
+        </pc:spChg>
+        <pc:spChg chg="del mod">
+          <ac:chgData name="ye zehao" userId="1905ace0d028615c" providerId="LiveId" clId="{3F2B048A-037E-4A90-BE76-30A204F32214}" dt="2022-12-12T11:18:49.852" v="1383" actId="478"/>
+          <ac:spMkLst>
+            <pc:docMk/>
+            <pc:sldMk cId="3983762802" sldId="281"/>
+            <ac:spMk id="3" creationId="{303C7CD2-64A6-91F4-E855-B13983DAA3F7}"/>
+          </ac:spMkLst>
+        </pc:spChg>
+      </pc:sldChg>
+      <pc:sldChg chg="add del">
+        <pc:chgData name="ye zehao" userId="1905ace0d028615c" providerId="LiveId" clId="{3F2B048A-037E-4A90-BE76-30A204F32214}" dt="2022-12-12T11:17:57.118" v="1350" actId="47"/>
+        <pc:sldMkLst>
+          <pc:docMk/>
+          <pc:sldMk cId="1465531916" sldId="282"/>
+        </pc:sldMkLst>
+      </pc:sldChg>
+      <pc:sldChg chg="modSp add mod">
+        <pc:chgData name="ye zehao" userId="1905ace0d028615c" providerId="LiveId" clId="{3F2B048A-037E-4A90-BE76-30A204F32214}" dt="2022-12-12T11:18:40.111" v="1380" actId="1076"/>
+        <pc:sldMkLst>
+          <pc:docMk/>
+          <pc:sldMk cId="2623050566" sldId="283"/>
+        </pc:sldMkLst>
+        <pc:spChg chg="mod">
+          <ac:chgData name="ye zehao" userId="1905ace0d028615c" providerId="LiveId" clId="{3F2B048A-037E-4A90-BE76-30A204F32214}" dt="2022-12-12T11:18:36.423" v="1379" actId="1076"/>
+          <ac:spMkLst>
+            <pc:docMk/>
+            <pc:sldMk cId="2623050566" sldId="283"/>
+            <ac:spMk id="4" creationId="{7991FDA1-9345-7E69-93BC-55181C87E892}"/>
+          </ac:spMkLst>
+        </pc:spChg>
+        <pc:spChg chg="mod">
+          <ac:chgData name="ye zehao" userId="1905ace0d028615c" providerId="LiveId" clId="{3F2B048A-037E-4A90-BE76-30A204F32214}" dt="2022-12-12T11:18:40.111" v="1380" actId="1076"/>
+          <ac:spMkLst>
+            <pc:docMk/>
+            <pc:sldMk cId="2623050566" sldId="283"/>
+            <ac:spMk id="11" creationId="{30E34ECA-CC71-6389-96F9-CB0C192460D6}"/>
+          </ac:spMkLst>
+        </pc:spChg>
+      </pc:sldChg>
+      <pc:sldChg chg="modSp add mod">
+        <pc:chgData name="ye zehao" userId="1905ace0d028615c" providerId="LiveId" clId="{3F2B048A-037E-4A90-BE76-30A204F32214}" dt="2022-12-12T11:19:21.948" v="1390" actId="20577"/>
+        <pc:sldMkLst>
+          <pc:docMk/>
+          <pc:sldMk cId="612549613" sldId="284"/>
+        </pc:sldMkLst>
+        <pc:spChg chg="mod">
+          <ac:chgData name="ye zehao" userId="1905ace0d028615c" providerId="LiveId" clId="{3F2B048A-037E-4A90-BE76-30A204F32214}" dt="2022-12-12T11:19:21.948" v="1390" actId="20577"/>
+          <ac:spMkLst>
+            <pc:docMk/>
+            <pc:sldMk cId="612549613" sldId="284"/>
+            <ac:spMk id="11" creationId="{30E34ECA-CC71-6389-96F9-CB0C192460D6}"/>
+          </ac:spMkLst>
+        </pc:spChg>
+      </pc:sldChg>
+      <pc:sldChg chg="addSp modSp add mod ord">
+        <pc:chgData name="ye zehao" userId="1905ace0d028615c" providerId="LiveId" clId="{3F2B048A-037E-4A90-BE76-30A204F32214}" dt="2022-12-13T09:26:25.429" v="2167" actId="20577"/>
+        <pc:sldMkLst>
+          <pc:docMk/>
+          <pc:sldMk cId="403408503" sldId="285"/>
+        </pc:sldMkLst>
+        <pc:spChg chg="mod">
+          <ac:chgData name="ye zehao" userId="1905ace0d028615c" providerId="LiveId" clId="{3F2B048A-037E-4A90-BE76-30A204F32214}" dt="2022-12-12T16:45:16.908" v="1569" actId="20577"/>
+          <ac:spMkLst>
+            <pc:docMk/>
+            <pc:sldMk cId="403408503" sldId="285"/>
+            <ac:spMk id="2" creationId="{0ABCDB25-326D-4B74-48C7-AB72A920A8CC}"/>
+          </ac:spMkLst>
+        </pc:spChg>
+        <pc:spChg chg="mod">
+          <ac:chgData name="ye zehao" userId="1905ace0d028615c" providerId="LiveId" clId="{3F2B048A-037E-4A90-BE76-30A204F32214}" dt="2022-12-13T09:23:39.626" v="2145" actId="20577"/>
+          <ac:spMkLst>
+            <pc:docMk/>
+            <pc:sldMk cId="403408503" sldId="285"/>
+            <ac:spMk id="3" creationId="{303C7CD2-64A6-91F4-E855-B13983DAA3F7}"/>
+          </ac:spMkLst>
+        </pc:spChg>
+        <pc:spChg chg="add mod">
+          <ac:chgData name="ye zehao" userId="1905ace0d028615c" providerId="LiveId" clId="{3F2B048A-037E-4A90-BE76-30A204F32214}" dt="2022-12-13T09:26:25.429" v="2167" actId="20577"/>
+          <ac:spMkLst>
+            <pc:docMk/>
+            <pc:sldMk cId="403408503" sldId="285"/>
+            <ac:spMk id="6" creationId="{3A39C0FB-262E-530A-3F2B-63BAAC034E91}"/>
+          </ac:spMkLst>
+        </pc:spChg>
+      </pc:sldChg>
+      <pc:sldChg chg="addSp modSp add mod">
+        <pc:chgData name="ye zehao" userId="1905ace0d028615c" providerId="LiveId" clId="{3F2B048A-037E-4A90-BE76-30A204F32214}" dt="2022-12-13T09:26:33.195" v="2170" actId="20577"/>
+        <pc:sldMkLst>
+          <pc:docMk/>
+          <pc:sldMk cId="3055076122" sldId="286"/>
+        </pc:sldMkLst>
+        <pc:spChg chg="mod">
+          <ac:chgData name="ye zehao" userId="1905ace0d028615c" providerId="LiveId" clId="{3F2B048A-037E-4A90-BE76-30A204F32214}" dt="2022-12-12T16:48:45.728" v="1642" actId="20577"/>
+          <ac:spMkLst>
+            <pc:docMk/>
+            <pc:sldMk cId="3055076122" sldId="286"/>
+            <ac:spMk id="2" creationId="{0ABCDB25-326D-4B74-48C7-AB72A920A8CC}"/>
+          </ac:spMkLst>
+        </pc:spChg>
+        <pc:spChg chg="mod">
+          <ac:chgData name="ye zehao" userId="1905ace0d028615c" providerId="LiveId" clId="{3F2B048A-037E-4A90-BE76-30A204F32214}" dt="2022-12-12T17:16:35.856" v="1902" actId="20577"/>
+          <ac:spMkLst>
+            <pc:docMk/>
+            <pc:sldMk cId="3055076122" sldId="286"/>
+            <ac:spMk id="3" creationId="{303C7CD2-64A6-91F4-E855-B13983DAA3F7}"/>
+          </ac:spMkLst>
+        </pc:spChg>
+        <pc:spChg chg="add mod">
+          <ac:chgData name="ye zehao" userId="1905ace0d028615c" providerId="LiveId" clId="{3F2B048A-037E-4A90-BE76-30A204F32214}" dt="2022-12-13T09:26:33.195" v="2170" actId="20577"/>
+          <ac:spMkLst>
+            <pc:docMk/>
+            <pc:sldMk cId="3055076122" sldId="286"/>
+            <ac:spMk id="6" creationId="{EB3480FC-0683-E7D8-A768-76AB61BAA780}"/>
+          </ac:spMkLst>
+        </pc:spChg>
+      </pc:sldChg>
+    </pc:docChg>
+  </pc:docChgLst>
+</pc:chgInfo>
+</file>
+
 <file path=ppt/slideLayouts/slideLayout1.xml><?xml version="1.0" encoding="utf-8"?>
 <p:sldLayout xmlns:a="http://schemas.openxmlformats.org/drawingml/2006/main" xmlns:r="http://schemas.openxmlformats.org/officeDocument/2006/relationships" xmlns:p="http://schemas.openxmlformats.org/presentationml/2006/main" type="title" preserve="1">
   <p:cSld name="标题幻灯片">
@@ -271,7 +1213,7 @@
           <a:p>
             <a:fld id="{E1BCC085-107F-4585-A7F8-D66D926DD9A1}" type="datetimeFigureOut">
               <a:rPr lang="zh-CN" altLang="en-US" smtClean="0"/>
-              <a:t>2022/12/9</a:t>
+              <a:t>2022/12/13</a:t>
             </a:fld>
             <a:endParaRPr lang="zh-CN" altLang="en-US"/>
           </a:p>
@@ -469,7 +1411,7 @@
           <a:p>
             <a:fld id="{E1BCC085-107F-4585-A7F8-D66D926DD9A1}" type="datetimeFigureOut">
               <a:rPr lang="zh-CN" altLang="en-US" smtClean="0"/>
-              <a:t>2022/12/9</a:t>
+              <a:t>2022/12/13</a:t>
             </a:fld>
             <a:endParaRPr lang="zh-CN" altLang="en-US"/>
           </a:p>
@@ -677,7 +1619,7 @@
           <a:p>
             <a:fld id="{E1BCC085-107F-4585-A7F8-D66D926DD9A1}" type="datetimeFigureOut">
               <a:rPr lang="zh-CN" altLang="en-US" smtClean="0"/>
-              <a:t>2022/12/9</a:t>
+              <a:t>2022/12/13</a:t>
             </a:fld>
             <a:endParaRPr lang="zh-CN" altLang="en-US"/>
           </a:p>
@@ -875,7 +1817,7 @@
           <a:p>
             <a:fld id="{E1BCC085-107F-4585-A7F8-D66D926DD9A1}" type="datetimeFigureOut">
               <a:rPr lang="zh-CN" altLang="en-US" smtClean="0"/>
-              <a:t>2022/12/9</a:t>
+              <a:t>2022/12/13</a:t>
             </a:fld>
             <a:endParaRPr lang="zh-CN" altLang="en-US"/>
           </a:p>
@@ -1150,7 +2092,7 @@
           <a:p>
             <a:fld id="{E1BCC085-107F-4585-A7F8-D66D926DD9A1}" type="datetimeFigureOut">
               <a:rPr lang="zh-CN" altLang="en-US" smtClean="0"/>
-              <a:t>2022/12/9</a:t>
+              <a:t>2022/12/13</a:t>
             </a:fld>
             <a:endParaRPr lang="zh-CN" altLang="en-US"/>
           </a:p>
@@ -1415,7 +2357,7 @@
           <a:p>
             <a:fld id="{E1BCC085-107F-4585-A7F8-D66D926DD9A1}" type="datetimeFigureOut">
               <a:rPr lang="zh-CN" altLang="en-US" smtClean="0"/>
-              <a:t>2022/12/9</a:t>
+              <a:t>2022/12/13</a:t>
             </a:fld>
             <a:endParaRPr lang="zh-CN" altLang="en-US"/>
           </a:p>
@@ -1827,7 +2769,7 @@
           <a:p>
             <a:fld id="{E1BCC085-107F-4585-A7F8-D66D926DD9A1}" type="datetimeFigureOut">
               <a:rPr lang="zh-CN" altLang="en-US" smtClean="0"/>
-              <a:t>2022/12/9</a:t>
+              <a:t>2022/12/13</a:t>
             </a:fld>
             <a:endParaRPr lang="zh-CN" altLang="en-US"/>
           </a:p>
@@ -1968,7 +2910,7 @@
           <a:p>
             <a:fld id="{E1BCC085-107F-4585-A7F8-D66D926DD9A1}" type="datetimeFigureOut">
               <a:rPr lang="zh-CN" altLang="en-US" smtClean="0"/>
-              <a:t>2022/12/9</a:t>
+              <a:t>2022/12/13</a:t>
             </a:fld>
             <a:endParaRPr lang="zh-CN" altLang="en-US"/>
           </a:p>
@@ -2081,7 +3023,7 @@
           <a:p>
             <a:fld id="{E1BCC085-107F-4585-A7F8-D66D926DD9A1}" type="datetimeFigureOut">
               <a:rPr lang="zh-CN" altLang="en-US" smtClean="0"/>
-              <a:t>2022/12/9</a:t>
+              <a:t>2022/12/13</a:t>
             </a:fld>
             <a:endParaRPr lang="zh-CN" altLang="en-US"/>
           </a:p>
@@ -2392,7 +3334,7 @@
           <a:p>
             <a:fld id="{E1BCC085-107F-4585-A7F8-D66D926DD9A1}" type="datetimeFigureOut">
               <a:rPr lang="zh-CN" altLang="en-US" smtClean="0"/>
-              <a:t>2022/12/9</a:t>
+              <a:t>2022/12/13</a:t>
             </a:fld>
             <a:endParaRPr lang="zh-CN" altLang="en-US"/>
           </a:p>
@@ -2680,7 +3622,7 @@
           <a:p>
             <a:fld id="{E1BCC085-107F-4585-A7F8-D66D926DD9A1}" type="datetimeFigureOut">
               <a:rPr lang="zh-CN" altLang="en-US" smtClean="0"/>
-              <a:t>2022/12/9</a:t>
+              <a:t>2022/12/13</a:t>
             </a:fld>
             <a:endParaRPr lang="zh-CN" altLang="en-US"/>
           </a:p>
@@ -2921,7 +3863,7 @@
           <a:p>
             <a:fld id="{E1BCC085-107F-4585-A7F8-D66D926DD9A1}" type="datetimeFigureOut">
               <a:rPr lang="zh-CN" altLang="en-US" smtClean="0"/>
-              <a:t>2022/12/9</a:t>
+              <a:t>2022/12/13</a:t>
             </a:fld>
             <a:endParaRPr lang="zh-CN" altLang="en-US"/>
           </a:p>
@@ -3824,7 +4766,7 @@
           <p:cNvPr id="2" name="标题 1">
             <a:extLst>
               <a:ext uri="{FF2B5EF4-FFF2-40B4-BE49-F238E27FC236}">
-                <a16:creationId xmlns:a16="http://schemas.microsoft.com/office/drawing/2014/main" id="{82CB820D-563F-AAE9-F91D-4B002EA82759}"/>
+                <a16:creationId xmlns:a16="http://schemas.microsoft.com/office/drawing/2014/main" id="{0ABCDB25-326D-4B74-48C7-AB72A920A8CC}"/>
               </a:ext>
             </a:extLst>
           </p:cNvPr>
@@ -3837,7 +4779,9 @@
         </p:nvSpPr>
         <p:spPr/>
         <p:txBody>
-          <a:bodyPr/>
+          <a:bodyPr>
+            <a:normAutofit/>
+          </a:bodyPr>
           <a:lstStyle/>
           <a:p>
             <a:pPr marL="571500" indent="-571500">
@@ -3845,46 +4789,252 @@
               <a:buChar char="•"/>
             </a:pPr>
             <a:r>
-              <a:rPr lang="en-US" altLang="zh-CN" dirty="0"/>
-              <a:t>Gannt Chart</a:t>
-            </a:r>
-            <a:endParaRPr lang="zh-CN" altLang="en-US" dirty="0"/>
-          </a:p>
-        </p:txBody>
-      </p:sp>
-      <p:pic>
-        <p:nvPicPr>
-          <p:cNvPr id="5" name="图片 4">
-            <a:extLst>
-              <a:ext uri="{FF2B5EF4-FFF2-40B4-BE49-F238E27FC236}">
-                <a16:creationId xmlns:a16="http://schemas.microsoft.com/office/drawing/2014/main" id="{76853B65-CC9C-16AD-00D2-2994CF3B335F}"/>
-              </a:ext>
-            </a:extLst>
-          </p:cNvPr>
-          <p:cNvPicPr>
-            <a:picLocks noChangeAspect="1"/>
-          </p:cNvPicPr>
+              <a:rPr lang="en-US" altLang="zh-CN" sz="6000" dirty="0">
+                <a:latin typeface="Times New Roman" panose="02020603050405020304" pitchFamily="18" charset="0"/>
+                <a:cs typeface="Times New Roman" panose="02020603050405020304" pitchFamily="18" charset="0"/>
+              </a:rPr>
+              <a:t>Application</a:t>
+            </a:r>
+            <a:endParaRPr lang="zh-CN" altLang="en-US" sz="6000" dirty="0">
+              <a:latin typeface="Times New Roman" panose="02020603050405020304" pitchFamily="18" charset="0"/>
+              <a:cs typeface="Times New Roman" panose="02020603050405020304" pitchFamily="18" charset="0"/>
+            </a:endParaRPr>
+          </a:p>
+        </p:txBody>
+      </p:sp>
+      <p:sp>
+        <p:nvSpPr>
+          <p:cNvPr id="3" name="内容占位符 2">
+            <a:extLst>
+              <a:ext uri="{FF2B5EF4-FFF2-40B4-BE49-F238E27FC236}">
+                <a16:creationId xmlns:a16="http://schemas.microsoft.com/office/drawing/2014/main" id="{303C7CD2-64A6-91F4-E855-B13983DAA3F7}"/>
+              </a:ext>
+            </a:extLst>
+          </p:cNvPr>
+          <p:cNvSpPr>
+            <a:spLocks noGrp="1"/>
+          </p:cNvSpPr>
+          <p:nvPr>
+            <p:ph idx="1"/>
+          </p:nvPr>
+        </p:nvSpPr>
+        <p:spPr>
+          <a:xfrm>
+            <a:off x="838200" y="2135733"/>
+            <a:ext cx="10515600" cy="4053400"/>
+          </a:xfrm>
+        </p:spPr>
+        <p:txBody>
+          <a:bodyPr>
+            <a:normAutofit/>
+          </a:bodyPr>
+          <a:lstStyle/>
+          <a:p>
+            <a:pPr>
+              <a:lnSpc>
+                <a:spcPct val="150000"/>
+              </a:lnSpc>
+            </a:pPr>
+            <a:r>
+              <a:rPr lang="en-US" altLang="zh-CN" sz="4000" dirty="0">
+                <a:latin typeface="Times New Roman" panose="02020603050405020304" pitchFamily="18" charset="0"/>
+                <a:cs typeface="Times New Roman" panose="02020603050405020304" pitchFamily="18" charset="0"/>
+              </a:rPr>
+              <a:t>Surveillance system</a:t>
+            </a:r>
+          </a:p>
+          <a:p>
+            <a:pPr>
+              <a:lnSpc>
+                <a:spcPct val="150000"/>
+              </a:lnSpc>
+            </a:pPr>
+            <a:r>
+              <a:rPr lang="en-US" altLang="zh-CN" sz="4000" dirty="0">
+                <a:latin typeface="Times New Roman" panose="02020603050405020304" pitchFamily="18" charset="0"/>
+                <a:cs typeface="Times New Roman" panose="02020603050405020304" pitchFamily="18" charset="0"/>
+              </a:rPr>
+              <a:t>Extended Application</a:t>
+            </a:r>
+          </a:p>
+          <a:p>
+            <a:pPr lvl="1">
+              <a:lnSpc>
+                <a:spcPct val="150000"/>
+              </a:lnSpc>
+            </a:pPr>
+            <a:r>
+              <a:rPr lang="en-US" altLang="zh-CN" sz="2600" dirty="0">
+                <a:latin typeface="Times New Roman" panose="02020603050405020304" pitchFamily="18" charset="0"/>
+                <a:cs typeface="Times New Roman" panose="02020603050405020304" pitchFamily="18" charset="0"/>
+              </a:rPr>
+              <a:t>Wild animal tracking</a:t>
+            </a:r>
+          </a:p>
+          <a:p>
+            <a:pPr lvl="1">
+              <a:lnSpc>
+                <a:spcPct val="150000"/>
+              </a:lnSpc>
+            </a:pPr>
+            <a:r>
+              <a:rPr lang="en-US" altLang="zh-CN" sz="2600" dirty="0">
+                <a:latin typeface="Times New Roman" panose="02020603050405020304" pitchFamily="18" charset="0"/>
+                <a:cs typeface="Times New Roman" panose="02020603050405020304" pitchFamily="18" charset="0"/>
+              </a:rPr>
+              <a:t>Delivery vehicle tracking</a:t>
+            </a:r>
+          </a:p>
+        </p:txBody>
+      </p:sp>
+      <p:sp>
+        <p:nvSpPr>
+          <p:cNvPr id="4" name="矩形 3">
+            <a:extLst>
+              <a:ext uri="{FF2B5EF4-FFF2-40B4-BE49-F238E27FC236}">
+                <a16:creationId xmlns:a16="http://schemas.microsoft.com/office/drawing/2014/main" id="{FA06EF4E-8F41-A2EB-22CE-5BA672347D08}"/>
+              </a:ext>
+            </a:extLst>
+          </p:cNvPr>
+          <p:cNvSpPr/>
           <p:nvPr/>
-        </p:nvPicPr>
-        <p:blipFill rotWithShape="1">
-          <a:blip r:embed="rId2"/>
-          <a:srcRect l="8642" t="17531" r="12654" b="18025"/>
-          <a:stretch/>
-        </p:blipFill>
-        <p:spPr>
-          <a:xfrm>
-            <a:off x="1041399" y="1319343"/>
-            <a:ext cx="10109201" cy="5173532"/>
+        </p:nvSpPr>
+        <p:spPr>
+          <a:xfrm>
+            <a:off x="838200" y="1618617"/>
+            <a:ext cx="10515600" cy="36000"/>
           </a:xfrm>
           <a:prstGeom prst="rect">
             <a:avLst/>
           </a:prstGeom>
-        </p:spPr>
-      </p:pic>
+          <a:solidFill>
+            <a:srgbClr val="002060"/>
+          </a:solidFill>
+          <a:ln>
+            <a:solidFill>
+              <a:srgbClr val="002060"/>
+            </a:solidFill>
+          </a:ln>
+        </p:spPr>
+        <p:style>
+          <a:lnRef idx="2">
+            <a:schemeClr val="accent1">
+              <a:shade val="50000"/>
+            </a:schemeClr>
+          </a:lnRef>
+          <a:fillRef idx="1">
+            <a:schemeClr val="accent1"/>
+          </a:fillRef>
+          <a:effectRef idx="0">
+            <a:schemeClr val="accent1"/>
+          </a:effectRef>
+          <a:fontRef idx="minor">
+            <a:schemeClr val="lt1"/>
+          </a:fontRef>
+        </p:style>
+        <p:txBody>
+          <a:bodyPr rtlCol="0" anchor="ctr"/>
+          <a:lstStyle/>
+          <a:p>
+            <a:pPr algn="ctr"/>
+            <a:endParaRPr lang="zh-CN" altLang="en-US" dirty="0"/>
+          </a:p>
+        </p:txBody>
+      </p:sp>
+      <p:sp>
+        <p:nvSpPr>
+          <p:cNvPr id="5" name="矩形 4">
+            <a:extLst>
+              <a:ext uri="{FF2B5EF4-FFF2-40B4-BE49-F238E27FC236}">
+                <a16:creationId xmlns:a16="http://schemas.microsoft.com/office/drawing/2014/main" id="{B82C7024-1544-EE54-3B50-560BE2C35BDD}"/>
+              </a:ext>
+            </a:extLst>
+          </p:cNvPr>
+          <p:cNvSpPr/>
+          <p:nvPr/>
+        </p:nvSpPr>
+        <p:spPr>
+          <a:xfrm>
+            <a:off x="838200" y="1683806"/>
+            <a:ext cx="10515600" cy="18000"/>
+          </a:xfrm>
+          <a:prstGeom prst="rect">
+            <a:avLst/>
+          </a:prstGeom>
+          <a:solidFill>
+            <a:srgbClr val="997B0F"/>
+          </a:solidFill>
+          <a:ln>
+            <a:solidFill>
+              <a:srgbClr val="CDA715"/>
+            </a:solidFill>
+          </a:ln>
+        </p:spPr>
+        <p:style>
+          <a:lnRef idx="2">
+            <a:schemeClr val="accent1">
+              <a:shade val="50000"/>
+            </a:schemeClr>
+          </a:lnRef>
+          <a:fillRef idx="1">
+            <a:schemeClr val="accent1"/>
+          </a:fillRef>
+          <a:effectRef idx="0">
+            <a:schemeClr val="accent1"/>
+          </a:effectRef>
+          <a:fontRef idx="minor">
+            <a:schemeClr val="lt1"/>
+          </a:fontRef>
+        </p:style>
+        <p:txBody>
+          <a:bodyPr rtlCol="0" anchor="ctr"/>
+          <a:lstStyle/>
+          <a:p>
+            <a:pPr algn="ctr"/>
+            <a:endParaRPr lang="zh-CN" altLang="en-US"/>
+          </a:p>
+        </p:txBody>
+      </p:sp>
+      <p:sp>
+        <p:nvSpPr>
+          <p:cNvPr id="6" name="文本框 5">
+            <a:extLst>
+              <a:ext uri="{FF2B5EF4-FFF2-40B4-BE49-F238E27FC236}">
+                <a16:creationId xmlns:a16="http://schemas.microsoft.com/office/drawing/2014/main" id="{0E93128A-086D-F9A0-8339-AA62E4D8AF1E}"/>
+              </a:ext>
+            </a:extLst>
+          </p:cNvPr>
+          <p:cNvSpPr txBox="1"/>
+          <p:nvPr/>
+        </p:nvSpPr>
+        <p:spPr>
+          <a:xfrm>
+            <a:off x="11565468" y="6361668"/>
+            <a:ext cx="491066" cy="369332"/>
+          </a:xfrm>
+          <a:prstGeom prst="rect">
+            <a:avLst/>
+          </a:prstGeom>
+          <a:noFill/>
+        </p:spPr>
+        <p:txBody>
+          <a:bodyPr wrap="square">
+            <a:spAutoFit/>
+          </a:bodyPr>
+          <a:lstStyle/>
+          <a:p>
+            <a:r>
+              <a:rPr lang="en-US" altLang="zh-CN" dirty="0"/>
+              <a:t>2.2</a:t>
+            </a:r>
+            <a:endParaRPr lang="zh-CN" altLang="en-US" dirty="0"/>
+          </a:p>
+        </p:txBody>
+      </p:sp>
     </p:spTree>
     <p:extLst>
       <p:ext uri="{BB962C8B-B14F-4D97-AF65-F5344CB8AC3E}">
-        <p14:creationId xmlns:p14="http://schemas.microsoft.com/office/powerpoint/2010/main" val="2462242837"/>
+        <p14:creationId xmlns:p14="http://schemas.microsoft.com/office/powerpoint/2010/main" val="3690252051"/>
       </p:ext>
     </p:extLst>
   </p:cSld>
@@ -4129,6 +5279,42 @@
           <a:p>
             <a:pPr algn="ctr"/>
             <a:endParaRPr lang="zh-CN" altLang="en-US"/>
+          </a:p>
+        </p:txBody>
+      </p:sp>
+      <p:sp>
+        <p:nvSpPr>
+          <p:cNvPr id="6" name="文本框 5">
+            <a:extLst>
+              <a:ext uri="{FF2B5EF4-FFF2-40B4-BE49-F238E27FC236}">
+                <a16:creationId xmlns:a16="http://schemas.microsoft.com/office/drawing/2014/main" id="{1705EDD4-A246-977E-4222-D0E1136C6655}"/>
+              </a:ext>
+            </a:extLst>
+          </p:cNvPr>
+          <p:cNvSpPr txBox="1"/>
+          <p:nvPr/>
+        </p:nvSpPr>
+        <p:spPr>
+          <a:xfrm>
+            <a:off x="11743266" y="6361668"/>
+            <a:ext cx="313267" cy="369332"/>
+          </a:xfrm>
+          <a:prstGeom prst="rect">
+            <a:avLst/>
+          </a:prstGeom>
+          <a:noFill/>
+        </p:spPr>
+        <p:txBody>
+          <a:bodyPr wrap="square">
+            <a:spAutoFit/>
+          </a:bodyPr>
+          <a:lstStyle/>
+          <a:p>
+            <a:r>
+              <a:rPr lang="en-US" altLang="zh-CN" dirty="0"/>
+              <a:t>3</a:t>
+            </a:r>
+            <a:endParaRPr lang="zh-CN" altLang="en-US" dirty="0"/>
           </a:p>
         </p:txBody>
       </p:sp>
@@ -4178,7 +5364,12 @@
             <p:ph type="title"/>
           </p:nvPr>
         </p:nvSpPr>
-        <p:spPr/>
+        <p:spPr>
+          <a:xfrm>
+            <a:off x="838200" y="365125"/>
+            <a:ext cx="10515600" cy="930275"/>
+          </a:xfrm>
+        </p:spPr>
         <p:txBody>
           <a:bodyPr/>
           <a:lstStyle/>
@@ -4188,10 +5379,16 @@
               <a:buChar char="•"/>
             </a:pPr>
             <a:r>
-              <a:rPr lang="en-US" altLang="zh-CN" dirty="0"/>
+              <a:rPr lang="en-US" altLang="zh-CN" sz="5400" dirty="0">
+                <a:latin typeface="Times New Roman" panose="02020603050405020304" pitchFamily="18" charset="0"/>
+                <a:cs typeface="Times New Roman" panose="02020603050405020304" pitchFamily="18" charset="0"/>
+              </a:rPr>
               <a:t>Current Progress</a:t>
             </a:r>
-            <a:endParaRPr lang="zh-CN" altLang="en-US" dirty="0"/>
+            <a:endParaRPr lang="zh-CN" altLang="en-US" sz="5400" dirty="0">
+              <a:latin typeface="Times New Roman" panose="02020603050405020304" pitchFamily="18" charset="0"/>
+              <a:cs typeface="Times New Roman" panose="02020603050405020304" pitchFamily="18" charset="0"/>
+            </a:endParaRPr>
           </a:p>
         </p:txBody>
       </p:sp>
@@ -4224,6 +5421,42 @@
           </a:prstGeom>
         </p:spPr>
       </p:pic>
+      <p:sp>
+        <p:nvSpPr>
+          <p:cNvPr id="3" name="文本框 2">
+            <a:extLst>
+              <a:ext uri="{FF2B5EF4-FFF2-40B4-BE49-F238E27FC236}">
+                <a16:creationId xmlns:a16="http://schemas.microsoft.com/office/drawing/2014/main" id="{235732EC-9D1E-F91F-ABE1-41172A8E6C76}"/>
+              </a:ext>
+            </a:extLst>
+          </p:cNvPr>
+          <p:cNvSpPr txBox="1"/>
+          <p:nvPr/>
+        </p:nvSpPr>
+        <p:spPr>
+          <a:xfrm>
+            <a:off x="11565468" y="6361668"/>
+            <a:ext cx="491066" cy="369332"/>
+          </a:xfrm>
+          <a:prstGeom prst="rect">
+            <a:avLst/>
+          </a:prstGeom>
+          <a:noFill/>
+        </p:spPr>
+        <p:txBody>
+          <a:bodyPr wrap="square">
+            <a:spAutoFit/>
+          </a:bodyPr>
+          <a:lstStyle/>
+          <a:p>
+            <a:r>
+              <a:rPr lang="en-US" altLang="zh-CN" dirty="0"/>
+              <a:t>3.1</a:t>
+            </a:r>
+            <a:endParaRPr lang="zh-CN" altLang="en-US" dirty="0"/>
+          </a:p>
+        </p:txBody>
+      </p:sp>
     </p:spTree>
     <p:extLst>
       <p:ext uri="{BB962C8B-B14F-4D97-AF65-F5344CB8AC3E}">
@@ -4259,7 +5492,7 @@
           <p:cNvPr id="2" name="标题 1">
             <a:extLst>
               <a:ext uri="{FF2B5EF4-FFF2-40B4-BE49-F238E27FC236}">
-                <a16:creationId xmlns:a16="http://schemas.microsoft.com/office/drawing/2014/main" id="{6AE684EF-0036-D64C-FB93-DE9C1A34F0F2}"/>
+                <a16:creationId xmlns:a16="http://schemas.microsoft.com/office/drawing/2014/main" id="{0ABCDB25-326D-4B74-48C7-AB72A920A8CC}"/>
               </a:ext>
             </a:extLst>
           </p:cNvPr>
@@ -4272,7 +5505,9 @@
         </p:nvSpPr>
         <p:spPr/>
         <p:txBody>
-          <a:bodyPr/>
+          <a:bodyPr>
+            <a:normAutofit/>
+          </a:bodyPr>
           <a:lstStyle/>
           <a:p>
             <a:pPr marL="571500" indent="-571500">
@@ -4280,10 +5515,16 @@
               <a:buChar char="•"/>
             </a:pPr>
             <a:r>
-              <a:rPr lang="en-US" altLang="zh-CN" dirty="0"/>
+              <a:rPr lang="en-US" altLang="zh-CN" sz="6000" dirty="0">
+                <a:latin typeface="Times New Roman" panose="02020603050405020304" pitchFamily="18" charset="0"/>
+                <a:cs typeface="Times New Roman" panose="02020603050405020304" pitchFamily="18" charset="0"/>
+              </a:rPr>
               <a:t>Result</a:t>
             </a:r>
-            <a:endParaRPr lang="zh-CN" altLang="en-US" dirty="0"/>
+            <a:endParaRPr lang="zh-CN" altLang="en-US" sz="6000" dirty="0">
+              <a:latin typeface="Times New Roman" panose="02020603050405020304" pitchFamily="18" charset="0"/>
+              <a:cs typeface="Times New Roman" panose="02020603050405020304" pitchFamily="18" charset="0"/>
+            </a:endParaRPr>
           </a:p>
         </p:txBody>
       </p:sp>
@@ -4292,7 +5533,7 @@
           <p:cNvPr id="3" name="内容占位符 2">
             <a:extLst>
               <a:ext uri="{FF2B5EF4-FFF2-40B4-BE49-F238E27FC236}">
-                <a16:creationId xmlns:a16="http://schemas.microsoft.com/office/drawing/2014/main" id="{8DED2DEF-3973-A718-A08F-74EC7855BDEB}"/>
+                <a16:creationId xmlns:a16="http://schemas.microsoft.com/office/drawing/2014/main" id="{303C7CD2-64A6-91F4-E855-B13983DAA3F7}"/>
               </a:ext>
             </a:extLst>
           </p:cNvPr>
@@ -4303,34 +5544,2279 @@
             <p:ph idx="1"/>
           </p:nvPr>
         </p:nvSpPr>
-        <p:spPr/>
-        <p:txBody>
-          <a:bodyPr/>
+        <p:spPr>
+          <a:xfrm>
+            <a:off x="838200" y="2135733"/>
+            <a:ext cx="10515600" cy="3408867"/>
+          </a:xfrm>
+        </p:spPr>
+        <p:txBody>
+          <a:bodyPr>
+            <a:normAutofit/>
+          </a:bodyPr>
+          <a:lstStyle/>
+          <a:p>
+            <a:r>
+              <a:rPr lang="en-US" altLang="zh-CN" sz="4000" dirty="0">
+                <a:latin typeface="Times New Roman" panose="02020603050405020304" pitchFamily="18" charset="0"/>
+                <a:cs typeface="Times New Roman" panose="02020603050405020304" pitchFamily="18" charset="0"/>
+              </a:rPr>
+              <a:t>Image</a:t>
+            </a:r>
+            <a:r>
+              <a:rPr lang="en-US" altLang="zh-CN" sz="4000" dirty="0"/>
+              <a:t> </a:t>
+            </a:r>
+            <a:r>
+              <a:rPr lang="en-US" altLang="zh-CN" sz="4000" dirty="0">
+                <a:latin typeface="Times New Roman" panose="02020603050405020304" pitchFamily="18" charset="0"/>
+                <a:cs typeface="Times New Roman" panose="02020603050405020304" pitchFamily="18" charset="0"/>
+              </a:rPr>
+              <a:t>Processing</a:t>
+            </a:r>
+          </a:p>
+          <a:p>
+            <a:r>
+              <a:rPr lang="en-US" altLang="zh-CN" sz="4000" dirty="0">
+                <a:latin typeface="Times New Roman" panose="02020603050405020304" pitchFamily="18" charset="0"/>
+                <a:cs typeface="Times New Roman" panose="02020603050405020304" pitchFamily="18" charset="0"/>
+              </a:rPr>
+              <a:t>Single Vehicle Tracking </a:t>
+            </a:r>
+          </a:p>
+          <a:p>
+            <a:pPr marL="685800" lvl="2">
+              <a:spcBef>
+                <a:spcPts val="1000"/>
+              </a:spcBef>
+            </a:pPr>
+            <a:r>
+              <a:rPr lang="en-US" altLang="zh-CN" sz="3600" dirty="0">
+                <a:latin typeface="Times New Roman" panose="02020603050405020304" pitchFamily="18" charset="0"/>
+                <a:cs typeface="Times New Roman" panose="02020603050405020304" pitchFamily="18" charset="0"/>
+              </a:rPr>
+              <a:t>Without Kalman Filter</a:t>
+            </a:r>
+          </a:p>
+          <a:p>
+            <a:pPr marL="685800" lvl="2">
+              <a:spcBef>
+                <a:spcPts val="1000"/>
+              </a:spcBef>
+            </a:pPr>
+            <a:r>
+              <a:rPr lang="en-US" altLang="zh-CN" sz="3600" dirty="0">
+                <a:latin typeface="Times New Roman" panose="02020603050405020304" pitchFamily="18" charset="0"/>
+                <a:cs typeface="Times New Roman" panose="02020603050405020304" pitchFamily="18" charset="0"/>
+              </a:rPr>
+              <a:t>With Kalman Filter</a:t>
+            </a:r>
+          </a:p>
+        </p:txBody>
+      </p:sp>
+      <p:sp>
+        <p:nvSpPr>
+          <p:cNvPr id="4" name="矩形 3">
+            <a:extLst>
+              <a:ext uri="{FF2B5EF4-FFF2-40B4-BE49-F238E27FC236}">
+                <a16:creationId xmlns:a16="http://schemas.microsoft.com/office/drawing/2014/main" id="{FA06EF4E-8F41-A2EB-22CE-5BA672347D08}"/>
+              </a:ext>
+            </a:extLst>
+          </p:cNvPr>
+          <p:cNvSpPr/>
+          <p:nvPr/>
+        </p:nvSpPr>
+        <p:spPr>
+          <a:xfrm>
+            <a:off x="838200" y="1618617"/>
+            <a:ext cx="10515600" cy="36000"/>
+          </a:xfrm>
+          <a:prstGeom prst="rect">
+            <a:avLst/>
+          </a:prstGeom>
+          <a:solidFill>
+            <a:srgbClr val="002060"/>
+          </a:solidFill>
+          <a:ln>
+            <a:solidFill>
+              <a:srgbClr val="002060"/>
+            </a:solidFill>
+          </a:ln>
+        </p:spPr>
+        <p:style>
+          <a:lnRef idx="2">
+            <a:schemeClr val="accent1">
+              <a:shade val="50000"/>
+            </a:schemeClr>
+          </a:lnRef>
+          <a:fillRef idx="1">
+            <a:schemeClr val="accent1"/>
+          </a:fillRef>
+          <a:effectRef idx="0">
+            <a:schemeClr val="accent1"/>
+          </a:effectRef>
+          <a:fontRef idx="minor">
+            <a:schemeClr val="lt1"/>
+          </a:fontRef>
+        </p:style>
+        <p:txBody>
+          <a:bodyPr rtlCol="0" anchor="ctr"/>
+          <a:lstStyle/>
+          <a:p>
+            <a:pPr algn="ctr"/>
+            <a:endParaRPr lang="zh-CN" altLang="en-US" dirty="0"/>
+          </a:p>
+        </p:txBody>
+      </p:sp>
+      <p:sp>
+        <p:nvSpPr>
+          <p:cNvPr id="5" name="矩形 4">
+            <a:extLst>
+              <a:ext uri="{FF2B5EF4-FFF2-40B4-BE49-F238E27FC236}">
+                <a16:creationId xmlns:a16="http://schemas.microsoft.com/office/drawing/2014/main" id="{B82C7024-1544-EE54-3B50-560BE2C35BDD}"/>
+              </a:ext>
+            </a:extLst>
+          </p:cNvPr>
+          <p:cNvSpPr/>
+          <p:nvPr/>
+        </p:nvSpPr>
+        <p:spPr>
+          <a:xfrm>
+            <a:off x="838200" y="1683806"/>
+            <a:ext cx="10515600" cy="18000"/>
+          </a:xfrm>
+          <a:prstGeom prst="rect">
+            <a:avLst/>
+          </a:prstGeom>
+          <a:solidFill>
+            <a:srgbClr val="997B0F"/>
+          </a:solidFill>
+          <a:ln>
+            <a:solidFill>
+              <a:srgbClr val="CDA715"/>
+            </a:solidFill>
+          </a:ln>
+        </p:spPr>
+        <p:style>
+          <a:lnRef idx="2">
+            <a:schemeClr val="accent1">
+              <a:shade val="50000"/>
+            </a:schemeClr>
+          </a:lnRef>
+          <a:fillRef idx="1">
+            <a:schemeClr val="accent1"/>
+          </a:fillRef>
+          <a:effectRef idx="0">
+            <a:schemeClr val="accent1"/>
+          </a:effectRef>
+          <a:fontRef idx="minor">
+            <a:schemeClr val="lt1"/>
+          </a:fontRef>
+        </p:style>
+        <p:txBody>
+          <a:bodyPr rtlCol="0" anchor="ctr"/>
+          <a:lstStyle/>
+          <a:p>
+            <a:pPr algn="ctr"/>
+            <a:endParaRPr lang="zh-CN" altLang="en-US"/>
+          </a:p>
+        </p:txBody>
+      </p:sp>
+      <p:sp>
+        <p:nvSpPr>
+          <p:cNvPr id="6" name="文本框 5">
+            <a:extLst>
+              <a:ext uri="{FF2B5EF4-FFF2-40B4-BE49-F238E27FC236}">
+                <a16:creationId xmlns:a16="http://schemas.microsoft.com/office/drawing/2014/main" id="{26303DDE-D7D9-E6CD-C74A-9578B9A6BEDA}"/>
+              </a:ext>
+            </a:extLst>
+          </p:cNvPr>
+          <p:cNvSpPr txBox="1"/>
+          <p:nvPr/>
+        </p:nvSpPr>
+        <p:spPr>
+          <a:xfrm>
+            <a:off x="11565468" y="6361668"/>
+            <a:ext cx="491066" cy="369332"/>
+          </a:xfrm>
+          <a:prstGeom prst="rect">
+            <a:avLst/>
+          </a:prstGeom>
+          <a:noFill/>
+        </p:spPr>
+        <p:txBody>
+          <a:bodyPr wrap="square">
+            <a:spAutoFit/>
+          </a:bodyPr>
           <a:lstStyle/>
           <a:p>
             <a:r>
               <a:rPr lang="en-US" altLang="zh-CN" dirty="0"/>
-              <a:t>Image Processing</a:t>
-            </a:r>
-          </a:p>
-          <a:p>
-            <a:r>
-              <a:rPr lang="en-US" altLang="zh-CN" dirty="0"/>
-              <a:t>Vehicle Association</a:t>
-            </a:r>
-          </a:p>
-          <a:p>
-            <a:r>
-              <a:rPr lang="en-US" altLang="zh-CN" dirty="0"/>
-              <a:t>Single Vehicle Tracking</a:t>
-            </a:r>
+              <a:t>3.2</a:t>
+            </a:r>
+            <a:endParaRPr lang="zh-CN" altLang="en-US" dirty="0"/>
           </a:p>
         </p:txBody>
       </p:sp>
     </p:spTree>
     <p:extLst>
       <p:ext uri="{BB962C8B-B14F-4D97-AF65-F5344CB8AC3E}">
-        <p14:creationId xmlns:p14="http://schemas.microsoft.com/office/powerpoint/2010/main" val="2876145616"/>
+        <p14:creationId xmlns:p14="http://schemas.microsoft.com/office/powerpoint/2010/main" val="3631794458"/>
+      </p:ext>
+    </p:extLst>
+  </p:cSld>
+  <p:clrMapOvr>
+    <a:masterClrMapping/>
+  </p:clrMapOvr>
+</p:sld>
+</file>
+
+<file path=ppt/slides/slide14.xml><?xml version="1.0" encoding="utf-8"?>
+<p:sld xmlns:a="http://schemas.openxmlformats.org/drawingml/2006/main" xmlns:r="http://schemas.openxmlformats.org/officeDocument/2006/relationships" xmlns:p="http://schemas.openxmlformats.org/presentationml/2006/main">
+  <p:cSld>
+    <p:spTree>
+      <p:nvGrpSpPr>
+        <p:cNvPr id="1" name=""/>
+        <p:cNvGrpSpPr/>
+        <p:nvPr/>
+      </p:nvGrpSpPr>
+      <p:grpSpPr>
+        <a:xfrm>
+          <a:off x="0" y="0"/>
+          <a:ext cx="0" cy="0"/>
+          <a:chOff x="0" y="0"/>
+          <a:chExt cx="0" cy="0"/>
+        </a:xfrm>
+      </p:grpSpPr>
+      <p:sp>
+        <p:nvSpPr>
+          <p:cNvPr id="2" name="标题 1">
+            <a:extLst>
+              <a:ext uri="{FF2B5EF4-FFF2-40B4-BE49-F238E27FC236}">
+                <a16:creationId xmlns:a16="http://schemas.microsoft.com/office/drawing/2014/main" id="{0ABCDB25-326D-4B74-48C7-AB72A920A8CC}"/>
+              </a:ext>
+            </a:extLst>
+          </p:cNvPr>
+          <p:cNvSpPr>
+            <a:spLocks noGrp="1"/>
+          </p:cNvSpPr>
+          <p:nvPr>
+            <p:ph type="title"/>
+          </p:nvPr>
+        </p:nvSpPr>
+        <p:spPr/>
+        <p:txBody>
+          <a:bodyPr>
+            <a:normAutofit/>
+          </a:bodyPr>
+          <a:lstStyle/>
+          <a:p>
+            <a:pPr marL="571500" indent="-571500">
+              <a:buFont typeface="Arial" panose="020B0604020202020204" pitchFamily="34" charset="0"/>
+              <a:buChar char="•"/>
+            </a:pPr>
+            <a:r>
+              <a:rPr lang="en-US" altLang="zh-CN" sz="6000" dirty="0">
+                <a:latin typeface="Times New Roman" panose="02020603050405020304" pitchFamily="18" charset="0"/>
+                <a:cs typeface="Times New Roman" panose="02020603050405020304" pitchFamily="18" charset="0"/>
+              </a:rPr>
+              <a:t>Image Processing</a:t>
+            </a:r>
+            <a:endParaRPr lang="zh-CN" altLang="en-US" sz="6000" dirty="0">
+              <a:latin typeface="Times New Roman" panose="02020603050405020304" pitchFamily="18" charset="0"/>
+              <a:cs typeface="Times New Roman" panose="02020603050405020304" pitchFamily="18" charset="0"/>
+            </a:endParaRPr>
+          </a:p>
+        </p:txBody>
+      </p:sp>
+      <p:sp>
+        <p:nvSpPr>
+          <p:cNvPr id="4" name="矩形 3">
+            <a:extLst>
+              <a:ext uri="{FF2B5EF4-FFF2-40B4-BE49-F238E27FC236}">
+                <a16:creationId xmlns:a16="http://schemas.microsoft.com/office/drawing/2014/main" id="{FA06EF4E-8F41-A2EB-22CE-5BA672347D08}"/>
+              </a:ext>
+            </a:extLst>
+          </p:cNvPr>
+          <p:cNvSpPr/>
+          <p:nvPr/>
+        </p:nvSpPr>
+        <p:spPr>
+          <a:xfrm>
+            <a:off x="838200" y="1618617"/>
+            <a:ext cx="10515600" cy="36000"/>
+          </a:xfrm>
+          <a:prstGeom prst="rect">
+            <a:avLst/>
+          </a:prstGeom>
+          <a:solidFill>
+            <a:srgbClr val="002060"/>
+          </a:solidFill>
+          <a:ln>
+            <a:solidFill>
+              <a:srgbClr val="002060"/>
+            </a:solidFill>
+          </a:ln>
+        </p:spPr>
+        <p:style>
+          <a:lnRef idx="2">
+            <a:schemeClr val="accent1">
+              <a:shade val="50000"/>
+            </a:schemeClr>
+          </a:lnRef>
+          <a:fillRef idx="1">
+            <a:schemeClr val="accent1"/>
+          </a:fillRef>
+          <a:effectRef idx="0">
+            <a:schemeClr val="accent1"/>
+          </a:effectRef>
+          <a:fontRef idx="minor">
+            <a:schemeClr val="lt1"/>
+          </a:fontRef>
+        </p:style>
+        <p:txBody>
+          <a:bodyPr rtlCol="0" anchor="ctr"/>
+          <a:lstStyle/>
+          <a:p>
+            <a:pPr algn="ctr"/>
+            <a:endParaRPr lang="zh-CN" altLang="en-US" dirty="0"/>
+          </a:p>
+        </p:txBody>
+      </p:sp>
+      <p:sp>
+        <p:nvSpPr>
+          <p:cNvPr id="5" name="矩形 4">
+            <a:extLst>
+              <a:ext uri="{FF2B5EF4-FFF2-40B4-BE49-F238E27FC236}">
+                <a16:creationId xmlns:a16="http://schemas.microsoft.com/office/drawing/2014/main" id="{B82C7024-1544-EE54-3B50-560BE2C35BDD}"/>
+              </a:ext>
+            </a:extLst>
+          </p:cNvPr>
+          <p:cNvSpPr/>
+          <p:nvPr/>
+        </p:nvSpPr>
+        <p:spPr>
+          <a:xfrm>
+            <a:off x="838200" y="1683806"/>
+            <a:ext cx="10515600" cy="18000"/>
+          </a:xfrm>
+          <a:prstGeom prst="rect">
+            <a:avLst/>
+          </a:prstGeom>
+          <a:solidFill>
+            <a:srgbClr val="997B0F"/>
+          </a:solidFill>
+          <a:ln>
+            <a:solidFill>
+              <a:srgbClr val="CDA715"/>
+            </a:solidFill>
+          </a:ln>
+        </p:spPr>
+        <p:style>
+          <a:lnRef idx="2">
+            <a:schemeClr val="accent1">
+              <a:shade val="50000"/>
+            </a:schemeClr>
+          </a:lnRef>
+          <a:fillRef idx="1">
+            <a:schemeClr val="accent1"/>
+          </a:fillRef>
+          <a:effectRef idx="0">
+            <a:schemeClr val="accent1"/>
+          </a:effectRef>
+          <a:fontRef idx="minor">
+            <a:schemeClr val="lt1"/>
+          </a:fontRef>
+        </p:style>
+        <p:txBody>
+          <a:bodyPr rtlCol="0" anchor="ctr"/>
+          <a:lstStyle/>
+          <a:p>
+            <a:pPr algn="ctr"/>
+            <a:endParaRPr lang="zh-CN" altLang="en-US"/>
+          </a:p>
+        </p:txBody>
+      </p:sp>
+      <p:pic>
+        <p:nvPicPr>
+          <p:cNvPr id="8" name="图片 7" descr="图片包含 图形用户界面&#10;&#10;描述已自动生成">
+            <a:extLst>
+              <a:ext uri="{FF2B5EF4-FFF2-40B4-BE49-F238E27FC236}">
+                <a16:creationId xmlns:a16="http://schemas.microsoft.com/office/drawing/2014/main" id="{7EA14804-1725-982F-CF38-CC5EAAB868DF}"/>
+              </a:ext>
+            </a:extLst>
+          </p:cNvPr>
+          <p:cNvPicPr>
+            <a:picLocks noChangeAspect="1"/>
+          </p:cNvPicPr>
+          <p:nvPr/>
+        </p:nvPicPr>
+        <p:blipFill rotWithShape="1">
+          <a:blip r:embed="rId2">
+            <a:extLst>
+              <a:ext uri="{28A0092B-C50C-407E-A947-70E740481C1C}">
+                <a14:useLocalDpi xmlns:a14="http://schemas.microsoft.com/office/drawing/2010/main" val="0"/>
+              </a:ext>
+            </a:extLst>
+          </a:blip>
+          <a:srcRect l="11667" t="6320" r="8056" b="8519"/>
+          <a:stretch/>
+        </p:blipFill>
+        <p:spPr>
+          <a:xfrm>
+            <a:off x="4622800" y="2135733"/>
+            <a:ext cx="6973917" cy="4034334"/>
+          </a:xfrm>
+          <a:prstGeom prst="rect">
+            <a:avLst/>
+          </a:prstGeom>
+        </p:spPr>
+      </p:pic>
+      <p:sp>
+        <p:nvSpPr>
+          <p:cNvPr id="11" name="内容占位符 2">
+            <a:extLst>
+              <a:ext uri="{FF2B5EF4-FFF2-40B4-BE49-F238E27FC236}">
+                <a16:creationId xmlns:a16="http://schemas.microsoft.com/office/drawing/2014/main" id="{5CE9C9DF-F8BB-175E-7D6A-3B44D0DB13B9}"/>
+              </a:ext>
+            </a:extLst>
+          </p:cNvPr>
+          <p:cNvSpPr txBox="1">
+            <a:spLocks/>
+          </p:cNvSpPr>
+          <p:nvPr/>
+        </p:nvSpPr>
+        <p:spPr>
+          <a:xfrm>
+            <a:off x="838200" y="2135733"/>
+            <a:ext cx="3784600" cy="4255534"/>
+          </a:xfrm>
+          <a:prstGeom prst="rect">
+            <a:avLst/>
+          </a:prstGeom>
+        </p:spPr>
+        <p:txBody>
+          <a:bodyPr vert="horz" lIns="91440" tIns="45720" rIns="91440" bIns="45720" rtlCol="0">
+            <a:normAutofit fontScale="92500" lnSpcReduction="10000"/>
+          </a:bodyPr>
+          <a:lstStyle>
+            <a:lvl1pPr marL="228600" indent="-228600" algn="l" defTabSz="914400" rtl="0" eaLnBrk="1" latinLnBrk="0" hangingPunct="1">
+              <a:lnSpc>
+                <a:spcPct val="90000"/>
+              </a:lnSpc>
+              <a:spcBef>
+                <a:spcPts val="1000"/>
+              </a:spcBef>
+              <a:buFont typeface="Arial" panose="020B0604020202020204" pitchFamily="34" charset="0"/>
+              <a:buChar char="•"/>
+              <a:defRPr sz="2800" kern="1200">
+                <a:solidFill>
+                  <a:schemeClr val="tx1"/>
+                </a:solidFill>
+                <a:latin typeface="+mn-lt"/>
+                <a:ea typeface="+mn-ea"/>
+                <a:cs typeface="+mn-cs"/>
+              </a:defRPr>
+            </a:lvl1pPr>
+            <a:lvl2pPr marL="685800" indent="-228600" algn="l" defTabSz="914400" rtl="0" eaLnBrk="1" latinLnBrk="0" hangingPunct="1">
+              <a:lnSpc>
+                <a:spcPct val="90000"/>
+              </a:lnSpc>
+              <a:spcBef>
+                <a:spcPts val="500"/>
+              </a:spcBef>
+              <a:buFont typeface="Arial" panose="020B0604020202020204" pitchFamily="34" charset="0"/>
+              <a:buChar char="•"/>
+              <a:defRPr sz="2400" kern="1200">
+                <a:solidFill>
+                  <a:schemeClr val="tx1"/>
+                </a:solidFill>
+                <a:latin typeface="+mn-lt"/>
+                <a:ea typeface="+mn-ea"/>
+                <a:cs typeface="+mn-cs"/>
+              </a:defRPr>
+            </a:lvl2pPr>
+            <a:lvl3pPr marL="1143000" indent="-228600" algn="l" defTabSz="914400" rtl="0" eaLnBrk="1" latinLnBrk="0" hangingPunct="1">
+              <a:lnSpc>
+                <a:spcPct val="90000"/>
+              </a:lnSpc>
+              <a:spcBef>
+                <a:spcPts val="500"/>
+              </a:spcBef>
+              <a:buFont typeface="Arial" panose="020B0604020202020204" pitchFamily="34" charset="0"/>
+              <a:buChar char="•"/>
+              <a:defRPr sz="2000" kern="1200">
+                <a:solidFill>
+                  <a:schemeClr val="tx1"/>
+                </a:solidFill>
+                <a:latin typeface="+mn-lt"/>
+                <a:ea typeface="+mn-ea"/>
+                <a:cs typeface="+mn-cs"/>
+              </a:defRPr>
+            </a:lvl3pPr>
+            <a:lvl4pPr marL="1600200" indent="-228600" algn="l" defTabSz="914400" rtl="0" eaLnBrk="1" latinLnBrk="0" hangingPunct="1">
+              <a:lnSpc>
+                <a:spcPct val="90000"/>
+              </a:lnSpc>
+              <a:spcBef>
+                <a:spcPts val="500"/>
+              </a:spcBef>
+              <a:buFont typeface="Arial" panose="020B0604020202020204" pitchFamily="34" charset="0"/>
+              <a:buChar char="•"/>
+              <a:defRPr sz="1800" kern="1200">
+                <a:solidFill>
+                  <a:schemeClr val="tx1"/>
+                </a:solidFill>
+                <a:latin typeface="+mn-lt"/>
+                <a:ea typeface="+mn-ea"/>
+                <a:cs typeface="+mn-cs"/>
+              </a:defRPr>
+            </a:lvl4pPr>
+            <a:lvl5pPr marL="2057400" indent="-228600" algn="l" defTabSz="914400" rtl="0" eaLnBrk="1" latinLnBrk="0" hangingPunct="1">
+              <a:lnSpc>
+                <a:spcPct val="90000"/>
+              </a:lnSpc>
+              <a:spcBef>
+                <a:spcPts val="500"/>
+              </a:spcBef>
+              <a:buFont typeface="Arial" panose="020B0604020202020204" pitchFamily="34" charset="0"/>
+              <a:buChar char="•"/>
+              <a:defRPr sz="1800" kern="1200">
+                <a:solidFill>
+                  <a:schemeClr val="tx1"/>
+                </a:solidFill>
+                <a:latin typeface="+mn-lt"/>
+                <a:ea typeface="+mn-ea"/>
+                <a:cs typeface="+mn-cs"/>
+              </a:defRPr>
+            </a:lvl5pPr>
+            <a:lvl6pPr marL="2514600" indent="-228600" algn="l" defTabSz="914400" rtl="0" eaLnBrk="1" latinLnBrk="0" hangingPunct="1">
+              <a:lnSpc>
+                <a:spcPct val="90000"/>
+              </a:lnSpc>
+              <a:spcBef>
+                <a:spcPts val="500"/>
+              </a:spcBef>
+              <a:buFont typeface="Arial" panose="020B0604020202020204" pitchFamily="34" charset="0"/>
+              <a:buChar char="•"/>
+              <a:defRPr sz="1800" kern="1200">
+                <a:solidFill>
+                  <a:schemeClr val="tx1"/>
+                </a:solidFill>
+                <a:latin typeface="+mn-lt"/>
+                <a:ea typeface="+mn-ea"/>
+                <a:cs typeface="+mn-cs"/>
+              </a:defRPr>
+            </a:lvl6pPr>
+            <a:lvl7pPr marL="2971800" indent="-228600" algn="l" defTabSz="914400" rtl="0" eaLnBrk="1" latinLnBrk="0" hangingPunct="1">
+              <a:lnSpc>
+                <a:spcPct val="90000"/>
+              </a:lnSpc>
+              <a:spcBef>
+                <a:spcPts val="500"/>
+              </a:spcBef>
+              <a:buFont typeface="Arial" panose="020B0604020202020204" pitchFamily="34" charset="0"/>
+              <a:buChar char="•"/>
+              <a:defRPr sz="1800" kern="1200">
+                <a:solidFill>
+                  <a:schemeClr val="tx1"/>
+                </a:solidFill>
+                <a:latin typeface="+mn-lt"/>
+                <a:ea typeface="+mn-ea"/>
+                <a:cs typeface="+mn-cs"/>
+              </a:defRPr>
+            </a:lvl7pPr>
+            <a:lvl8pPr marL="3429000" indent="-228600" algn="l" defTabSz="914400" rtl="0" eaLnBrk="1" latinLnBrk="0" hangingPunct="1">
+              <a:lnSpc>
+                <a:spcPct val="90000"/>
+              </a:lnSpc>
+              <a:spcBef>
+                <a:spcPts val="500"/>
+              </a:spcBef>
+              <a:buFont typeface="Arial" panose="020B0604020202020204" pitchFamily="34" charset="0"/>
+              <a:buChar char="•"/>
+              <a:defRPr sz="1800" kern="1200">
+                <a:solidFill>
+                  <a:schemeClr val="tx1"/>
+                </a:solidFill>
+                <a:latin typeface="+mn-lt"/>
+                <a:ea typeface="+mn-ea"/>
+                <a:cs typeface="+mn-cs"/>
+              </a:defRPr>
+            </a:lvl8pPr>
+            <a:lvl9pPr marL="3886200" indent="-228600" algn="l" defTabSz="914400" rtl="0" eaLnBrk="1" latinLnBrk="0" hangingPunct="1">
+              <a:lnSpc>
+                <a:spcPct val="90000"/>
+              </a:lnSpc>
+              <a:spcBef>
+                <a:spcPts val="500"/>
+              </a:spcBef>
+              <a:buFont typeface="Arial" panose="020B0604020202020204" pitchFamily="34" charset="0"/>
+              <a:buChar char="•"/>
+              <a:defRPr sz="1800" kern="1200">
+                <a:solidFill>
+                  <a:schemeClr val="tx1"/>
+                </a:solidFill>
+                <a:latin typeface="+mn-lt"/>
+                <a:ea typeface="+mn-ea"/>
+                <a:cs typeface="+mn-cs"/>
+              </a:defRPr>
+            </a:lvl9pPr>
+          </a:lstStyle>
+          <a:p>
+            <a:pPr>
+              <a:lnSpc>
+                <a:spcPct val="150000"/>
+              </a:lnSpc>
+            </a:pPr>
+            <a:r>
+              <a:rPr lang="en-US" altLang="zh-CN" sz="4000" dirty="0">
+                <a:latin typeface="Times New Roman" panose="02020603050405020304" pitchFamily="18" charset="0"/>
+                <a:cs typeface="Times New Roman" panose="02020603050405020304" pitchFamily="18" charset="0"/>
+              </a:rPr>
+              <a:t>Motion Segmentation</a:t>
+            </a:r>
+          </a:p>
+          <a:p>
+            <a:pPr>
+              <a:lnSpc>
+                <a:spcPct val="150000"/>
+              </a:lnSpc>
+            </a:pPr>
+            <a:r>
+              <a:rPr lang="en-US" altLang="zh-CN" sz="4000" dirty="0">
+                <a:latin typeface="Times New Roman" panose="02020603050405020304" pitchFamily="18" charset="0"/>
+                <a:cs typeface="Times New Roman" panose="02020603050405020304" pitchFamily="18" charset="0"/>
+              </a:rPr>
+              <a:t>Morphological Operation</a:t>
+            </a:r>
+          </a:p>
+          <a:p>
+            <a:endParaRPr lang="en-US" altLang="zh-CN" sz="2000" dirty="0">
+              <a:latin typeface="Times New Roman" panose="02020603050405020304" pitchFamily="18" charset="0"/>
+              <a:cs typeface="Times New Roman" panose="02020603050405020304" pitchFamily="18" charset="0"/>
+            </a:endParaRPr>
+          </a:p>
+          <a:p>
+            <a:pPr marL="0" indent="0" algn="r">
+              <a:buFont typeface="Arial" panose="020B0604020202020204" pitchFamily="34" charset="0"/>
+              <a:buNone/>
+            </a:pPr>
+            <a:r>
+              <a:rPr lang="en-US" altLang="zh-CN" sz="2000" dirty="0">
+                <a:latin typeface="Times New Roman" panose="02020603050405020304" pitchFamily="18" charset="0"/>
+                <a:cs typeface="Times New Roman" panose="02020603050405020304" pitchFamily="18" charset="0"/>
+              </a:rPr>
+              <a:t>        		</a:t>
+            </a:r>
+            <a:r>
+              <a:rPr lang="en-US" altLang="zh-CN" sz="2000" dirty="0">
+                <a:latin typeface="Times New Roman" panose="02020603050405020304" pitchFamily="18" charset="0"/>
+                <a:cs typeface="Times New Roman" panose="02020603050405020304" pitchFamily="18" charset="0"/>
+                <a:hlinkClick r:id="rId3"/>
+              </a:rPr>
+              <a:t>video-display</a:t>
+            </a:r>
+            <a:endParaRPr lang="en-US" altLang="zh-CN" sz="2000" dirty="0">
+              <a:latin typeface="Times New Roman" panose="02020603050405020304" pitchFamily="18" charset="0"/>
+              <a:cs typeface="Times New Roman" panose="02020603050405020304" pitchFamily="18" charset="0"/>
+            </a:endParaRPr>
+          </a:p>
+          <a:p>
+            <a:endParaRPr lang="en-US" altLang="zh-CN" sz="4000" dirty="0">
+              <a:latin typeface="Times New Roman" panose="02020603050405020304" pitchFamily="18" charset="0"/>
+              <a:cs typeface="Times New Roman" panose="02020603050405020304" pitchFamily="18" charset="0"/>
+            </a:endParaRPr>
+          </a:p>
+        </p:txBody>
+      </p:sp>
+      <p:sp>
+        <p:nvSpPr>
+          <p:cNvPr id="3" name="文本框 2">
+            <a:extLst>
+              <a:ext uri="{FF2B5EF4-FFF2-40B4-BE49-F238E27FC236}">
+                <a16:creationId xmlns:a16="http://schemas.microsoft.com/office/drawing/2014/main" id="{F1E7C55E-4A24-5DAF-2194-10180A682198}"/>
+              </a:ext>
+            </a:extLst>
+          </p:cNvPr>
+          <p:cNvSpPr txBox="1"/>
+          <p:nvPr/>
+        </p:nvSpPr>
+        <p:spPr>
+          <a:xfrm>
+            <a:off x="11353800" y="6361668"/>
+            <a:ext cx="702734" cy="369332"/>
+          </a:xfrm>
+          <a:prstGeom prst="rect">
+            <a:avLst/>
+          </a:prstGeom>
+          <a:noFill/>
+        </p:spPr>
+        <p:txBody>
+          <a:bodyPr wrap="square">
+            <a:spAutoFit/>
+          </a:bodyPr>
+          <a:lstStyle/>
+          <a:p>
+            <a:r>
+              <a:rPr lang="en-US" altLang="zh-CN" dirty="0"/>
+              <a:t>3.2.1</a:t>
+            </a:r>
+            <a:endParaRPr lang="zh-CN" altLang="en-US" dirty="0"/>
+          </a:p>
+        </p:txBody>
+      </p:sp>
+    </p:spTree>
+    <p:extLst>
+      <p:ext uri="{BB962C8B-B14F-4D97-AF65-F5344CB8AC3E}">
+        <p14:creationId xmlns:p14="http://schemas.microsoft.com/office/powerpoint/2010/main" val="3200390067"/>
+      </p:ext>
+    </p:extLst>
+  </p:cSld>
+  <p:clrMapOvr>
+    <a:masterClrMapping/>
+  </p:clrMapOvr>
+</p:sld>
+</file>
+
+<file path=ppt/slides/slide15.xml><?xml version="1.0" encoding="utf-8"?>
+<p:sld xmlns:a="http://schemas.openxmlformats.org/drawingml/2006/main" xmlns:r="http://schemas.openxmlformats.org/officeDocument/2006/relationships" xmlns:p="http://schemas.openxmlformats.org/presentationml/2006/main">
+  <p:cSld>
+    <p:spTree>
+      <p:nvGrpSpPr>
+        <p:cNvPr id="1" name=""/>
+        <p:cNvGrpSpPr/>
+        <p:nvPr/>
+      </p:nvGrpSpPr>
+      <p:grpSpPr>
+        <a:xfrm>
+          <a:off x="0" y="0"/>
+          <a:ext cx="0" cy="0"/>
+          <a:chOff x="0" y="0"/>
+          <a:chExt cx="0" cy="0"/>
+        </a:xfrm>
+      </p:grpSpPr>
+      <p:sp>
+        <p:nvSpPr>
+          <p:cNvPr id="2" name="标题 1">
+            <a:extLst>
+              <a:ext uri="{FF2B5EF4-FFF2-40B4-BE49-F238E27FC236}">
+                <a16:creationId xmlns:a16="http://schemas.microsoft.com/office/drawing/2014/main" id="{0ABCDB25-326D-4B74-48C7-AB72A920A8CC}"/>
+              </a:ext>
+            </a:extLst>
+          </p:cNvPr>
+          <p:cNvSpPr>
+            <a:spLocks noGrp="1"/>
+          </p:cNvSpPr>
+          <p:nvPr>
+            <p:ph type="title"/>
+          </p:nvPr>
+        </p:nvSpPr>
+        <p:spPr/>
+        <p:txBody>
+          <a:bodyPr>
+            <a:normAutofit/>
+          </a:bodyPr>
+          <a:lstStyle/>
+          <a:p>
+            <a:pPr marL="571500" indent="-571500">
+              <a:buFont typeface="Arial" panose="020B0604020202020204" pitchFamily="34" charset="0"/>
+              <a:buChar char="•"/>
+            </a:pPr>
+            <a:r>
+              <a:rPr lang="en-US" altLang="zh-CN" sz="6000" dirty="0">
+                <a:latin typeface="Times New Roman" panose="02020603050405020304" pitchFamily="18" charset="0"/>
+                <a:cs typeface="Times New Roman" panose="02020603050405020304" pitchFamily="18" charset="0"/>
+              </a:rPr>
+              <a:t>Single Vehicle Tracking </a:t>
+            </a:r>
+            <a:endParaRPr lang="zh-CN" altLang="en-US" sz="6000" dirty="0">
+              <a:latin typeface="Times New Roman" panose="02020603050405020304" pitchFamily="18" charset="0"/>
+              <a:cs typeface="Times New Roman" panose="02020603050405020304" pitchFamily="18" charset="0"/>
+            </a:endParaRPr>
+          </a:p>
+        </p:txBody>
+      </p:sp>
+      <p:sp>
+        <p:nvSpPr>
+          <p:cNvPr id="3" name="内容占位符 2">
+            <a:extLst>
+              <a:ext uri="{FF2B5EF4-FFF2-40B4-BE49-F238E27FC236}">
+                <a16:creationId xmlns:a16="http://schemas.microsoft.com/office/drawing/2014/main" id="{303C7CD2-64A6-91F4-E855-B13983DAA3F7}"/>
+              </a:ext>
+            </a:extLst>
+          </p:cNvPr>
+          <p:cNvSpPr>
+            <a:spLocks noGrp="1"/>
+          </p:cNvSpPr>
+          <p:nvPr>
+            <p:ph idx="1"/>
+          </p:nvPr>
+        </p:nvSpPr>
+        <p:spPr>
+          <a:xfrm>
+            <a:off x="838200" y="2135732"/>
+            <a:ext cx="9819450" cy="3342201"/>
+          </a:xfrm>
+        </p:spPr>
+        <p:txBody>
+          <a:bodyPr>
+            <a:normAutofit/>
+          </a:bodyPr>
+          <a:lstStyle/>
+          <a:p>
+            <a:r>
+              <a:rPr lang="en-US" altLang="zh-CN" sz="4000" dirty="0">
+                <a:latin typeface="Times New Roman" panose="02020603050405020304" pitchFamily="18" charset="0"/>
+                <a:cs typeface="Times New Roman" panose="02020603050405020304" pitchFamily="18" charset="0"/>
+              </a:rPr>
+              <a:t>Distance Base Association</a:t>
+            </a:r>
+          </a:p>
+          <a:p>
+            <a:pPr marL="0" indent="0">
+              <a:buNone/>
+            </a:pPr>
+            <a:r>
+              <a:rPr lang="en-US" altLang="zh-CN" sz="2400" dirty="0">
+                <a:latin typeface="Times New Roman" panose="02020603050405020304" pitchFamily="18" charset="0"/>
+                <a:cs typeface="Times New Roman" panose="02020603050405020304" pitchFamily="18" charset="0"/>
+              </a:rPr>
+              <a:t>	</a:t>
+            </a:r>
+            <a:r>
+              <a:rPr lang="en-US" altLang="zh-CN" sz="2400" dirty="0">
+                <a:latin typeface="Times New Roman" panose="02020603050405020304" pitchFamily="18" charset="0"/>
+                <a:cs typeface="Times New Roman" panose="02020603050405020304" pitchFamily="18" charset="0"/>
+                <a:hlinkClick r:id="rId2"/>
+              </a:rPr>
+              <a:t>Video Display</a:t>
+            </a:r>
+            <a:endParaRPr lang="en-US" altLang="zh-CN" sz="2400" dirty="0">
+              <a:latin typeface="Times New Roman" panose="02020603050405020304" pitchFamily="18" charset="0"/>
+              <a:cs typeface="Times New Roman" panose="02020603050405020304" pitchFamily="18" charset="0"/>
+            </a:endParaRPr>
+          </a:p>
+          <a:p>
+            <a:pPr marL="0" indent="0">
+              <a:buNone/>
+            </a:pPr>
+            <a:endParaRPr lang="en-US" altLang="zh-CN" sz="2400" dirty="0">
+              <a:latin typeface="Times New Roman" panose="02020603050405020304" pitchFamily="18" charset="0"/>
+              <a:cs typeface="Times New Roman" panose="02020603050405020304" pitchFamily="18" charset="0"/>
+            </a:endParaRPr>
+          </a:p>
+          <a:p>
+            <a:r>
+              <a:rPr lang="en-US" altLang="zh-CN" sz="4000" dirty="0">
+                <a:latin typeface="Times New Roman" panose="02020603050405020304" pitchFamily="18" charset="0"/>
+                <a:cs typeface="Times New Roman" panose="02020603050405020304" pitchFamily="18" charset="0"/>
+              </a:rPr>
+              <a:t>Kalman Filter</a:t>
+            </a:r>
+          </a:p>
+          <a:p>
+            <a:pPr marL="0" indent="0">
+              <a:buNone/>
+            </a:pPr>
+            <a:r>
+              <a:rPr lang="en-US" altLang="zh-CN" sz="2400" dirty="0">
+                <a:latin typeface="Times New Roman" panose="02020603050405020304" pitchFamily="18" charset="0"/>
+                <a:cs typeface="Times New Roman" panose="02020603050405020304" pitchFamily="18" charset="0"/>
+              </a:rPr>
+              <a:t>	</a:t>
+            </a:r>
+            <a:r>
+              <a:rPr lang="en-US" altLang="zh-CN" sz="2400" dirty="0">
+                <a:latin typeface="Times New Roman" panose="02020603050405020304" pitchFamily="18" charset="0"/>
+                <a:cs typeface="Times New Roman" panose="02020603050405020304" pitchFamily="18" charset="0"/>
+                <a:hlinkClick r:id="rId3"/>
+              </a:rPr>
+              <a:t>Video Display</a:t>
+            </a:r>
+            <a:endParaRPr lang="en-US" altLang="zh-CN" sz="2400" dirty="0">
+              <a:latin typeface="Times New Roman" panose="02020603050405020304" pitchFamily="18" charset="0"/>
+              <a:cs typeface="Times New Roman" panose="02020603050405020304" pitchFamily="18" charset="0"/>
+            </a:endParaRPr>
+          </a:p>
+          <a:p>
+            <a:pPr marL="0" indent="0">
+              <a:buNone/>
+            </a:pPr>
+            <a:endParaRPr lang="en-US" altLang="zh-CN" sz="4000" dirty="0">
+              <a:latin typeface="Times New Roman" panose="02020603050405020304" pitchFamily="18" charset="0"/>
+              <a:cs typeface="Times New Roman" panose="02020603050405020304" pitchFamily="18" charset="0"/>
+            </a:endParaRPr>
+          </a:p>
+        </p:txBody>
+      </p:sp>
+      <p:sp>
+        <p:nvSpPr>
+          <p:cNvPr id="4" name="矩形 3">
+            <a:extLst>
+              <a:ext uri="{FF2B5EF4-FFF2-40B4-BE49-F238E27FC236}">
+                <a16:creationId xmlns:a16="http://schemas.microsoft.com/office/drawing/2014/main" id="{FA06EF4E-8F41-A2EB-22CE-5BA672347D08}"/>
+              </a:ext>
+            </a:extLst>
+          </p:cNvPr>
+          <p:cNvSpPr/>
+          <p:nvPr/>
+        </p:nvSpPr>
+        <p:spPr>
+          <a:xfrm>
+            <a:off x="838200" y="1618617"/>
+            <a:ext cx="10515600" cy="36000"/>
+          </a:xfrm>
+          <a:prstGeom prst="rect">
+            <a:avLst/>
+          </a:prstGeom>
+          <a:solidFill>
+            <a:srgbClr val="002060"/>
+          </a:solidFill>
+          <a:ln>
+            <a:solidFill>
+              <a:srgbClr val="002060"/>
+            </a:solidFill>
+          </a:ln>
+        </p:spPr>
+        <p:style>
+          <a:lnRef idx="2">
+            <a:schemeClr val="accent1">
+              <a:shade val="50000"/>
+            </a:schemeClr>
+          </a:lnRef>
+          <a:fillRef idx="1">
+            <a:schemeClr val="accent1"/>
+          </a:fillRef>
+          <a:effectRef idx="0">
+            <a:schemeClr val="accent1"/>
+          </a:effectRef>
+          <a:fontRef idx="minor">
+            <a:schemeClr val="lt1"/>
+          </a:fontRef>
+        </p:style>
+        <p:txBody>
+          <a:bodyPr rtlCol="0" anchor="ctr"/>
+          <a:lstStyle/>
+          <a:p>
+            <a:pPr algn="ctr"/>
+            <a:endParaRPr lang="zh-CN" altLang="en-US" dirty="0"/>
+          </a:p>
+        </p:txBody>
+      </p:sp>
+      <p:sp>
+        <p:nvSpPr>
+          <p:cNvPr id="5" name="矩形 4">
+            <a:extLst>
+              <a:ext uri="{FF2B5EF4-FFF2-40B4-BE49-F238E27FC236}">
+                <a16:creationId xmlns:a16="http://schemas.microsoft.com/office/drawing/2014/main" id="{B82C7024-1544-EE54-3B50-560BE2C35BDD}"/>
+              </a:ext>
+            </a:extLst>
+          </p:cNvPr>
+          <p:cNvSpPr/>
+          <p:nvPr/>
+        </p:nvSpPr>
+        <p:spPr>
+          <a:xfrm>
+            <a:off x="838200" y="1683806"/>
+            <a:ext cx="10515600" cy="18000"/>
+          </a:xfrm>
+          <a:prstGeom prst="rect">
+            <a:avLst/>
+          </a:prstGeom>
+          <a:solidFill>
+            <a:srgbClr val="997B0F"/>
+          </a:solidFill>
+          <a:ln>
+            <a:solidFill>
+              <a:srgbClr val="CDA715"/>
+            </a:solidFill>
+          </a:ln>
+        </p:spPr>
+        <p:style>
+          <a:lnRef idx="2">
+            <a:schemeClr val="accent1">
+              <a:shade val="50000"/>
+            </a:schemeClr>
+          </a:lnRef>
+          <a:fillRef idx="1">
+            <a:schemeClr val="accent1"/>
+          </a:fillRef>
+          <a:effectRef idx="0">
+            <a:schemeClr val="accent1"/>
+          </a:effectRef>
+          <a:fontRef idx="minor">
+            <a:schemeClr val="lt1"/>
+          </a:fontRef>
+        </p:style>
+        <p:txBody>
+          <a:bodyPr rtlCol="0" anchor="ctr"/>
+          <a:lstStyle/>
+          <a:p>
+            <a:pPr algn="ctr"/>
+            <a:endParaRPr lang="zh-CN" altLang="en-US"/>
+          </a:p>
+        </p:txBody>
+      </p:sp>
+      <p:sp>
+        <p:nvSpPr>
+          <p:cNvPr id="6" name="文本框 5">
+            <a:extLst>
+              <a:ext uri="{FF2B5EF4-FFF2-40B4-BE49-F238E27FC236}">
+                <a16:creationId xmlns:a16="http://schemas.microsoft.com/office/drawing/2014/main" id="{182329BC-3095-AC40-0B3D-D0F715C505BA}"/>
+              </a:ext>
+            </a:extLst>
+          </p:cNvPr>
+          <p:cNvSpPr txBox="1"/>
+          <p:nvPr/>
+        </p:nvSpPr>
+        <p:spPr>
+          <a:xfrm>
+            <a:off x="11353800" y="6361668"/>
+            <a:ext cx="702734" cy="369332"/>
+          </a:xfrm>
+          <a:prstGeom prst="rect">
+            <a:avLst/>
+          </a:prstGeom>
+          <a:noFill/>
+        </p:spPr>
+        <p:txBody>
+          <a:bodyPr wrap="square">
+            <a:spAutoFit/>
+          </a:bodyPr>
+          <a:lstStyle/>
+          <a:p>
+            <a:r>
+              <a:rPr lang="en-US" altLang="zh-CN" dirty="0"/>
+              <a:t>3.2.2</a:t>
+            </a:r>
+            <a:endParaRPr lang="zh-CN" altLang="en-US" dirty="0"/>
+          </a:p>
+        </p:txBody>
+      </p:sp>
+    </p:spTree>
+    <p:extLst>
+      <p:ext uri="{BB962C8B-B14F-4D97-AF65-F5344CB8AC3E}">
+        <p14:creationId xmlns:p14="http://schemas.microsoft.com/office/powerpoint/2010/main" val="877464387"/>
+      </p:ext>
+    </p:extLst>
+  </p:cSld>
+  <p:clrMapOvr>
+    <a:masterClrMapping/>
+  </p:clrMapOvr>
+</p:sld>
+</file>
+
+<file path=ppt/slides/slide16.xml><?xml version="1.0" encoding="utf-8"?>
+<p:sld xmlns:a="http://schemas.openxmlformats.org/drawingml/2006/main" xmlns:r="http://schemas.openxmlformats.org/officeDocument/2006/relationships" xmlns:p="http://schemas.openxmlformats.org/presentationml/2006/main">
+  <p:cSld>
+    <p:spTree>
+      <p:nvGrpSpPr>
+        <p:cNvPr id="1" name=""/>
+        <p:cNvGrpSpPr/>
+        <p:nvPr/>
+      </p:nvGrpSpPr>
+      <p:grpSpPr>
+        <a:xfrm>
+          <a:off x="0" y="0"/>
+          <a:ext cx="0" cy="0"/>
+          <a:chOff x="0" y="0"/>
+          <a:chExt cx="0" cy="0"/>
+        </a:xfrm>
+      </p:grpSpPr>
+      <p:sp>
+        <p:nvSpPr>
+          <p:cNvPr id="2" name="标题 1">
+            <a:extLst>
+              <a:ext uri="{FF2B5EF4-FFF2-40B4-BE49-F238E27FC236}">
+                <a16:creationId xmlns:a16="http://schemas.microsoft.com/office/drawing/2014/main" id="{0ABCDB25-326D-4B74-48C7-AB72A920A8CC}"/>
+              </a:ext>
+            </a:extLst>
+          </p:cNvPr>
+          <p:cNvSpPr>
+            <a:spLocks noGrp="1"/>
+          </p:cNvSpPr>
+          <p:nvPr>
+            <p:ph type="title"/>
+          </p:nvPr>
+        </p:nvSpPr>
+        <p:spPr/>
+        <p:txBody>
+          <a:bodyPr>
+            <a:normAutofit/>
+          </a:bodyPr>
+          <a:lstStyle/>
+          <a:p>
+            <a:pPr marL="571500" indent="-571500">
+              <a:buFont typeface="Arial" panose="020B0604020202020204" pitchFamily="34" charset="0"/>
+              <a:buChar char="•"/>
+            </a:pPr>
+            <a:r>
+              <a:rPr lang="en-US" altLang="zh-CN" sz="6000" dirty="0">
+                <a:latin typeface="Times New Roman" panose="02020603050405020304" pitchFamily="18" charset="0"/>
+                <a:cs typeface="Times New Roman" panose="02020603050405020304" pitchFamily="18" charset="0"/>
+              </a:rPr>
+              <a:t>Next Step</a:t>
+            </a:r>
+            <a:endParaRPr lang="zh-CN" altLang="en-US" sz="6000" dirty="0">
+              <a:latin typeface="Times New Roman" panose="02020603050405020304" pitchFamily="18" charset="0"/>
+              <a:cs typeface="Times New Roman" panose="02020603050405020304" pitchFamily="18" charset="0"/>
+            </a:endParaRPr>
+          </a:p>
+        </p:txBody>
+      </p:sp>
+      <p:sp>
+        <p:nvSpPr>
+          <p:cNvPr id="3" name="内容占位符 2">
+            <a:extLst>
+              <a:ext uri="{FF2B5EF4-FFF2-40B4-BE49-F238E27FC236}">
+                <a16:creationId xmlns:a16="http://schemas.microsoft.com/office/drawing/2014/main" id="{303C7CD2-64A6-91F4-E855-B13983DAA3F7}"/>
+              </a:ext>
+            </a:extLst>
+          </p:cNvPr>
+          <p:cNvSpPr>
+            <a:spLocks noGrp="1"/>
+          </p:cNvSpPr>
+          <p:nvPr>
+            <p:ph idx="1"/>
+          </p:nvPr>
+        </p:nvSpPr>
+        <p:spPr>
+          <a:xfrm>
+            <a:off x="838200" y="2135733"/>
+            <a:ext cx="4521200" cy="3205667"/>
+          </a:xfrm>
+        </p:spPr>
+        <p:txBody>
+          <a:bodyPr>
+            <a:normAutofit/>
+          </a:bodyPr>
+          <a:lstStyle/>
+          <a:p>
+            <a:pPr>
+              <a:lnSpc>
+                <a:spcPct val="150000"/>
+              </a:lnSpc>
+            </a:pPr>
+            <a:r>
+              <a:rPr lang="en-US" altLang="zh-CN" sz="4000" dirty="0">
+                <a:latin typeface="Times New Roman" panose="02020603050405020304" pitchFamily="18" charset="0"/>
+                <a:cs typeface="Times New Roman" panose="02020603050405020304" pitchFamily="18" charset="0"/>
+              </a:rPr>
+              <a:t>Optimize Single Vehicle Tracking Algorithm</a:t>
+            </a:r>
+          </a:p>
+          <a:p>
+            <a:pPr marL="0" indent="0">
+              <a:buNone/>
+            </a:pPr>
+            <a:endParaRPr lang="en-US" altLang="zh-CN" sz="4000" dirty="0">
+              <a:latin typeface="Times New Roman" panose="02020603050405020304" pitchFamily="18" charset="0"/>
+              <a:cs typeface="Times New Roman" panose="02020603050405020304" pitchFamily="18" charset="0"/>
+            </a:endParaRPr>
+          </a:p>
+        </p:txBody>
+      </p:sp>
+      <p:sp>
+        <p:nvSpPr>
+          <p:cNvPr id="4" name="矩形 3">
+            <a:extLst>
+              <a:ext uri="{FF2B5EF4-FFF2-40B4-BE49-F238E27FC236}">
+                <a16:creationId xmlns:a16="http://schemas.microsoft.com/office/drawing/2014/main" id="{FA06EF4E-8F41-A2EB-22CE-5BA672347D08}"/>
+              </a:ext>
+            </a:extLst>
+          </p:cNvPr>
+          <p:cNvSpPr/>
+          <p:nvPr/>
+        </p:nvSpPr>
+        <p:spPr>
+          <a:xfrm>
+            <a:off x="838200" y="1618617"/>
+            <a:ext cx="10515600" cy="36000"/>
+          </a:xfrm>
+          <a:prstGeom prst="rect">
+            <a:avLst/>
+          </a:prstGeom>
+          <a:solidFill>
+            <a:srgbClr val="002060"/>
+          </a:solidFill>
+          <a:ln>
+            <a:solidFill>
+              <a:srgbClr val="002060"/>
+            </a:solidFill>
+          </a:ln>
+        </p:spPr>
+        <p:style>
+          <a:lnRef idx="2">
+            <a:schemeClr val="accent1">
+              <a:shade val="50000"/>
+            </a:schemeClr>
+          </a:lnRef>
+          <a:fillRef idx="1">
+            <a:schemeClr val="accent1"/>
+          </a:fillRef>
+          <a:effectRef idx="0">
+            <a:schemeClr val="accent1"/>
+          </a:effectRef>
+          <a:fontRef idx="minor">
+            <a:schemeClr val="lt1"/>
+          </a:fontRef>
+        </p:style>
+        <p:txBody>
+          <a:bodyPr rtlCol="0" anchor="ctr"/>
+          <a:lstStyle/>
+          <a:p>
+            <a:pPr algn="ctr"/>
+            <a:endParaRPr lang="zh-CN" altLang="en-US" dirty="0"/>
+          </a:p>
+        </p:txBody>
+      </p:sp>
+      <p:sp>
+        <p:nvSpPr>
+          <p:cNvPr id="5" name="矩形 4">
+            <a:extLst>
+              <a:ext uri="{FF2B5EF4-FFF2-40B4-BE49-F238E27FC236}">
+                <a16:creationId xmlns:a16="http://schemas.microsoft.com/office/drawing/2014/main" id="{B82C7024-1544-EE54-3B50-560BE2C35BDD}"/>
+              </a:ext>
+            </a:extLst>
+          </p:cNvPr>
+          <p:cNvSpPr/>
+          <p:nvPr/>
+        </p:nvSpPr>
+        <p:spPr>
+          <a:xfrm>
+            <a:off x="838200" y="1683806"/>
+            <a:ext cx="10515600" cy="18000"/>
+          </a:xfrm>
+          <a:prstGeom prst="rect">
+            <a:avLst/>
+          </a:prstGeom>
+          <a:solidFill>
+            <a:srgbClr val="997B0F"/>
+          </a:solidFill>
+          <a:ln>
+            <a:solidFill>
+              <a:srgbClr val="CDA715"/>
+            </a:solidFill>
+          </a:ln>
+        </p:spPr>
+        <p:style>
+          <a:lnRef idx="2">
+            <a:schemeClr val="accent1">
+              <a:shade val="50000"/>
+            </a:schemeClr>
+          </a:lnRef>
+          <a:fillRef idx="1">
+            <a:schemeClr val="accent1"/>
+          </a:fillRef>
+          <a:effectRef idx="0">
+            <a:schemeClr val="accent1"/>
+          </a:effectRef>
+          <a:fontRef idx="minor">
+            <a:schemeClr val="lt1"/>
+          </a:fontRef>
+        </p:style>
+        <p:txBody>
+          <a:bodyPr rtlCol="0" anchor="ctr"/>
+          <a:lstStyle/>
+          <a:p>
+            <a:pPr algn="ctr"/>
+            <a:endParaRPr lang="zh-CN" altLang="en-US"/>
+          </a:p>
+        </p:txBody>
+      </p:sp>
+      <p:pic>
+        <p:nvPicPr>
+          <p:cNvPr id="6" name="图片 5">
+            <a:extLst>
+              <a:ext uri="{FF2B5EF4-FFF2-40B4-BE49-F238E27FC236}">
+                <a16:creationId xmlns:a16="http://schemas.microsoft.com/office/drawing/2014/main" id="{F1B4596E-6CD3-F3F9-FC84-E49515497E38}"/>
+              </a:ext>
+            </a:extLst>
+          </p:cNvPr>
+          <p:cNvPicPr>
+            <a:picLocks noChangeAspect="1"/>
+          </p:cNvPicPr>
+          <p:nvPr/>
+        </p:nvPicPr>
+        <p:blipFill rotWithShape="1">
+          <a:blip r:embed="rId2"/>
+          <a:srcRect l="9799" t="17531" r="36652" b="18025"/>
+          <a:stretch/>
+        </p:blipFill>
+        <p:spPr>
+          <a:xfrm>
+            <a:off x="5731933" y="1959595"/>
+            <a:ext cx="5875868" cy="4419600"/>
+          </a:xfrm>
+          <a:prstGeom prst="rect">
+            <a:avLst/>
+          </a:prstGeom>
+        </p:spPr>
+      </p:pic>
+      <p:sp>
+        <p:nvSpPr>
+          <p:cNvPr id="7" name="文本框 6">
+            <a:extLst>
+              <a:ext uri="{FF2B5EF4-FFF2-40B4-BE49-F238E27FC236}">
+                <a16:creationId xmlns:a16="http://schemas.microsoft.com/office/drawing/2014/main" id="{F178899A-501E-A98C-4476-A5998785812A}"/>
+              </a:ext>
+            </a:extLst>
+          </p:cNvPr>
+          <p:cNvSpPr txBox="1"/>
+          <p:nvPr/>
+        </p:nvSpPr>
+        <p:spPr>
+          <a:xfrm>
+            <a:off x="11506200" y="6361668"/>
+            <a:ext cx="550334" cy="369332"/>
+          </a:xfrm>
+          <a:prstGeom prst="rect">
+            <a:avLst/>
+          </a:prstGeom>
+          <a:noFill/>
+        </p:spPr>
+        <p:txBody>
+          <a:bodyPr wrap="square">
+            <a:spAutoFit/>
+          </a:bodyPr>
+          <a:lstStyle/>
+          <a:p>
+            <a:r>
+              <a:rPr lang="en-US" altLang="zh-CN" dirty="0"/>
+              <a:t>3.3</a:t>
+            </a:r>
+            <a:endParaRPr lang="zh-CN" altLang="en-US" dirty="0"/>
+          </a:p>
+        </p:txBody>
+      </p:sp>
+    </p:spTree>
+    <p:extLst>
+      <p:ext uri="{BB962C8B-B14F-4D97-AF65-F5344CB8AC3E}">
+        <p14:creationId xmlns:p14="http://schemas.microsoft.com/office/powerpoint/2010/main" val="953404111"/>
+      </p:ext>
+    </p:extLst>
+  </p:cSld>
+  <p:clrMapOvr>
+    <a:masterClrMapping/>
+  </p:clrMapOvr>
+</p:sld>
+</file>
+
+<file path=ppt/slides/slide17.xml><?xml version="1.0" encoding="utf-8"?>
+<p:sld xmlns:a="http://schemas.openxmlformats.org/drawingml/2006/main" xmlns:r="http://schemas.openxmlformats.org/officeDocument/2006/relationships" xmlns:p="http://schemas.openxmlformats.org/presentationml/2006/main">
+  <p:cSld>
+    <p:spTree>
+      <p:nvGrpSpPr>
+        <p:cNvPr id="1" name=""/>
+        <p:cNvGrpSpPr/>
+        <p:nvPr/>
+      </p:nvGrpSpPr>
+      <p:grpSpPr>
+        <a:xfrm>
+          <a:off x="0" y="0"/>
+          <a:ext cx="0" cy="0"/>
+          <a:chOff x="0" y="0"/>
+          <a:chExt cx="0" cy="0"/>
+        </a:xfrm>
+      </p:grpSpPr>
+      <p:sp>
+        <p:nvSpPr>
+          <p:cNvPr id="2" name="标题 1">
+            <a:extLst>
+              <a:ext uri="{FF2B5EF4-FFF2-40B4-BE49-F238E27FC236}">
+                <a16:creationId xmlns:a16="http://schemas.microsoft.com/office/drawing/2014/main" id="{0ABCDB25-326D-4B74-48C7-AB72A920A8CC}"/>
+              </a:ext>
+            </a:extLst>
+          </p:cNvPr>
+          <p:cNvSpPr>
+            <a:spLocks noGrp="1"/>
+          </p:cNvSpPr>
+          <p:nvPr>
+            <p:ph type="title"/>
+          </p:nvPr>
+        </p:nvSpPr>
+        <p:spPr/>
+        <p:txBody>
+          <a:bodyPr>
+            <a:normAutofit/>
+          </a:bodyPr>
+          <a:lstStyle/>
+          <a:p>
+            <a:pPr marL="571500" indent="-571500">
+              <a:buFont typeface="Arial" panose="020B0604020202020204" pitchFamily="34" charset="0"/>
+              <a:buChar char="•"/>
+            </a:pPr>
+            <a:r>
+              <a:rPr lang="en-US" altLang="zh-CN" sz="6000" dirty="0">
+                <a:latin typeface="Times New Roman" panose="02020603050405020304" pitchFamily="18" charset="0"/>
+                <a:cs typeface="Times New Roman" panose="02020603050405020304" pitchFamily="18" charset="0"/>
+              </a:rPr>
+              <a:t>Next Step</a:t>
+            </a:r>
+            <a:endParaRPr lang="zh-CN" altLang="en-US" sz="6000" dirty="0">
+              <a:latin typeface="Times New Roman" panose="02020603050405020304" pitchFamily="18" charset="0"/>
+              <a:cs typeface="Times New Roman" panose="02020603050405020304" pitchFamily="18" charset="0"/>
+            </a:endParaRPr>
+          </a:p>
+        </p:txBody>
+      </p:sp>
+      <p:sp>
+        <p:nvSpPr>
+          <p:cNvPr id="3" name="内容占位符 2">
+            <a:extLst>
+              <a:ext uri="{FF2B5EF4-FFF2-40B4-BE49-F238E27FC236}">
+                <a16:creationId xmlns:a16="http://schemas.microsoft.com/office/drawing/2014/main" id="{303C7CD2-64A6-91F4-E855-B13983DAA3F7}"/>
+              </a:ext>
+            </a:extLst>
+          </p:cNvPr>
+          <p:cNvSpPr>
+            <a:spLocks noGrp="1"/>
+          </p:cNvSpPr>
+          <p:nvPr>
+            <p:ph idx="1"/>
+          </p:nvPr>
+        </p:nvSpPr>
+        <p:spPr>
+          <a:xfrm>
+            <a:off x="838200" y="2135733"/>
+            <a:ext cx="10515600" cy="3205667"/>
+          </a:xfrm>
+        </p:spPr>
+        <p:txBody>
+          <a:bodyPr>
+            <a:normAutofit/>
+          </a:bodyPr>
+          <a:lstStyle/>
+          <a:p>
+            <a:pPr>
+              <a:lnSpc>
+                <a:spcPct val="150000"/>
+              </a:lnSpc>
+            </a:pPr>
+            <a:r>
+              <a:rPr lang="en-US" altLang="zh-CN" sz="4000" dirty="0">
+                <a:latin typeface="Times New Roman" panose="02020603050405020304" pitchFamily="18" charset="0"/>
+                <a:cs typeface="Times New Roman" panose="02020603050405020304" pitchFamily="18" charset="0"/>
+              </a:rPr>
+              <a:t>Single Vehicle Tracking Algorithm</a:t>
+            </a:r>
+          </a:p>
+          <a:p>
+            <a:pPr lvl="1">
+              <a:lnSpc>
+                <a:spcPct val="150000"/>
+              </a:lnSpc>
+            </a:pPr>
+            <a:r>
+              <a:rPr lang="en-US" altLang="zh-CN" sz="3600" dirty="0">
+                <a:latin typeface="Times New Roman" panose="02020603050405020304" pitchFamily="18" charset="0"/>
+                <a:cs typeface="Times New Roman" panose="02020603050405020304" pitchFamily="18" charset="0"/>
+              </a:rPr>
+              <a:t>Kalman Filter Parameter Adjustment</a:t>
+            </a:r>
+          </a:p>
+          <a:p>
+            <a:pPr lvl="1">
+              <a:lnSpc>
+                <a:spcPct val="150000"/>
+              </a:lnSpc>
+            </a:pPr>
+            <a:r>
+              <a:rPr lang="en-US" altLang="zh-CN" sz="3600" dirty="0">
+                <a:latin typeface="Times New Roman" panose="02020603050405020304" pitchFamily="18" charset="0"/>
+                <a:cs typeface="Times New Roman" panose="02020603050405020304" pitchFamily="18" charset="0"/>
+              </a:rPr>
+              <a:t>Single Vehicle Association</a:t>
+            </a:r>
+          </a:p>
+          <a:p>
+            <a:endParaRPr lang="en-US" altLang="zh-CN" sz="4000" dirty="0">
+              <a:latin typeface="Times New Roman" panose="02020603050405020304" pitchFamily="18" charset="0"/>
+              <a:cs typeface="Times New Roman" panose="02020603050405020304" pitchFamily="18" charset="0"/>
+            </a:endParaRPr>
+          </a:p>
+        </p:txBody>
+      </p:sp>
+      <p:sp>
+        <p:nvSpPr>
+          <p:cNvPr id="4" name="矩形 3">
+            <a:extLst>
+              <a:ext uri="{FF2B5EF4-FFF2-40B4-BE49-F238E27FC236}">
+                <a16:creationId xmlns:a16="http://schemas.microsoft.com/office/drawing/2014/main" id="{FA06EF4E-8F41-A2EB-22CE-5BA672347D08}"/>
+              </a:ext>
+            </a:extLst>
+          </p:cNvPr>
+          <p:cNvSpPr/>
+          <p:nvPr/>
+        </p:nvSpPr>
+        <p:spPr>
+          <a:xfrm>
+            <a:off x="838200" y="1618617"/>
+            <a:ext cx="10515600" cy="36000"/>
+          </a:xfrm>
+          <a:prstGeom prst="rect">
+            <a:avLst/>
+          </a:prstGeom>
+          <a:solidFill>
+            <a:srgbClr val="002060"/>
+          </a:solidFill>
+          <a:ln>
+            <a:solidFill>
+              <a:srgbClr val="002060"/>
+            </a:solidFill>
+          </a:ln>
+        </p:spPr>
+        <p:style>
+          <a:lnRef idx="2">
+            <a:schemeClr val="accent1">
+              <a:shade val="50000"/>
+            </a:schemeClr>
+          </a:lnRef>
+          <a:fillRef idx="1">
+            <a:schemeClr val="accent1"/>
+          </a:fillRef>
+          <a:effectRef idx="0">
+            <a:schemeClr val="accent1"/>
+          </a:effectRef>
+          <a:fontRef idx="minor">
+            <a:schemeClr val="lt1"/>
+          </a:fontRef>
+        </p:style>
+        <p:txBody>
+          <a:bodyPr rtlCol="0" anchor="ctr"/>
+          <a:lstStyle/>
+          <a:p>
+            <a:pPr algn="ctr"/>
+            <a:endParaRPr lang="zh-CN" altLang="en-US" dirty="0"/>
+          </a:p>
+        </p:txBody>
+      </p:sp>
+      <p:sp>
+        <p:nvSpPr>
+          <p:cNvPr id="5" name="矩形 4">
+            <a:extLst>
+              <a:ext uri="{FF2B5EF4-FFF2-40B4-BE49-F238E27FC236}">
+                <a16:creationId xmlns:a16="http://schemas.microsoft.com/office/drawing/2014/main" id="{B82C7024-1544-EE54-3B50-560BE2C35BDD}"/>
+              </a:ext>
+            </a:extLst>
+          </p:cNvPr>
+          <p:cNvSpPr/>
+          <p:nvPr/>
+        </p:nvSpPr>
+        <p:spPr>
+          <a:xfrm>
+            <a:off x="838200" y="1683806"/>
+            <a:ext cx="10515600" cy="18000"/>
+          </a:xfrm>
+          <a:prstGeom prst="rect">
+            <a:avLst/>
+          </a:prstGeom>
+          <a:solidFill>
+            <a:srgbClr val="997B0F"/>
+          </a:solidFill>
+          <a:ln>
+            <a:solidFill>
+              <a:srgbClr val="CDA715"/>
+            </a:solidFill>
+          </a:ln>
+        </p:spPr>
+        <p:style>
+          <a:lnRef idx="2">
+            <a:schemeClr val="accent1">
+              <a:shade val="50000"/>
+            </a:schemeClr>
+          </a:lnRef>
+          <a:fillRef idx="1">
+            <a:schemeClr val="accent1"/>
+          </a:fillRef>
+          <a:effectRef idx="0">
+            <a:schemeClr val="accent1"/>
+          </a:effectRef>
+          <a:fontRef idx="minor">
+            <a:schemeClr val="lt1"/>
+          </a:fontRef>
+        </p:style>
+        <p:txBody>
+          <a:bodyPr rtlCol="0" anchor="ctr"/>
+          <a:lstStyle/>
+          <a:p>
+            <a:pPr algn="ctr"/>
+            <a:endParaRPr lang="zh-CN" altLang="en-US"/>
+          </a:p>
+        </p:txBody>
+      </p:sp>
+      <p:sp>
+        <p:nvSpPr>
+          <p:cNvPr id="6" name="文本框 5">
+            <a:extLst>
+              <a:ext uri="{FF2B5EF4-FFF2-40B4-BE49-F238E27FC236}">
+                <a16:creationId xmlns:a16="http://schemas.microsoft.com/office/drawing/2014/main" id="{31C2F6F4-C62E-6E44-0EBB-6CF09E508EC5}"/>
+              </a:ext>
+            </a:extLst>
+          </p:cNvPr>
+          <p:cNvSpPr txBox="1"/>
+          <p:nvPr/>
+        </p:nvSpPr>
+        <p:spPr>
+          <a:xfrm>
+            <a:off x="11506200" y="6361668"/>
+            <a:ext cx="550334" cy="369332"/>
+          </a:xfrm>
+          <a:prstGeom prst="rect">
+            <a:avLst/>
+          </a:prstGeom>
+          <a:noFill/>
+        </p:spPr>
+        <p:txBody>
+          <a:bodyPr wrap="square">
+            <a:spAutoFit/>
+          </a:bodyPr>
+          <a:lstStyle/>
+          <a:p>
+            <a:r>
+              <a:rPr lang="en-US" altLang="zh-CN" dirty="0"/>
+              <a:t>3.3</a:t>
+            </a:r>
+            <a:endParaRPr lang="zh-CN" altLang="en-US" dirty="0"/>
+          </a:p>
+        </p:txBody>
+      </p:sp>
+    </p:spTree>
+    <p:extLst>
+      <p:ext uri="{BB962C8B-B14F-4D97-AF65-F5344CB8AC3E}">
+        <p14:creationId xmlns:p14="http://schemas.microsoft.com/office/powerpoint/2010/main" val="702815529"/>
+      </p:ext>
+    </p:extLst>
+  </p:cSld>
+  <p:clrMapOvr>
+    <a:masterClrMapping/>
+  </p:clrMapOvr>
+</p:sld>
+</file>
+
+<file path=ppt/slides/slide18.xml><?xml version="1.0" encoding="utf-8"?>
+<p:sld xmlns:a="http://schemas.openxmlformats.org/drawingml/2006/main" xmlns:r="http://schemas.openxmlformats.org/officeDocument/2006/relationships" xmlns:p="http://schemas.openxmlformats.org/presentationml/2006/main">
+  <p:cSld>
+    <p:spTree>
+      <p:nvGrpSpPr>
+        <p:cNvPr id="1" name=""/>
+        <p:cNvGrpSpPr/>
+        <p:nvPr/>
+      </p:nvGrpSpPr>
+      <p:grpSpPr>
+        <a:xfrm>
+          <a:off x="0" y="0"/>
+          <a:ext cx="0" cy="0"/>
+          <a:chOff x="0" y="0"/>
+          <a:chExt cx="0" cy="0"/>
+        </a:xfrm>
+      </p:grpSpPr>
+      <p:sp>
+        <p:nvSpPr>
+          <p:cNvPr id="2" name="标题 1">
+            <a:extLst>
+              <a:ext uri="{FF2B5EF4-FFF2-40B4-BE49-F238E27FC236}">
+                <a16:creationId xmlns:a16="http://schemas.microsoft.com/office/drawing/2014/main" id="{0ABCDB25-326D-4B74-48C7-AB72A920A8CC}"/>
+              </a:ext>
+            </a:extLst>
+          </p:cNvPr>
+          <p:cNvSpPr>
+            <a:spLocks noGrp="1"/>
+          </p:cNvSpPr>
+          <p:nvPr>
+            <p:ph type="title"/>
+          </p:nvPr>
+        </p:nvSpPr>
+        <p:spPr/>
+        <p:txBody>
+          <a:bodyPr>
+            <a:normAutofit/>
+          </a:bodyPr>
+          <a:lstStyle/>
+          <a:p>
+            <a:pPr marL="571500" indent="-571500">
+              <a:buFont typeface="Arial" panose="020B0604020202020204" pitchFamily="34" charset="0"/>
+              <a:buChar char="•"/>
+            </a:pPr>
+            <a:r>
+              <a:rPr lang="en-US" altLang="zh-CN" sz="6000" dirty="0">
+                <a:latin typeface="Times New Roman" panose="02020603050405020304" pitchFamily="18" charset="0"/>
+                <a:cs typeface="Times New Roman" panose="02020603050405020304" pitchFamily="18" charset="0"/>
+              </a:rPr>
+              <a:t>Summary</a:t>
+            </a:r>
+            <a:endParaRPr lang="zh-CN" altLang="en-US" sz="6000" dirty="0">
+              <a:latin typeface="Times New Roman" panose="02020603050405020304" pitchFamily="18" charset="0"/>
+              <a:cs typeface="Times New Roman" panose="02020603050405020304" pitchFamily="18" charset="0"/>
+            </a:endParaRPr>
+          </a:p>
+        </p:txBody>
+      </p:sp>
+      <p:sp>
+        <p:nvSpPr>
+          <p:cNvPr id="3" name="内容占位符 2">
+            <a:extLst>
+              <a:ext uri="{FF2B5EF4-FFF2-40B4-BE49-F238E27FC236}">
+                <a16:creationId xmlns:a16="http://schemas.microsoft.com/office/drawing/2014/main" id="{303C7CD2-64A6-91F4-E855-B13983DAA3F7}"/>
+              </a:ext>
+            </a:extLst>
+          </p:cNvPr>
+          <p:cNvSpPr>
+            <a:spLocks noGrp="1"/>
+          </p:cNvSpPr>
+          <p:nvPr>
+            <p:ph idx="1"/>
+          </p:nvPr>
+        </p:nvSpPr>
+        <p:spPr>
+          <a:xfrm>
+            <a:off x="838200" y="2135733"/>
+            <a:ext cx="10515600" cy="3205667"/>
+          </a:xfrm>
+        </p:spPr>
+        <p:txBody>
+          <a:bodyPr>
+            <a:normAutofit/>
+          </a:bodyPr>
+          <a:lstStyle/>
+          <a:p>
+            <a:pPr>
+              <a:lnSpc>
+                <a:spcPct val="150000"/>
+              </a:lnSpc>
+            </a:pPr>
+            <a:r>
+              <a:rPr lang="en-US" altLang="zh-CN" sz="4000" dirty="0">
+                <a:latin typeface="Times New Roman" panose="02020603050405020304" pitchFamily="18" charset="0"/>
+                <a:cs typeface="Times New Roman" panose="02020603050405020304" pitchFamily="18" charset="0"/>
+              </a:rPr>
+              <a:t>Outline</a:t>
+            </a:r>
+          </a:p>
+          <a:p>
+            <a:pPr>
+              <a:lnSpc>
+                <a:spcPct val="150000"/>
+              </a:lnSpc>
+            </a:pPr>
+            <a:r>
+              <a:rPr lang="en-US" altLang="zh-CN" sz="4000" dirty="0">
+                <a:latin typeface="Times New Roman" panose="02020603050405020304" pitchFamily="18" charset="0"/>
+                <a:cs typeface="Times New Roman" panose="02020603050405020304" pitchFamily="18" charset="0"/>
+              </a:rPr>
+              <a:t>Progress</a:t>
+            </a:r>
+          </a:p>
+          <a:p>
+            <a:pPr>
+              <a:lnSpc>
+                <a:spcPct val="150000"/>
+              </a:lnSpc>
+            </a:pPr>
+            <a:r>
+              <a:rPr lang="en-US" altLang="zh-CN" sz="4000" dirty="0">
+                <a:latin typeface="Times New Roman" panose="02020603050405020304" pitchFamily="18" charset="0"/>
+                <a:cs typeface="Times New Roman" panose="02020603050405020304" pitchFamily="18" charset="0"/>
+              </a:rPr>
+              <a:t>Further Planning</a:t>
+            </a:r>
+            <a:endParaRPr lang="en-US" altLang="zh-CN" sz="3600" dirty="0">
+              <a:latin typeface="Times New Roman" panose="02020603050405020304" pitchFamily="18" charset="0"/>
+              <a:cs typeface="Times New Roman" panose="02020603050405020304" pitchFamily="18" charset="0"/>
+            </a:endParaRPr>
+          </a:p>
+        </p:txBody>
+      </p:sp>
+      <p:sp>
+        <p:nvSpPr>
+          <p:cNvPr id="4" name="矩形 3">
+            <a:extLst>
+              <a:ext uri="{FF2B5EF4-FFF2-40B4-BE49-F238E27FC236}">
+                <a16:creationId xmlns:a16="http://schemas.microsoft.com/office/drawing/2014/main" id="{FA06EF4E-8F41-A2EB-22CE-5BA672347D08}"/>
+              </a:ext>
+            </a:extLst>
+          </p:cNvPr>
+          <p:cNvSpPr/>
+          <p:nvPr/>
+        </p:nvSpPr>
+        <p:spPr>
+          <a:xfrm>
+            <a:off x="838200" y="1618617"/>
+            <a:ext cx="10515600" cy="36000"/>
+          </a:xfrm>
+          <a:prstGeom prst="rect">
+            <a:avLst/>
+          </a:prstGeom>
+          <a:solidFill>
+            <a:srgbClr val="002060"/>
+          </a:solidFill>
+          <a:ln>
+            <a:solidFill>
+              <a:srgbClr val="002060"/>
+            </a:solidFill>
+          </a:ln>
+        </p:spPr>
+        <p:style>
+          <a:lnRef idx="2">
+            <a:schemeClr val="accent1">
+              <a:shade val="50000"/>
+            </a:schemeClr>
+          </a:lnRef>
+          <a:fillRef idx="1">
+            <a:schemeClr val="accent1"/>
+          </a:fillRef>
+          <a:effectRef idx="0">
+            <a:schemeClr val="accent1"/>
+          </a:effectRef>
+          <a:fontRef idx="minor">
+            <a:schemeClr val="lt1"/>
+          </a:fontRef>
+        </p:style>
+        <p:txBody>
+          <a:bodyPr rtlCol="0" anchor="ctr"/>
+          <a:lstStyle/>
+          <a:p>
+            <a:pPr algn="ctr"/>
+            <a:endParaRPr lang="zh-CN" altLang="en-US" dirty="0"/>
+          </a:p>
+        </p:txBody>
+      </p:sp>
+      <p:sp>
+        <p:nvSpPr>
+          <p:cNvPr id="5" name="矩形 4">
+            <a:extLst>
+              <a:ext uri="{FF2B5EF4-FFF2-40B4-BE49-F238E27FC236}">
+                <a16:creationId xmlns:a16="http://schemas.microsoft.com/office/drawing/2014/main" id="{B82C7024-1544-EE54-3B50-560BE2C35BDD}"/>
+              </a:ext>
+            </a:extLst>
+          </p:cNvPr>
+          <p:cNvSpPr/>
+          <p:nvPr/>
+        </p:nvSpPr>
+        <p:spPr>
+          <a:xfrm>
+            <a:off x="838200" y="1683806"/>
+            <a:ext cx="10515600" cy="18000"/>
+          </a:xfrm>
+          <a:prstGeom prst="rect">
+            <a:avLst/>
+          </a:prstGeom>
+          <a:solidFill>
+            <a:srgbClr val="997B0F"/>
+          </a:solidFill>
+          <a:ln>
+            <a:solidFill>
+              <a:srgbClr val="CDA715"/>
+            </a:solidFill>
+          </a:ln>
+        </p:spPr>
+        <p:style>
+          <a:lnRef idx="2">
+            <a:schemeClr val="accent1">
+              <a:shade val="50000"/>
+            </a:schemeClr>
+          </a:lnRef>
+          <a:fillRef idx="1">
+            <a:schemeClr val="accent1"/>
+          </a:fillRef>
+          <a:effectRef idx="0">
+            <a:schemeClr val="accent1"/>
+          </a:effectRef>
+          <a:fontRef idx="minor">
+            <a:schemeClr val="lt1"/>
+          </a:fontRef>
+        </p:style>
+        <p:txBody>
+          <a:bodyPr rtlCol="0" anchor="ctr"/>
+          <a:lstStyle/>
+          <a:p>
+            <a:pPr algn="ctr"/>
+            <a:endParaRPr lang="zh-CN" altLang="en-US"/>
+          </a:p>
+        </p:txBody>
+      </p:sp>
+      <p:sp>
+        <p:nvSpPr>
+          <p:cNvPr id="6" name="文本框 5">
+            <a:extLst>
+              <a:ext uri="{FF2B5EF4-FFF2-40B4-BE49-F238E27FC236}">
+                <a16:creationId xmlns:a16="http://schemas.microsoft.com/office/drawing/2014/main" id="{B08C997F-1EEE-D958-D231-4C82A2223313}"/>
+              </a:ext>
+            </a:extLst>
+          </p:cNvPr>
+          <p:cNvSpPr txBox="1"/>
+          <p:nvPr/>
+        </p:nvSpPr>
+        <p:spPr>
+          <a:xfrm>
+            <a:off x="11743266" y="6361668"/>
+            <a:ext cx="313267" cy="369332"/>
+          </a:xfrm>
+          <a:prstGeom prst="rect">
+            <a:avLst/>
+          </a:prstGeom>
+          <a:noFill/>
+        </p:spPr>
+        <p:txBody>
+          <a:bodyPr wrap="square">
+            <a:spAutoFit/>
+          </a:bodyPr>
+          <a:lstStyle/>
+          <a:p>
+            <a:r>
+              <a:rPr lang="en-US" altLang="zh-CN" dirty="0"/>
+              <a:t>4</a:t>
+            </a:r>
+            <a:endParaRPr lang="zh-CN" altLang="en-US" dirty="0"/>
+          </a:p>
+        </p:txBody>
+      </p:sp>
+    </p:spTree>
+    <p:extLst>
+      <p:ext uri="{BB962C8B-B14F-4D97-AF65-F5344CB8AC3E}">
+        <p14:creationId xmlns:p14="http://schemas.microsoft.com/office/powerpoint/2010/main" val="15287027"/>
+      </p:ext>
+    </p:extLst>
+  </p:cSld>
+  <p:clrMapOvr>
+    <a:masterClrMapping/>
+  </p:clrMapOvr>
+</p:sld>
+</file>
+
+<file path=ppt/slides/slide19.xml><?xml version="1.0" encoding="utf-8"?>
+<p:sld xmlns:a="http://schemas.openxmlformats.org/drawingml/2006/main" xmlns:r="http://schemas.openxmlformats.org/officeDocument/2006/relationships" xmlns:p="http://schemas.openxmlformats.org/presentationml/2006/main">
+  <p:cSld>
+    <p:spTree>
+      <p:nvGrpSpPr>
+        <p:cNvPr id="1" name=""/>
+        <p:cNvGrpSpPr/>
+        <p:nvPr/>
+      </p:nvGrpSpPr>
+      <p:grpSpPr>
+        <a:xfrm>
+          <a:off x="0" y="0"/>
+          <a:ext cx="0" cy="0"/>
+          <a:chOff x="0" y="0"/>
+          <a:chExt cx="0" cy="0"/>
+        </a:xfrm>
+      </p:grpSpPr>
+      <p:sp>
+        <p:nvSpPr>
+          <p:cNvPr id="2" name="标题 1">
+            <a:extLst>
+              <a:ext uri="{FF2B5EF4-FFF2-40B4-BE49-F238E27FC236}">
+                <a16:creationId xmlns:a16="http://schemas.microsoft.com/office/drawing/2014/main" id="{0ABCDB25-326D-4B74-48C7-AB72A920A8CC}"/>
+              </a:ext>
+            </a:extLst>
+          </p:cNvPr>
+          <p:cNvSpPr>
+            <a:spLocks noGrp="1"/>
+          </p:cNvSpPr>
+          <p:nvPr>
+            <p:ph type="title"/>
+          </p:nvPr>
+        </p:nvSpPr>
+        <p:spPr/>
+        <p:txBody>
+          <a:bodyPr>
+            <a:normAutofit/>
+          </a:bodyPr>
+          <a:lstStyle/>
+          <a:p>
+            <a:pPr marL="571500" indent="-571500">
+              <a:buFont typeface="Arial" panose="020B0604020202020204" pitchFamily="34" charset="0"/>
+              <a:buChar char="•"/>
+            </a:pPr>
+            <a:r>
+              <a:rPr lang="en-US" altLang="zh-CN" sz="6000" dirty="0">
+                <a:latin typeface="Times New Roman" panose="02020603050405020304" pitchFamily="18" charset="0"/>
+                <a:cs typeface="Times New Roman" panose="02020603050405020304" pitchFamily="18" charset="0"/>
+              </a:rPr>
+              <a:t>Reference</a:t>
+            </a:r>
+            <a:endParaRPr lang="zh-CN" altLang="en-US" sz="6000" dirty="0">
+              <a:latin typeface="Times New Roman" panose="02020603050405020304" pitchFamily="18" charset="0"/>
+              <a:cs typeface="Times New Roman" panose="02020603050405020304" pitchFamily="18" charset="0"/>
+            </a:endParaRPr>
+          </a:p>
+        </p:txBody>
+      </p:sp>
+      <p:sp>
+        <p:nvSpPr>
+          <p:cNvPr id="3" name="内容占位符 2">
+            <a:extLst>
+              <a:ext uri="{FF2B5EF4-FFF2-40B4-BE49-F238E27FC236}">
+                <a16:creationId xmlns:a16="http://schemas.microsoft.com/office/drawing/2014/main" id="{303C7CD2-64A6-91F4-E855-B13983DAA3F7}"/>
+              </a:ext>
+            </a:extLst>
+          </p:cNvPr>
+          <p:cNvSpPr>
+            <a:spLocks noGrp="1"/>
+          </p:cNvSpPr>
+          <p:nvPr>
+            <p:ph idx="1"/>
+          </p:nvPr>
+        </p:nvSpPr>
+        <p:spPr>
+          <a:xfrm>
+            <a:off x="838200" y="1905001"/>
+            <a:ext cx="10515600" cy="3808932"/>
+          </a:xfrm>
+        </p:spPr>
+        <p:txBody>
+          <a:bodyPr>
+            <a:normAutofit/>
+          </a:bodyPr>
+          <a:lstStyle/>
+          <a:p>
+            <a:pPr>
+              <a:lnSpc>
+                <a:spcPct val="150000"/>
+              </a:lnSpc>
+            </a:pPr>
+            <a:r>
+              <a:rPr lang="en-US" altLang="zh-CN" sz="4000" dirty="0">
+                <a:latin typeface="Times New Roman" panose="02020603050405020304" pitchFamily="18" charset="0"/>
+                <a:cs typeface="Times New Roman" panose="02020603050405020304" pitchFamily="18" charset="0"/>
+              </a:rPr>
+              <a:t>Image Processing Algorithm</a:t>
+            </a:r>
+          </a:p>
+          <a:p>
+            <a:pPr marL="0" indent="0">
+              <a:buNone/>
+            </a:pPr>
+            <a:r>
+              <a:rPr lang="en-US" altLang="zh-CN" sz="2000" dirty="0">
+                <a:latin typeface="Times New Roman" panose="02020603050405020304" pitchFamily="18" charset="0"/>
+                <a:cs typeface="Times New Roman" panose="02020603050405020304" pitchFamily="18" charset="0"/>
+              </a:rPr>
+              <a:t>R. C. Gonzalez, R. E. Woods, Digital Image Processing, 3rd Edition, Pearson / Prentice Hall, 2010.</a:t>
+            </a:r>
+          </a:p>
+          <a:p>
+            <a:pPr>
+              <a:lnSpc>
+                <a:spcPct val="150000"/>
+              </a:lnSpc>
+            </a:pPr>
+            <a:r>
+              <a:rPr lang="en-US" altLang="zh-CN" sz="4000" dirty="0">
+                <a:latin typeface="Times New Roman" panose="02020603050405020304" pitchFamily="18" charset="0"/>
+                <a:cs typeface="Times New Roman" panose="02020603050405020304" pitchFamily="18" charset="0"/>
+              </a:rPr>
+              <a:t>Tracking Algorithm</a:t>
+            </a:r>
+          </a:p>
+          <a:p>
+            <a:pPr marL="0" indent="0">
+              <a:lnSpc>
+                <a:spcPct val="150000"/>
+              </a:lnSpc>
+              <a:buNone/>
+            </a:pPr>
+            <a:r>
+              <a:rPr lang="en-US" altLang="zh-CN" sz="2000" dirty="0">
+                <a:latin typeface="Times New Roman" panose="02020603050405020304" pitchFamily="18" charset="0"/>
+                <a:cs typeface="Times New Roman" panose="02020603050405020304" pitchFamily="18" charset="0"/>
+              </a:rPr>
+              <a:t>Ralph, J.F. (2010). Target Tracking. In Encyclopedia of Aerospace Engineering (eds R. </a:t>
+            </a:r>
+            <a:r>
+              <a:rPr lang="en-US" altLang="zh-CN" sz="2000" dirty="0" err="1">
+                <a:latin typeface="Times New Roman" panose="02020603050405020304" pitchFamily="18" charset="0"/>
+                <a:cs typeface="Times New Roman" panose="02020603050405020304" pitchFamily="18" charset="0"/>
+              </a:rPr>
+              <a:t>Blockley</a:t>
+            </a:r>
+            <a:r>
+              <a:rPr lang="en-US" altLang="zh-CN" sz="2000" dirty="0">
+                <a:latin typeface="Times New Roman" panose="02020603050405020304" pitchFamily="18" charset="0"/>
+                <a:cs typeface="Times New Roman" panose="02020603050405020304" pitchFamily="18" charset="0"/>
+              </a:rPr>
+              <a:t> and W. </a:t>
+            </a:r>
+            <a:r>
+              <a:rPr lang="en-US" altLang="zh-CN" sz="2000" dirty="0" err="1">
+                <a:latin typeface="Times New Roman" panose="02020603050405020304" pitchFamily="18" charset="0"/>
+                <a:cs typeface="Times New Roman" panose="02020603050405020304" pitchFamily="18" charset="0"/>
+              </a:rPr>
+              <a:t>Shyy</a:t>
+            </a:r>
+            <a:r>
+              <a:rPr lang="en-US" altLang="zh-CN" sz="2000" dirty="0">
+                <a:latin typeface="Times New Roman" panose="02020603050405020304" pitchFamily="18" charset="0"/>
+                <a:cs typeface="Times New Roman" panose="02020603050405020304" pitchFamily="18" charset="0"/>
+              </a:rPr>
+              <a:t>). </a:t>
+            </a:r>
+            <a:r>
+              <a:rPr lang="en-US" altLang="zh-CN" sz="2000" dirty="0">
+                <a:latin typeface="Times New Roman" panose="02020603050405020304" pitchFamily="18" charset="0"/>
+                <a:cs typeface="Times New Roman" panose="02020603050405020304" pitchFamily="18" charset="0"/>
+                <a:hlinkClick r:id="rId2">
+                  <a:extLst>
+                    <a:ext uri="{A12FA001-AC4F-418D-AE19-62706E023703}">
+                      <ahyp:hlinkClr xmlns:ahyp="http://schemas.microsoft.com/office/drawing/2018/hyperlinkcolor" val="tx"/>
+                    </a:ext>
+                  </a:extLst>
+                </a:hlinkClick>
+              </a:rPr>
+              <a:t>https://doi.org/10.1002/9780470686652.eae284</a:t>
+            </a:r>
+            <a:endParaRPr lang="en-US" altLang="zh-CN" sz="2000" dirty="0">
+              <a:latin typeface="Times New Roman" panose="02020603050405020304" pitchFamily="18" charset="0"/>
+              <a:cs typeface="Times New Roman" panose="02020603050405020304" pitchFamily="18" charset="0"/>
+            </a:endParaRPr>
+          </a:p>
+          <a:p>
+            <a:pPr marL="0" indent="0">
+              <a:buNone/>
+            </a:pPr>
+            <a:endParaRPr lang="zh-CN" altLang="en-US" sz="2000" dirty="0">
+              <a:latin typeface="Times New Roman" panose="02020603050405020304" pitchFamily="18" charset="0"/>
+              <a:cs typeface="Times New Roman" panose="02020603050405020304" pitchFamily="18" charset="0"/>
+            </a:endParaRPr>
+          </a:p>
+          <a:p>
+            <a:pPr>
+              <a:lnSpc>
+                <a:spcPct val="150000"/>
+              </a:lnSpc>
+            </a:pPr>
+            <a:endParaRPr lang="en-US" altLang="zh-CN" sz="4000" dirty="0">
+              <a:latin typeface="Times New Roman" panose="02020603050405020304" pitchFamily="18" charset="0"/>
+              <a:cs typeface="Times New Roman" panose="02020603050405020304" pitchFamily="18" charset="0"/>
+            </a:endParaRPr>
+          </a:p>
+          <a:p>
+            <a:pPr marL="0" indent="0">
+              <a:lnSpc>
+                <a:spcPct val="150000"/>
+              </a:lnSpc>
+              <a:buNone/>
+            </a:pPr>
+            <a:endParaRPr lang="en-US" altLang="zh-CN" sz="4000" dirty="0">
+              <a:latin typeface="Times New Roman" panose="02020603050405020304" pitchFamily="18" charset="0"/>
+              <a:cs typeface="Times New Roman" panose="02020603050405020304" pitchFamily="18" charset="0"/>
+            </a:endParaRPr>
+          </a:p>
+        </p:txBody>
+      </p:sp>
+      <p:sp>
+        <p:nvSpPr>
+          <p:cNvPr id="4" name="矩形 3">
+            <a:extLst>
+              <a:ext uri="{FF2B5EF4-FFF2-40B4-BE49-F238E27FC236}">
+                <a16:creationId xmlns:a16="http://schemas.microsoft.com/office/drawing/2014/main" id="{FA06EF4E-8F41-A2EB-22CE-5BA672347D08}"/>
+              </a:ext>
+            </a:extLst>
+          </p:cNvPr>
+          <p:cNvSpPr/>
+          <p:nvPr/>
+        </p:nvSpPr>
+        <p:spPr>
+          <a:xfrm>
+            <a:off x="838200" y="1618617"/>
+            <a:ext cx="10515600" cy="36000"/>
+          </a:xfrm>
+          <a:prstGeom prst="rect">
+            <a:avLst/>
+          </a:prstGeom>
+          <a:solidFill>
+            <a:srgbClr val="002060"/>
+          </a:solidFill>
+          <a:ln>
+            <a:solidFill>
+              <a:srgbClr val="002060"/>
+            </a:solidFill>
+          </a:ln>
+        </p:spPr>
+        <p:style>
+          <a:lnRef idx="2">
+            <a:schemeClr val="accent1">
+              <a:shade val="50000"/>
+            </a:schemeClr>
+          </a:lnRef>
+          <a:fillRef idx="1">
+            <a:schemeClr val="accent1"/>
+          </a:fillRef>
+          <a:effectRef idx="0">
+            <a:schemeClr val="accent1"/>
+          </a:effectRef>
+          <a:fontRef idx="minor">
+            <a:schemeClr val="lt1"/>
+          </a:fontRef>
+        </p:style>
+        <p:txBody>
+          <a:bodyPr rtlCol="0" anchor="ctr"/>
+          <a:lstStyle/>
+          <a:p>
+            <a:pPr algn="ctr"/>
+            <a:endParaRPr lang="zh-CN" altLang="en-US" dirty="0"/>
+          </a:p>
+        </p:txBody>
+      </p:sp>
+      <p:sp>
+        <p:nvSpPr>
+          <p:cNvPr id="5" name="矩形 4">
+            <a:extLst>
+              <a:ext uri="{FF2B5EF4-FFF2-40B4-BE49-F238E27FC236}">
+                <a16:creationId xmlns:a16="http://schemas.microsoft.com/office/drawing/2014/main" id="{B82C7024-1544-EE54-3B50-560BE2C35BDD}"/>
+              </a:ext>
+            </a:extLst>
+          </p:cNvPr>
+          <p:cNvSpPr/>
+          <p:nvPr/>
+        </p:nvSpPr>
+        <p:spPr>
+          <a:xfrm>
+            <a:off x="838200" y="1683806"/>
+            <a:ext cx="10515600" cy="18000"/>
+          </a:xfrm>
+          <a:prstGeom prst="rect">
+            <a:avLst/>
+          </a:prstGeom>
+          <a:solidFill>
+            <a:srgbClr val="997B0F"/>
+          </a:solidFill>
+          <a:ln>
+            <a:solidFill>
+              <a:srgbClr val="CDA715"/>
+            </a:solidFill>
+          </a:ln>
+        </p:spPr>
+        <p:style>
+          <a:lnRef idx="2">
+            <a:schemeClr val="accent1">
+              <a:shade val="50000"/>
+            </a:schemeClr>
+          </a:lnRef>
+          <a:fillRef idx="1">
+            <a:schemeClr val="accent1"/>
+          </a:fillRef>
+          <a:effectRef idx="0">
+            <a:schemeClr val="accent1"/>
+          </a:effectRef>
+          <a:fontRef idx="minor">
+            <a:schemeClr val="lt1"/>
+          </a:fontRef>
+        </p:style>
+        <p:txBody>
+          <a:bodyPr rtlCol="0" anchor="ctr"/>
+          <a:lstStyle/>
+          <a:p>
+            <a:pPr algn="ctr"/>
+            <a:endParaRPr lang="zh-CN" altLang="en-US"/>
+          </a:p>
+        </p:txBody>
+      </p:sp>
+    </p:spTree>
+    <p:extLst>
+      <p:ext uri="{BB962C8B-B14F-4D97-AF65-F5344CB8AC3E}">
+        <p14:creationId xmlns:p14="http://schemas.microsoft.com/office/powerpoint/2010/main" val="750676388"/>
       </p:ext>
     </p:extLst>
   </p:cSld>
@@ -4389,7 +7875,7 @@
                 <a:latin typeface="Times New Roman" panose="02020603050405020304" pitchFamily="18" charset="0"/>
                 <a:cs typeface="Times New Roman" panose="02020603050405020304" pitchFamily="18" charset="0"/>
               </a:rPr>
-              <a:t>Agenda</a:t>
+              <a:t>Content</a:t>
             </a:r>
             <a:endParaRPr lang="zh-CN" altLang="en-US" sz="6000" dirty="0">
               <a:latin typeface="Times New Roman" panose="02020603050405020304" pitchFamily="18" charset="0"/>
@@ -4417,11 +7903,13 @@
         <p:spPr>
           <a:xfrm>
             <a:off x="838200" y="2223559"/>
-            <a:ext cx="10515600" cy="2966508"/>
-          </a:xfrm>
-        </p:spPr>
-        <p:txBody>
-          <a:bodyPr/>
+            <a:ext cx="10515600" cy="3727441"/>
+          </a:xfrm>
+        </p:spPr>
+        <p:txBody>
+          <a:bodyPr>
+            <a:normAutofit/>
+          </a:bodyPr>
           <a:lstStyle/>
           <a:p>
             <a:r>
@@ -4456,10 +7944,17 @@
                 <a:latin typeface="Times New Roman" panose="02020603050405020304" pitchFamily="18" charset="0"/>
                 <a:cs typeface="Times New Roman" panose="02020603050405020304" pitchFamily="18" charset="0"/>
               </a:rPr>
+              <a:t>Next Step</a:t>
+            </a:r>
+          </a:p>
+          <a:p>
+            <a:r>
+              <a:rPr lang="en-US" altLang="zh-CN" sz="4000" dirty="0">
+                <a:latin typeface="Times New Roman" panose="02020603050405020304" pitchFamily="18" charset="0"/>
+                <a:cs typeface="Times New Roman" panose="02020603050405020304" pitchFamily="18" charset="0"/>
+              </a:rPr>
               <a:t>Summary</a:t>
             </a:r>
-          </a:p>
-          <a:p>
             <a:endParaRPr lang="en-US" altLang="zh-CN" dirty="0"/>
           </a:p>
           <a:p>
@@ -4575,10 +8070,982 @@
           </a:p>
         </p:txBody>
       </p:sp>
+      <p:sp>
+        <p:nvSpPr>
+          <p:cNvPr id="6" name="文本框 5">
+            <a:extLst>
+              <a:ext uri="{FF2B5EF4-FFF2-40B4-BE49-F238E27FC236}">
+                <a16:creationId xmlns:a16="http://schemas.microsoft.com/office/drawing/2014/main" id="{CBD28782-9E80-E6E5-FC24-6E0B8637E869}"/>
+              </a:ext>
+            </a:extLst>
+          </p:cNvPr>
+          <p:cNvSpPr txBox="1"/>
+          <p:nvPr/>
+        </p:nvSpPr>
+        <p:spPr>
+          <a:xfrm>
+            <a:off x="11717866" y="6361668"/>
+            <a:ext cx="262467" cy="369332"/>
+          </a:xfrm>
+          <a:prstGeom prst="rect">
+            <a:avLst/>
+          </a:prstGeom>
+          <a:noFill/>
+        </p:spPr>
+        <p:txBody>
+          <a:bodyPr wrap="square">
+            <a:spAutoFit/>
+          </a:bodyPr>
+          <a:lstStyle/>
+          <a:p>
+            <a:r>
+              <a:rPr lang="en-US" altLang="zh-CN" dirty="0"/>
+              <a:t>0</a:t>
+            </a:r>
+            <a:endParaRPr lang="zh-CN" altLang="en-US" dirty="0"/>
+          </a:p>
+        </p:txBody>
+      </p:sp>
     </p:spTree>
     <p:extLst>
       <p:ext uri="{BB962C8B-B14F-4D97-AF65-F5344CB8AC3E}">
         <p14:creationId xmlns:p14="http://schemas.microsoft.com/office/powerpoint/2010/main" val="2152598732"/>
+      </p:ext>
+    </p:extLst>
+  </p:cSld>
+  <p:clrMapOvr>
+    <a:masterClrMapping/>
+  </p:clrMapOvr>
+</p:sld>
+</file>
+
+<file path=ppt/slides/slide20.xml><?xml version="1.0" encoding="utf-8"?>
+<p:sld xmlns:a="http://schemas.openxmlformats.org/drawingml/2006/main" xmlns:r="http://schemas.openxmlformats.org/officeDocument/2006/relationships" xmlns:p="http://schemas.openxmlformats.org/presentationml/2006/main">
+  <p:cSld>
+    <p:spTree>
+      <p:nvGrpSpPr>
+        <p:cNvPr id="1" name=""/>
+        <p:cNvGrpSpPr/>
+        <p:nvPr/>
+      </p:nvGrpSpPr>
+      <p:grpSpPr>
+        <a:xfrm>
+          <a:off x="0" y="0"/>
+          <a:ext cx="0" cy="0"/>
+          <a:chOff x="0" y="0"/>
+          <a:chExt cx="0" cy="0"/>
+        </a:xfrm>
+      </p:grpSpPr>
+      <p:pic>
+        <p:nvPicPr>
+          <p:cNvPr id="16" name="图片 15">
+            <a:extLst>
+              <a:ext uri="{FF2B5EF4-FFF2-40B4-BE49-F238E27FC236}">
+                <a16:creationId xmlns:a16="http://schemas.microsoft.com/office/drawing/2014/main" id="{FD4D200A-3458-9518-292E-02A9F7BC7318}"/>
+              </a:ext>
+            </a:extLst>
+          </p:cNvPr>
+          <p:cNvPicPr>
+            <a:picLocks noChangeAspect="1"/>
+          </p:cNvPicPr>
+          <p:nvPr/>
+        </p:nvPicPr>
+        <p:blipFill rotWithShape="1">
+          <a:blip r:embed="rId2">
+            <a:alphaModFix amt="20000"/>
+            <a:extLst>
+              <a:ext uri="{28A0092B-C50C-407E-A947-70E740481C1C}">
+                <a14:useLocalDpi xmlns:a14="http://schemas.microsoft.com/office/drawing/2010/main" val="0"/>
+              </a:ext>
+            </a:extLst>
+          </a:blip>
+          <a:srcRect t="3333" b="7683"/>
+          <a:stretch/>
+        </p:blipFill>
+        <p:spPr>
+          <a:xfrm>
+            <a:off x="0" y="0"/>
+            <a:ext cx="12189526" cy="6102536"/>
+          </a:xfrm>
+          <a:prstGeom prst="rect">
+            <a:avLst/>
+          </a:prstGeom>
+        </p:spPr>
+      </p:pic>
+      <p:sp>
+        <p:nvSpPr>
+          <p:cNvPr id="12" name="矩形 11">
+            <a:extLst>
+              <a:ext uri="{FF2B5EF4-FFF2-40B4-BE49-F238E27FC236}">
+                <a16:creationId xmlns:a16="http://schemas.microsoft.com/office/drawing/2014/main" id="{0F0005C9-D10F-D278-DD33-9A2CDDB72236}"/>
+              </a:ext>
+            </a:extLst>
+          </p:cNvPr>
+          <p:cNvSpPr/>
+          <p:nvPr/>
+        </p:nvSpPr>
+        <p:spPr>
+          <a:xfrm>
+            <a:off x="0" y="5570013"/>
+            <a:ext cx="12192000" cy="45719"/>
+          </a:xfrm>
+          <a:prstGeom prst="rect">
+            <a:avLst/>
+          </a:prstGeom>
+          <a:solidFill>
+            <a:srgbClr val="997B0F"/>
+          </a:solidFill>
+          <a:ln>
+            <a:solidFill>
+              <a:srgbClr val="CDA715"/>
+            </a:solidFill>
+          </a:ln>
+        </p:spPr>
+        <p:style>
+          <a:lnRef idx="2">
+            <a:schemeClr val="accent1">
+              <a:shade val="50000"/>
+            </a:schemeClr>
+          </a:lnRef>
+          <a:fillRef idx="1">
+            <a:schemeClr val="accent1"/>
+          </a:fillRef>
+          <a:effectRef idx="0">
+            <a:schemeClr val="accent1"/>
+          </a:effectRef>
+          <a:fontRef idx="minor">
+            <a:schemeClr val="lt1"/>
+          </a:fontRef>
+        </p:style>
+        <p:txBody>
+          <a:bodyPr rtlCol="0" anchor="ctr"/>
+          <a:lstStyle/>
+          <a:p>
+            <a:pPr algn="ctr"/>
+            <a:endParaRPr lang="zh-CN" altLang="en-US"/>
+          </a:p>
+        </p:txBody>
+      </p:sp>
+      <p:sp>
+        <p:nvSpPr>
+          <p:cNvPr id="4" name="矩形 3">
+            <a:extLst>
+              <a:ext uri="{FF2B5EF4-FFF2-40B4-BE49-F238E27FC236}">
+                <a16:creationId xmlns:a16="http://schemas.microsoft.com/office/drawing/2014/main" id="{7991FDA1-9345-7E69-93BC-55181C87E892}"/>
+              </a:ext>
+            </a:extLst>
+          </p:cNvPr>
+          <p:cNvSpPr/>
+          <p:nvPr/>
+        </p:nvSpPr>
+        <p:spPr>
+          <a:xfrm>
+            <a:off x="0" y="2301240"/>
+            <a:ext cx="12192000" cy="2575762"/>
+          </a:xfrm>
+          <a:prstGeom prst="rect">
+            <a:avLst/>
+          </a:prstGeom>
+          <a:solidFill>
+            <a:srgbClr val="002060"/>
+          </a:solidFill>
+          <a:ln>
+            <a:solidFill>
+              <a:srgbClr val="002060"/>
+            </a:solidFill>
+          </a:ln>
+        </p:spPr>
+        <p:style>
+          <a:lnRef idx="2">
+            <a:schemeClr val="accent1">
+              <a:shade val="50000"/>
+            </a:schemeClr>
+          </a:lnRef>
+          <a:fillRef idx="1">
+            <a:schemeClr val="accent1"/>
+          </a:fillRef>
+          <a:effectRef idx="0">
+            <a:schemeClr val="accent1"/>
+          </a:effectRef>
+          <a:fontRef idx="minor">
+            <a:schemeClr val="lt1"/>
+          </a:fontRef>
+        </p:style>
+        <p:txBody>
+          <a:bodyPr rtlCol="0" anchor="ctr"/>
+          <a:lstStyle/>
+          <a:p>
+            <a:pPr algn="ctr"/>
+            <a:endParaRPr lang="zh-CN" altLang="en-US" dirty="0"/>
+          </a:p>
+        </p:txBody>
+      </p:sp>
+      <p:sp>
+        <p:nvSpPr>
+          <p:cNvPr id="6" name="矩形 5">
+            <a:extLst>
+              <a:ext uri="{FF2B5EF4-FFF2-40B4-BE49-F238E27FC236}">
+                <a16:creationId xmlns:a16="http://schemas.microsoft.com/office/drawing/2014/main" id="{6A27CFDB-549A-06FA-96C1-CAA3A0510134}"/>
+              </a:ext>
+            </a:extLst>
+          </p:cNvPr>
+          <p:cNvSpPr/>
+          <p:nvPr/>
+        </p:nvSpPr>
+        <p:spPr>
+          <a:xfrm>
+            <a:off x="0" y="4889160"/>
+            <a:ext cx="12192000" cy="591281"/>
+          </a:xfrm>
+          <a:prstGeom prst="rect">
+            <a:avLst/>
+          </a:prstGeom>
+          <a:solidFill>
+            <a:srgbClr val="FFEFCA"/>
+          </a:solidFill>
+          <a:ln>
+            <a:solidFill>
+              <a:srgbClr val="002060"/>
+            </a:solidFill>
+          </a:ln>
+        </p:spPr>
+        <p:style>
+          <a:lnRef idx="2">
+            <a:schemeClr val="accent1">
+              <a:shade val="50000"/>
+            </a:schemeClr>
+          </a:lnRef>
+          <a:fillRef idx="1">
+            <a:schemeClr val="accent1"/>
+          </a:fillRef>
+          <a:effectRef idx="0">
+            <a:schemeClr val="accent1"/>
+          </a:effectRef>
+          <a:fontRef idx="minor">
+            <a:schemeClr val="lt1"/>
+          </a:fontRef>
+        </p:style>
+        <p:txBody>
+          <a:bodyPr rtlCol="0" anchor="ctr"/>
+          <a:lstStyle/>
+          <a:p>
+            <a:pPr algn="ctr"/>
+            <a:endParaRPr lang="zh-CN" altLang="en-US" dirty="0">
+              <a:solidFill>
+                <a:srgbClr val="847655"/>
+              </a:solidFill>
+            </a:endParaRPr>
+          </a:p>
+        </p:txBody>
+      </p:sp>
+      <p:sp>
+        <p:nvSpPr>
+          <p:cNvPr id="7" name="矩形 6">
+            <a:extLst>
+              <a:ext uri="{FF2B5EF4-FFF2-40B4-BE49-F238E27FC236}">
+                <a16:creationId xmlns:a16="http://schemas.microsoft.com/office/drawing/2014/main" id="{9AFC09D4-6CBC-A194-4D47-551390F702B9}"/>
+              </a:ext>
+            </a:extLst>
+          </p:cNvPr>
+          <p:cNvSpPr/>
+          <p:nvPr/>
+        </p:nvSpPr>
+        <p:spPr>
+          <a:xfrm>
+            <a:off x="0" y="2199279"/>
+            <a:ext cx="12192000" cy="45719"/>
+          </a:xfrm>
+          <a:prstGeom prst="rect">
+            <a:avLst/>
+          </a:prstGeom>
+          <a:solidFill>
+            <a:srgbClr val="997B0F"/>
+          </a:solidFill>
+          <a:ln>
+            <a:solidFill>
+              <a:srgbClr val="CDA715"/>
+            </a:solidFill>
+          </a:ln>
+        </p:spPr>
+        <p:style>
+          <a:lnRef idx="2">
+            <a:schemeClr val="accent1">
+              <a:shade val="50000"/>
+            </a:schemeClr>
+          </a:lnRef>
+          <a:fillRef idx="1">
+            <a:schemeClr val="accent1"/>
+          </a:fillRef>
+          <a:effectRef idx="0">
+            <a:schemeClr val="accent1"/>
+          </a:effectRef>
+          <a:fontRef idx="minor">
+            <a:schemeClr val="lt1"/>
+          </a:fontRef>
+        </p:style>
+        <p:txBody>
+          <a:bodyPr rtlCol="0" anchor="ctr"/>
+          <a:lstStyle/>
+          <a:p>
+            <a:pPr algn="ctr"/>
+            <a:endParaRPr lang="zh-CN" altLang="en-US"/>
+          </a:p>
+        </p:txBody>
+      </p:sp>
+      <p:sp>
+        <p:nvSpPr>
+          <p:cNvPr id="8" name="椭圆 7">
+            <a:extLst>
+              <a:ext uri="{FF2B5EF4-FFF2-40B4-BE49-F238E27FC236}">
+                <a16:creationId xmlns:a16="http://schemas.microsoft.com/office/drawing/2014/main" id="{06B358C7-DBAC-DEA9-9416-3925914657C3}"/>
+              </a:ext>
+            </a:extLst>
+          </p:cNvPr>
+          <p:cNvSpPr/>
+          <p:nvPr/>
+        </p:nvSpPr>
+        <p:spPr>
+          <a:xfrm>
+            <a:off x="191924" y="2099369"/>
+            <a:ext cx="3600000" cy="3600000"/>
+          </a:xfrm>
+          <a:prstGeom prst="ellipse">
+            <a:avLst/>
+          </a:prstGeom>
+          <a:solidFill>
+            <a:srgbClr val="EAEAEE"/>
+          </a:solidFill>
+          <a:ln>
+            <a:solidFill>
+              <a:srgbClr val="EAEAEE"/>
+            </a:solidFill>
+          </a:ln>
+          <a:effectLst>
+            <a:outerShdw blurRad="63500" sx="102000" sy="102000" algn="ctr" rotWithShape="0">
+              <a:prstClr val="black">
+                <a:alpha val="40000"/>
+              </a:prstClr>
+            </a:outerShdw>
+          </a:effectLst>
+        </p:spPr>
+        <p:style>
+          <a:lnRef idx="2">
+            <a:schemeClr val="accent1">
+              <a:shade val="50000"/>
+            </a:schemeClr>
+          </a:lnRef>
+          <a:fillRef idx="1">
+            <a:schemeClr val="accent1"/>
+          </a:fillRef>
+          <a:effectRef idx="0">
+            <a:schemeClr val="accent1"/>
+          </a:effectRef>
+          <a:fontRef idx="minor">
+            <a:schemeClr val="lt1"/>
+          </a:fontRef>
+        </p:style>
+        <p:txBody>
+          <a:bodyPr rtlCol="0" anchor="ctr"/>
+          <a:lstStyle/>
+          <a:p>
+            <a:pPr algn="ctr"/>
+            <a:endParaRPr lang="zh-CN" altLang="en-US" dirty="0"/>
+          </a:p>
+        </p:txBody>
+      </p:sp>
+      <p:sp>
+        <p:nvSpPr>
+          <p:cNvPr id="11" name="文本框 10">
+            <a:extLst>
+              <a:ext uri="{FF2B5EF4-FFF2-40B4-BE49-F238E27FC236}">
+                <a16:creationId xmlns:a16="http://schemas.microsoft.com/office/drawing/2014/main" id="{30E34ECA-CC71-6389-96F9-CB0C192460D6}"/>
+              </a:ext>
+            </a:extLst>
+          </p:cNvPr>
+          <p:cNvSpPr txBox="1"/>
+          <p:nvPr/>
+        </p:nvSpPr>
+        <p:spPr>
+          <a:xfrm>
+            <a:off x="4085448" y="2765914"/>
+            <a:ext cx="7299954" cy="1569660"/>
+          </a:xfrm>
+          <a:prstGeom prst="rect">
+            <a:avLst/>
+          </a:prstGeom>
+          <a:noFill/>
+        </p:spPr>
+        <p:txBody>
+          <a:bodyPr wrap="square">
+            <a:spAutoFit/>
+          </a:bodyPr>
+          <a:lstStyle/>
+          <a:p>
+            <a:pPr algn="ctr"/>
+            <a:r>
+              <a:rPr lang="en-US" altLang="zh-CN" sz="9600" dirty="0">
+                <a:solidFill>
+                  <a:schemeClr val="bg1"/>
+                </a:solidFill>
+                <a:latin typeface="Times New Roman" panose="02020603050405020304" pitchFamily="18" charset="0"/>
+                <a:cs typeface="Times New Roman" panose="02020603050405020304" pitchFamily="18" charset="0"/>
+              </a:rPr>
+              <a:t>Q &amp; A</a:t>
+            </a:r>
+          </a:p>
+        </p:txBody>
+      </p:sp>
+      <p:sp>
+        <p:nvSpPr>
+          <p:cNvPr id="14" name="文本框 13">
+            <a:extLst>
+              <a:ext uri="{FF2B5EF4-FFF2-40B4-BE49-F238E27FC236}">
+                <a16:creationId xmlns:a16="http://schemas.microsoft.com/office/drawing/2014/main" id="{0BCB2D46-A373-B89E-5301-3EC244B5214F}"/>
+              </a:ext>
+            </a:extLst>
+          </p:cNvPr>
+          <p:cNvSpPr txBox="1"/>
+          <p:nvPr/>
+        </p:nvSpPr>
+        <p:spPr>
+          <a:xfrm>
+            <a:off x="4606500" y="5000134"/>
+            <a:ext cx="7454536" cy="369332"/>
+          </a:xfrm>
+          <a:prstGeom prst="rect">
+            <a:avLst/>
+          </a:prstGeom>
+          <a:noFill/>
+        </p:spPr>
+        <p:txBody>
+          <a:bodyPr wrap="square">
+            <a:spAutoFit/>
+          </a:bodyPr>
+          <a:lstStyle/>
+          <a:p>
+            <a:r>
+              <a:rPr lang="en-US" altLang="zh-CN" dirty="0">
+                <a:solidFill>
+                  <a:srgbClr val="847655"/>
+                </a:solidFill>
+              </a:rPr>
+              <a:t>Supervisor: Ralph, Jason  Presenter: Ye, Zehao  Date: 13th December 2022</a:t>
+            </a:r>
+            <a:endParaRPr lang="zh-CN" altLang="en-US" dirty="0">
+              <a:solidFill>
+                <a:srgbClr val="847655"/>
+              </a:solidFill>
+            </a:endParaRPr>
+          </a:p>
+        </p:txBody>
+      </p:sp>
+      <p:pic>
+        <p:nvPicPr>
+          <p:cNvPr id="21" name="图片 20">
+            <a:extLst>
+              <a:ext uri="{FF2B5EF4-FFF2-40B4-BE49-F238E27FC236}">
+                <a16:creationId xmlns:a16="http://schemas.microsoft.com/office/drawing/2014/main" id="{FB48EE9C-65D3-7223-193B-D9BC39712072}"/>
+              </a:ext>
+            </a:extLst>
+          </p:cNvPr>
+          <p:cNvPicPr>
+            <a:picLocks noChangeAspect="1"/>
+          </p:cNvPicPr>
+          <p:nvPr/>
+        </p:nvPicPr>
+        <p:blipFill rotWithShape="1">
+          <a:blip r:embed="rId3">
+            <a:extLst>
+              <a:ext uri="{28A0092B-C50C-407E-A947-70E740481C1C}">
+                <a14:useLocalDpi xmlns:a14="http://schemas.microsoft.com/office/drawing/2010/main" val="0"/>
+              </a:ext>
+            </a:extLst>
+          </a:blip>
+          <a:srcRect r="84294"/>
+          <a:stretch/>
+        </p:blipFill>
+        <p:spPr>
+          <a:xfrm>
+            <a:off x="1034465" y="2644140"/>
+            <a:ext cx="1914918" cy="2811554"/>
+          </a:xfrm>
+          <a:prstGeom prst="rect">
+            <a:avLst/>
+          </a:prstGeom>
+        </p:spPr>
+      </p:pic>
+    </p:spTree>
+    <p:extLst>
+      <p:ext uri="{BB962C8B-B14F-4D97-AF65-F5344CB8AC3E}">
+        <p14:creationId xmlns:p14="http://schemas.microsoft.com/office/powerpoint/2010/main" val="612549613"/>
+      </p:ext>
+    </p:extLst>
+  </p:cSld>
+  <p:clrMapOvr>
+    <a:masterClrMapping/>
+  </p:clrMapOvr>
+</p:sld>
+</file>
+
+<file path=ppt/slides/slide21.xml><?xml version="1.0" encoding="utf-8"?>
+<p:sld xmlns:a="http://schemas.openxmlformats.org/drawingml/2006/main" xmlns:r="http://schemas.openxmlformats.org/officeDocument/2006/relationships" xmlns:p="http://schemas.openxmlformats.org/presentationml/2006/main">
+  <p:cSld>
+    <p:spTree>
+      <p:nvGrpSpPr>
+        <p:cNvPr id="1" name=""/>
+        <p:cNvGrpSpPr/>
+        <p:nvPr/>
+      </p:nvGrpSpPr>
+      <p:grpSpPr>
+        <a:xfrm>
+          <a:off x="0" y="0"/>
+          <a:ext cx="0" cy="0"/>
+          <a:chOff x="0" y="0"/>
+          <a:chExt cx="0" cy="0"/>
+        </a:xfrm>
+      </p:grpSpPr>
+      <p:pic>
+        <p:nvPicPr>
+          <p:cNvPr id="16" name="图片 15">
+            <a:extLst>
+              <a:ext uri="{FF2B5EF4-FFF2-40B4-BE49-F238E27FC236}">
+                <a16:creationId xmlns:a16="http://schemas.microsoft.com/office/drawing/2014/main" id="{FD4D200A-3458-9518-292E-02A9F7BC7318}"/>
+              </a:ext>
+            </a:extLst>
+          </p:cNvPr>
+          <p:cNvPicPr>
+            <a:picLocks noChangeAspect="1"/>
+          </p:cNvPicPr>
+          <p:nvPr/>
+        </p:nvPicPr>
+        <p:blipFill rotWithShape="1">
+          <a:blip r:embed="rId2">
+            <a:alphaModFix amt="20000"/>
+            <a:extLst>
+              <a:ext uri="{28A0092B-C50C-407E-A947-70E740481C1C}">
+                <a14:useLocalDpi xmlns:a14="http://schemas.microsoft.com/office/drawing/2010/main" val="0"/>
+              </a:ext>
+            </a:extLst>
+          </a:blip>
+          <a:srcRect t="3333" b="7683"/>
+          <a:stretch/>
+        </p:blipFill>
+        <p:spPr>
+          <a:xfrm>
+            <a:off x="0" y="0"/>
+            <a:ext cx="12189526" cy="6102536"/>
+          </a:xfrm>
+          <a:prstGeom prst="rect">
+            <a:avLst/>
+          </a:prstGeom>
+        </p:spPr>
+      </p:pic>
+      <p:sp>
+        <p:nvSpPr>
+          <p:cNvPr id="12" name="矩形 11">
+            <a:extLst>
+              <a:ext uri="{FF2B5EF4-FFF2-40B4-BE49-F238E27FC236}">
+                <a16:creationId xmlns:a16="http://schemas.microsoft.com/office/drawing/2014/main" id="{0F0005C9-D10F-D278-DD33-9A2CDDB72236}"/>
+              </a:ext>
+            </a:extLst>
+          </p:cNvPr>
+          <p:cNvSpPr/>
+          <p:nvPr/>
+        </p:nvSpPr>
+        <p:spPr>
+          <a:xfrm>
+            <a:off x="0" y="5570013"/>
+            <a:ext cx="12192000" cy="45719"/>
+          </a:xfrm>
+          <a:prstGeom prst="rect">
+            <a:avLst/>
+          </a:prstGeom>
+          <a:solidFill>
+            <a:srgbClr val="997B0F"/>
+          </a:solidFill>
+          <a:ln>
+            <a:solidFill>
+              <a:srgbClr val="CDA715"/>
+            </a:solidFill>
+          </a:ln>
+        </p:spPr>
+        <p:style>
+          <a:lnRef idx="2">
+            <a:schemeClr val="accent1">
+              <a:shade val="50000"/>
+            </a:schemeClr>
+          </a:lnRef>
+          <a:fillRef idx="1">
+            <a:schemeClr val="accent1"/>
+          </a:fillRef>
+          <a:effectRef idx="0">
+            <a:schemeClr val="accent1"/>
+          </a:effectRef>
+          <a:fontRef idx="minor">
+            <a:schemeClr val="lt1"/>
+          </a:fontRef>
+        </p:style>
+        <p:txBody>
+          <a:bodyPr rtlCol="0" anchor="ctr"/>
+          <a:lstStyle/>
+          <a:p>
+            <a:pPr algn="ctr"/>
+            <a:endParaRPr lang="zh-CN" altLang="en-US"/>
+          </a:p>
+        </p:txBody>
+      </p:sp>
+      <p:sp>
+        <p:nvSpPr>
+          <p:cNvPr id="4" name="矩形 3">
+            <a:extLst>
+              <a:ext uri="{FF2B5EF4-FFF2-40B4-BE49-F238E27FC236}">
+                <a16:creationId xmlns:a16="http://schemas.microsoft.com/office/drawing/2014/main" id="{7991FDA1-9345-7E69-93BC-55181C87E892}"/>
+              </a:ext>
+            </a:extLst>
+          </p:cNvPr>
+          <p:cNvSpPr/>
+          <p:nvPr/>
+        </p:nvSpPr>
+        <p:spPr>
+          <a:xfrm>
+            <a:off x="0" y="2301240"/>
+            <a:ext cx="12192000" cy="2575762"/>
+          </a:xfrm>
+          <a:prstGeom prst="rect">
+            <a:avLst/>
+          </a:prstGeom>
+          <a:solidFill>
+            <a:srgbClr val="002060"/>
+          </a:solidFill>
+          <a:ln>
+            <a:solidFill>
+              <a:srgbClr val="002060"/>
+            </a:solidFill>
+          </a:ln>
+        </p:spPr>
+        <p:style>
+          <a:lnRef idx="2">
+            <a:schemeClr val="accent1">
+              <a:shade val="50000"/>
+            </a:schemeClr>
+          </a:lnRef>
+          <a:fillRef idx="1">
+            <a:schemeClr val="accent1"/>
+          </a:fillRef>
+          <a:effectRef idx="0">
+            <a:schemeClr val="accent1"/>
+          </a:effectRef>
+          <a:fontRef idx="minor">
+            <a:schemeClr val="lt1"/>
+          </a:fontRef>
+        </p:style>
+        <p:txBody>
+          <a:bodyPr rtlCol="0" anchor="ctr"/>
+          <a:lstStyle/>
+          <a:p>
+            <a:pPr algn="ctr"/>
+            <a:endParaRPr lang="zh-CN" altLang="en-US" dirty="0"/>
+          </a:p>
+        </p:txBody>
+      </p:sp>
+      <p:sp>
+        <p:nvSpPr>
+          <p:cNvPr id="6" name="矩形 5">
+            <a:extLst>
+              <a:ext uri="{FF2B5EF4-FFF2-40B4-BE49-F238E27FC236}">
+                <a16:creationId xmlns:a16="http://schemas.microsoft.com/office/drawing/2014/main" id="{6A27CFDB-549A-06FA-96C1-CAA3A0510134}"/>
+              </a:ext>
+            </a:extLst>
+          </p:cNvPr>
+          <p:cNvSpPr/>
+          <p:nvPr/>
+        </p:nvSpPr>
+        <p:spPr>
+          <a:xfrm>
+            <a:off x="0" y="4889160"/>
+            <a:ext cx="12192000" cy="591281"/>
+          </a:xfrm>
+          <a:prstGeom prst="rect">
+            <a:avLst/>
+          </a:prstGeom>
+          <a:solidFill>
+            <a:srgbClr val="FFEFCA"/>
+          </a:solidFill>
+          <a:ln>
+            <a:solidFill>
+              <a:srgbClr val="002060"/>
+            </a:solidFill>
+          </a:ln>
+        </p:spPr>
+        <p:style>
+          <a:lnRef idx="2">
+            <a:schemeClr val="accent1">
+              <a:shade val="50000"/>
+            </a:schemeClr>
+          </a:lnRef>
+          <a:fillRef idx="1">
+            <a:schemeClr val="accent1"/>
+          </a:fillRef>
+          <a:effectRef idx="0">
+            <a:schemeClr val="accent1"/>
+          </a:effectRef>
+          <a:fontRef idx="minor">
+            <a:schemeClr val="lt1"/>
+          </a:fontRef>
+        </p:style>
+        <p:txBody>
+          <a:bodyPr rtlCol="0" anchor="ctr"/>
+          <a:lstStyle/>
+          <a:p>
+            <a:pPr algn="ctr"/>
+            <a:endParaRPr lang="zh-CN" altLang="en-US" dirty="0">
+              <a:solidFill>
+                <a:srgbClr val="847655"/>
+              </a:solidFill>
+            </a:endParaRPr>
+          </a:p>
+        </p:txBody>
+      </p:sp>
+      <p:sp>
+        <p:nvSpPr>
+          <p:cNvPr id="7" name="矩形 6">
+            <a:extLst>
+              <a:ext uri="{FF2B5EF4-FFF2-40B4-BE49-F238E27FC236}">
+                <a16:creationId xmlns:a16="http://schemas.microsoft.com/office/drawing/2014/main" id="{9AFC09D4-6CBC-A194-4D47-551390F702B9}"/>
+              </a:ext>
+            </a:extLst>
+          </p:cNvPr>
+          <p:cNvSpPr/>
+          <p:nvPr/>
+        </p:nvSpPr>
+        <p:spPr>
+          <a:xfrm>
+            <a:off x="0" y="2199279"/>
+            <a:ext cx="12192000" cy="45719"/>
+          </a:xfrm>
+          <a:prstGeom prst="rect">
+            <a:avLst/>
+          </a:prstGeom>
+          <a:solidFill>
+            <a:srgbClr val="997B0F"/>
+          </a:solidFill>
+          <a:ln>
+            <a:solidFill>
+              <a:srgbClr val="CDA715"/>
+            </a:solidFill>
+          </a:ln>
+        </p:spPr>
+        <p:style>
+          <a:lnRef idx="2">
+            <a:schemeClr val="accent1">
+              <a:shade val="50000"/>
+            </a:schemeClr>
+          </a:lnRef>
+          <a:fillRef idx="1">
+            <a:schemeClr val="accent1"/>
+          </a:fillRef>
+          <a:effectRef idx="0">
+            <a:schemeClr val="accent1"/>
+          </a:effectRef>
+          <a:fontRef idx="minor">
+            <a:schemeClr val="lt1"/>
+          </a:fontRef>
+        </p:style>
+        <p:txBody>
+          <a:bodyPr rtlCol="0" anchor="ctr"/>
+          <a:lstStyle/>
+          <a:p>
+            <a:pPr algn="ctr"/>
+            <a:endParaRPr lang="zh-CN" altLang="en-US"/>
+          </a:p>
+        </p:txBody>
+      </p:sp>
+      <p:sp>
+        <p:nvSpPr>
+          <p:cNvPr id="8" name="椭圆 7">
+            <a:extLst>
+              <a:ext uri="{FF2B5EF4-FFF2-40B4-BE49-F238E27FC236}">
+                <a16:creationId xmlns:a16="http://schemas.microsoft.com/office/drawing/2014/main" id="{06B358C7-DBAC-DEA9-9416-3925914657C3}"/>
+              </a:ext>
+            </a:extLst>
+          </p:cNvPr>
+          <p:cNvSpPr/>
+          <p:nvPr/>
+        </p:nvSpPr>
+        <p:spPr>
+          <a:xfrm>
+            <a:off x="191924" y="2099369"/>
+            <a:ext cx="3600000" cy="3600000"/>
+          </a:xfrm>
+          <a:prstGeom prst="ellipse">
+            <a:avLst/>
+          </a:prstGeom>
+          <a:solidFill>
+            <a:srgbClr val="EAEAEE"/>
+          </a:solidFill>
+          <a:ln>
+            <a:solidFill>
+              <a:srgbClr val="EAEAEE"/>
+            </a:solidFill>
+          </a:ln>
+          <a:effectLst>
+            <a:outerShdw blurRad="63500" sx="102000" sy="102000" algn="ctr" rotWithShape="0">
+              <a:prstClr val="black">
+                <a:alpha val="40000"/>
+              </a:prstClr>
+            </a:outerShdw>
+          </a:effectLst>
+        </p:spPr>
+        <p:style>
+          <a:lnRef idx="2">
+            <a:schemeClr val="accent1">
+              <a:shade val="50000"/>
+            </a:schemeClr>
+          </a:lnRef>
+          <a:fillRef idx="1">
+            <a:schemeClr val="accent1"/>
+          </a:fillRef>
+          <a:effectRef idx="0">
+            <a:schemeClr val="accent1"/>
+          </a:effectRef>
+          <a:fontRef idx="minor">
+            <a:schemeClr val="lt1"/>
+          </a:fontRef>
+        </p:style>
+        <p:txBody>
+          <a:bodyPr rtlCol="0" anchor="ctr"/>
+          <a:lstStyle/>
+          <a:p>
+            <a:pPr algn="ctr"/>
+            <a:endParaRPr lang="zh-CN" altLang="en-US" dirty="0"/>
+          </a:p>
+        </p:txBody>
+      </p:sp>
+      <p:sp>
+        <p:nvSpPr>
+          <p:cNvPr id="11" name="文本框 10">
+            <a:extLst>
+              <a:ext uri="{FF2B5EF4-FFF2-40B4-BE49-F238E27FC236}">
+                <a16:creationId xmlns:a16="http://schemas.microsoft.com/office/drawing/2014/main" id="{30E34ECA-CC71-6389-96F9-CB0C192460D6}"/>
+              </a:ext>
+            </a:extLst>
+          </p:cNvPr>
+          <p:cNvSpPr txBox="1"/>
+          <p:nvPr/>
+        </p:nvSpPr>
+        <p:spPr>
+          <a:xfrm>
+            <a:off x="4085448" y="2765914"/>
+            <a:ext cx="7299954" cy="1569660"/>
+          </a:xfrm>
+          <a:prstGeom prst="rect">
+            <a:avLst/>
+          </a:prstGeom>
+          <a:noFill/>
+        </p:spPr>
+        <p:txBody>
+          <a:bodyPr wrap="square">
+            <a:spAutoFit/>
+          </a:bodyPr>
+          <a:lstStyle/>
+          <a:p>
+            <a:pPr algn="ctr"/>
+            <a:r>
+              <a:rPr lang="en-US" altLang="zh-CN" sz="9600" dirty="0">
+                <a:solidFill>
+                  <a:schemeClr val="bg1"/>
+                </a:solidFill>
+                <a:latin typeface="Times New Roman" panose="02020603050405020304" pitchFamily="18" charset="0"/>
+                <a:cs typeface="Times New Roman" panose="02020603050405020304" pitchFamily="18" charset="0"/>
+              </a:rPr>
+              <a:t>Thank You</a:t>
+            </a:r>
+          </a:p>
+        </p:txBody>
+      </p:sp>
+      <p:sp>
+        <p:nvSpPr>
+          <p:cNvPr id="14" name="文本框 13">
+            <a:extLst>
+              <a:ext uri="{FF2B5EF4-FFF2-40B4-BE49-F238E27FC236}">
+                <a16:creationId xmlns:a16="http://schemas.microsoft.com/office/drawing/2014/main" id="{0BCB2D46-A373-B89E-5301-3EC244B5214F}"/>
+              </a:ext>
+            </a:extLst>
+          </p:cNvPr>
+          <p:cNvSpPr txBox="1"/>
+          <p:nvPr/>
+        </p:nvSpPr>
+        <p:spPr>
+          <a:xfrm>
+            <a:off x="4606500" y="5000134"/>
+            <a:ext cx="7454536" cy="369332"/>
+          </a:xfrm>
+          <a:prstGeom prst="rect">
+            <a:avLst/>
+          </a:prstGeom>
+          <a:noFill/>
+        </p:spPr>
+        <p:txBody>
+          <a:bodyPr wrap="square">
+            <a:spAutoFit/>
+          </a:bodyPr>
+          <a:lstStyle/>
+          <a:p>
+            <a:r>
+              <a:rPr lang="en-US" altLang="zh-CN" dirty="0">
+                <a:solidFill>
+                  <a:srgbClr val="847655"/>
+                </a:solidFill>
+              </a:rPr>
+              <a:t>Supervisor: Ralph, Jason  Presenter: Ye, Zehao  Date: 13th December 2022</a:t>
+            </a:r>
+            <a:endParaRPr lang="zh-CN" altLang="en-US" dirty="0">
+              <a:solidFill>
+                <a:srgbClr val="847655"/>
+              </a:solidFill>
+            </a:endParaRPr>
+          </a:p>
+        </p:txBody>
+      </p:sp>
+      <p:pic>
+        <p:nvPicPr>
+          <p:cNvPr id="21" name="图片 20">
+            <a:extLst>
+              <a:ext uri="{FF2B5EF4-FFF2-40B4-BE49-F238E27FC236}">
+                <a16:creationId xmlns:a16="http://schemas.microsoft.com/office/drawing/2014/main" id="{FB48EE9C-65D3-7223-193B-D9BC39712072}"/>
+              </a:ext>
+            </a:extLst>
+          </p:cNvPr>
+          <p:cNvPicPr>
+            <a:picLocks noChangeAspect="1"/>
+          </p:cNvPicPr>
+          <p:nvPr/>
+        </p:nvPicPr>
+        <p:blipFill rotWithShape="1">
+          <a:blip r:embed="rId3">
+            <a:extLst>
+              <a:ext uri="{28A0092B-C50C-407E-A947-70E740481C1C}">
+                <a14:useLocalDpi xmlns:a14="http://schemas.microsoft.com/office/drawing/2010/main" val="0"/>
+              </a:ext>
+            </a:extLst>
+          </a:blip>
+          <a:srcRect r="84294"/>
+          <a:stretch/>
+        </p:blipFill>
+        <p:spPr>
+          <a:xfrm>
+            <a:off x="1034465" y="2644140"/>
+            <a:ext cx="1914918" cy="2811554"/>
+          </a:xfrm>
+          <a:prstGeom prst="rect">
+            <a:avLst/>
+          </a:prstGeom>
+        </p:spPr>
+      </p:pic>
+    </p:spTree>
+    <p:extLst>
+      <p:ext uri="{BB962C8B-B14F-4D97-AF65-F5344CB8AC3E}">
+        <p14:creationId xmlns:p14="http://schemas.microsoft.com/office/powerpoint/2010/main" val="2623050566"/>
       </p:ext>
     </p:extLst>
   </p:cSld>
@@ -4665,7 +9132,7 @@
         <p:spPr>
           <a:xfrm>
             <a:off x="838200" y="2135733"/>
-            <a:ext cx="10515600" cy="3408867"/>
+            <a:ext cx="10515600" cy="3713667"/>
           </a:xfrm>
         </p:spPr>
         <p:txBody>
@@ -4676,21 +9143,7 @@
           <a:p>
             <a:pPr>
               <a:lnSpc>
-                <a:spcPct val="150000"/>
-              </a:lnSpc>
-            </a:pPr>
-            <a:r>
-              <a:rPr lang="en-US" altLang="zh-CN" sz="4000" dirty="0">
-                <a:latin typeface="Times New Roman" panose="02020603050405020304" pitchFamily="18" charset="0"/>
-                <a:cs typeface="Times New Roman" panose="02020603050405020304" pitchFamily="18" charset="0"/>
-              </a:rPr>
-              <a:t>Introduction</a:t>
-            </a:r>
-          </a:p>
-          <a:p>
-            <a:pPr>
-              <a:lnSpc>
-                <a:spcPct val="150000"/>
+                <a:spcPct val="120000"/>
               </a:lnSpc>
             </a:pPr>
             <a:r>
@@ -4704,7 +9157,7 @@
           <a:p>
             <a:pPr>
               <a:lnSpc>
-                <a:spcPct val="150000"/>
+                <a:spcPct val="120000"/>
               </a:lnSpc>
             </a:pPr>
             <a:r>
@@ -4714,7 +9167,34 @@
               </a:rPr>
               <a:t>Context</a:t>
             </a:r>
-            <a:endParaRPr lang="zh-CN" altLang="en-US" sz="4000" dirty="0"/>
+          </a:p>
+          <a:p>
+            <a:pPr>
+              <a:lnSpc>
+                <a:spcPct val="120000"/>
+              </a:lnSpc>
+            </a:pPr>
+            <a:r>
+              <a:rPr lang="en-US" altLang="zh-CN" sz="4000" dirty="0">
+                <a:latin typeface="Times New Roman" panose="02020603050405020304" pitchFamily="18" charset="0"/>
+                <a:cs typeface="Times New Roman" panose="02020603050405020304" pitchFamily="18" charset="0"/>
+              </a:rPr>
+              <a:t>Outline Requirement</a:t>
+            </a:r>
+          </a:p>
+          <a:p>
+            <a:pPr>
+              <a:lnSpc>
+                <a:spcPct val="120000"/>
+              </a:lnSpc>
+            </a:pPr>
+            <a:r>
+              <a:rPr lang="en-US" altLang="zh-CN" sz="4000" dirty="0">
+                <a:latin typeface="Times New Roman" panose="02020603050405020304" pitchFamily="18" charset="0"/>
+                <a:cs typeface="Times New Roman" panose="02020603050405020304" pitchFamily="18" charset="0"/>
+              </a:rPr>
+              <a:t>Initial Design</a:t>
+            </a:r>
           </a:p>
         </p:txBody>
       </p:sp>
@@ -4823,6 +9303,42 @@
           <a:p>
             <a:pPr algn="ctr"/>
             <a:endParaRPr lang="zh-CN" altLang="en-US"/>
+          </a:p>
+        </p:txBody>
+      </p:sp>
+      <p:sp>
+        <p:nvSpPr>
+          <p:cNvPr id="6" name="文本框 5">
+            <a:extLst>
+              <a:ext uri="{FF2B5EF4-FFF2-40B4-BE49-F238E27FC236}">
+                <a16:creationId xmlns:a16="http://schemas.microsoft.com/office/drawing/2014/main" id="{E703D447-CCAD-F658-728E-226EA76EF2AD}"/>
+              </a:ext>
+            </a:extLst>
+          </p:cNvPr>
+          <p:cNvSpPr txBox="1"/>
+          <p:nvPr/>
+        </p:nvSpPr>
+        <p:spPr>
+          <a:xfrm>
+            <a:off x="11717866" y="6361668"/>
+            <a:ext cx="262467" cy="369332"/>
+          </a:xfrm>
+          <a:prstGeom prst="rect">
+            <a:avLst/>
+          </a:prstGeom>
+          <a:noFill/>
+        </p:spPr>
+        <p:txBody>
+          <a:bodyPr wrap="square">
+            <a:spAutoFit/>
+          </a:bodyPr>
+          <a:lstStyle/>
+          <a:p>
+            <a:r>
+              <a:rPr lang="en-US" altLang="zh-CN" dirty="0"/>
+              <a:t>1</a:t>
+            </a:r>
+            <a:endParaRPr lang="zh-CN" altLang="en-US" dirty="0"/>
           </a:p>
         </p:txBody>
       </p:sp>
@@ -4861,7 +9377,7 @@
           <p:cNvPr id="2" name="标题 1">
             <a:extLst>
               <a:ext uri="{FF2B5EF4-FFF2-40B4-BE49-F238E27FC236}">
-                <a16:creationId xmlns:a16="http://schemas.microsoft.com/office/drawing/2014/main" id="{CD4274DF-5E34-7297-296C-763FFF703E11}"/>
+                <a16:creationId xmlns:a16="http://schemas.microsoft.com/office/drawing/2014/main" id="{0ABCDB25-326D-4B74-48C7-AB72A920A8CC}"/>
               </a:ext>
             </a:extLst>
           </p:cNvPr>
@@ -4874,7 +9390,9 @@
         </p:nvSpPr>
         <p:spPr/>
         <p:txBody>
-          <a:bodyPr/>
+          <a:bodyPr>
+            <a:normAutofit/>
+          </a:bodyPr>
           <a:lstStyle/>
           <a:p>
             <a:pPr marL="571500" indent="-571500">
@@ -4882,13 +9400,13 @@
               <a:buChar char="•"/>
             </a:pPr>
             <a:r>
-              <a:rPr lang="en-US" altLang="zh-CN" dirty="0">
+              <a:rPr lang="en-US" altLang="zh-CN" sz="6000" dirty="0">
                 <a:latin typeface="Times New Roman" panose="02020603050405020304" pitchFamily="18" charset="0"/>
                 <a:cs typeface="Times New Roman" panose="02020603050405020304" pitchFamily="18" charset="0"/>
               </a:rPr>
-              <a:t>Objectives</a:t>
-            </a:r>
-            <a:endParaRPr lang="zh-CN" altLang="en-US" dirty="0">
+              <a:t>Objective</a:t>
+            </a:r>
+            <a:endParaRPr lang="zh-CN" altLang="en-US" sz="6000" dirty="0">
               <a:latin typeface="Times New Roman" panose="02020603050405020304" pitchFamily="18" charset="0"/>
               <a:cs typeface="Times New Roman" panose="02020603050405020304" pitchFamily="18" charset="0"/>
             </a:endParaRPr>
@@ -4900,7 +9418,7 @@
           <p:cNvPr id="3" name="内容占位符 2">
             <a:extLst>
               <a:ext uri="{FF2B5EF4-FFF2-40B4-BE49-F238E27FC236}">
-                <a16:creationId xmlns:a16="http://schemas.microsoft.com/office/drawing/2014/main" id="{399B9633-A175-2DEE-4257-F9081231FD8A}"/>
+                <a16:creationId xmlns:a16="http://schemas.microsoft.com/office/drawing/2014/main" id="{303C7CD2-64A6-91F4-E855-B13983DAA3F7}"/>
               </a:ext>
             </a:extLst>
           </p:cNvPr>
@@ -4911,19 +9429,234 @@
             <p:ph idx="1"/>
           </p:nvPr>
         </p:nvSpPr>
-        <p:spPr/>
-        <p:txBody>
-          <a:bodyPr/>
-          <a:lstStyle/>
-          <a:p>
+        <p:spPr>
+          <a:xfrm>
+            <a:off x="838200" y="2135733"/>
+            <a:ext cx="10515600" cy="3408867"/>
+          </a:xfrm>
+        </p:spPr>
+        <p:txBody>
+          <a:bodyPr>
+            <a:normAutofit/>
+          </a:bodyPr>
+          <a:lstStyle/>
+          <a:p>
+            <a:pPr>
+              <a:lnSpc>
+                <a:spcPct val="150000"/>
+              </a:lnSpc>
+            </a:pPr>
+            <a:r>
+              <a:rPr lang="en-US" altLang="zh-CN" sz="4000" dirty="0">
+                <a:latin typeface="Times New Roman" panose="02020603050405020304" pitchFamily="18" charset="0"/>
+                <a:cs typeface="Times New Roman" panose="02020603050405020304" pitchFamily="18" charset="0"/>
+              </a:rPr>
+              <a:t>Vehicle Tracking Algorithm</a:t>
+            </a:r>
+          </a:p>
+          <a:p>
+            <a:pPr marL="0" indent="0">
+              <a:lnSpc>
+                <a:spcPct val="150000"/>
+              </a:lnSpc>
+              <a:buNone/>
+            </a:pPr>
+            <a:r>
+              <a:rPr lang="en-US" altLang="zh-CN" sz="4000" dirty="0">
+                <a:latin typeface="Times New Roman" panose="02020603050405020304" pitchFamily="18" charset="0"/>
+                <a:cs typeface="Times New Roman" panose="02020603050405020304" pitchFamily="18" charset="0"/>
+              </a:rPr>
+              <a:t>	Multiple vehicle tracking</a:t>
+            </a:r>
+          </a:p>
+          <a:p>
+            <a:pPr marL="0" indent="0">
+              <a:lnSpc>
+                <a:spcPct val="150000"/>
+              </a:lnSpc>
+              <a:buNone/>
+            </a:pPr>
+            <a:r>
+              <a:rPr lang="en-US" altLang="zh-CN" sz="4000" dirty="0">
+                <a:latin typeface="Times New Roman" panose="02020603050405020304" pitchFamily="18" charset="0"/>
+                <a:cs typeface="Times New Roman" panose="02020603050405020304" pitchFamily="18" charset="0"/>
+              </a:rPr>
+              <a:t>	Long Distance Tracking</a:t>
+            </a:r>
+          </a:p>
+          <a:p>
+            <a:pPr>
+              <a:lnSpc>
+                <a:spcPct val="150000"/>
+              </a:lnSpc>
+            </a:pPr>
+            <a:endParaRPr lang="en-US" altLang="zh-CN" sz="4000" dirty="0">
+              <a:latin typeface="Times New Roman" panose="02020603050405020304" pitchFamily="18" charset="0"/>
+              <a:cs typeface="Times New Roman" panose="02020603050405020304" pitchFamily="18" charset="0"/>
+            </a:endParaRPr>
+          </a:p>
+          <a:p>
+            <a:pPr marL="0" indent="0">
+              <a:lnSpc>
+                <a:spcPct val="150000"/>
+              </a:lnSpc>
+              <a:buNone/>
+            </a:pPr>
+            <a:endParaRPr lang="en-US" altLang="zh-CN" sz="4000" dirty="0">
+              <a:latin typeface="Times New Roman" panose="02020603050405020304" pitchFamily="18" charset="0"/>
+              <a:cs typeface="Times New Roman" panose="02020603050405020304" pitchFamily="18" charset="0"/>
+            </a:endParaRPr>
+          </a:p>
+        </p:txBody>
+      </p:sp>
+      <p:sp>
+        <p:nvSpPr>
+          <p:cNvPr id="4" name="矩形 3">
+            <a:extLst>
+              <a:ext uri="{FF2B5EF4-FFF2-40B4-BE49-F238E27FC236}">
+                <a16:creationId xmlns:a16="http://schemas.microsoft.com/office/drawing/2014/main" id="{FA06EF4E-8F41-A2EB-22CE-5BA672347D08}"/>
+              </a:ext>
+            </a:extLst>
+          </p:cNvPr>
+          <p:cNvSpPr/>
+          <p:nvPr/>
+        </p:nvSpPr>
+        <p:spPr>
+          <a:xfrm>
+            <a:off x="838200" y="1618617"/>
+            <a:ext cx="10515600" cy="36000"/>
+          </a:xfrm>
+          <a:prstGeom prst="rect">
+            <a:avLst/>
+          </a:prstGeom>
+          <a:solidFill>
+            <a:srgbClr val="002060"/>
+          </a:solidFill>
+          <a:ln>
+            <a:solidFill>
+              <a:srgbClr val="002060"/>
+            </a:solidFill>
+          </a:ln>
+        </p:spPr>
+        <p:style>
+          <a:lnRef idx="2">
+            <a:schemeClr val="accent1">
+              <a:shade val="50000"/>
+            </a:schemeClr>
+          </a:lnRef>
+          <a:fillRef idx="1">
+            <a:schemeClr val="accent1"/>
+          </a:fillRef>
+          <a:effectRef idx="0">
+            <a:schemeClr val="accent1"/>
+          </a:effectRef>
+          <a:fontRef idx="minor">
+            <a:schemeClr val="lt1"/>
+          </a:fontRef>
+        </p:style>
+        <p:txBody>
+          <a:bodyPr rtlCol="0" anchor="ctr"/>
+          <a:lstStyle/>
+          <a:p>
+            <a:pPr algn="ctr"/>
+            <a:endParaRPr lang="zh-CN" altLang="en-US" dirty="0"/>
+          </a:p>
+        </p:txBody>
+      </p:sp>
+      <p:sp>
+        <p:nvSpPr>
+          <p:cNvPr id="5" name="矩形 4">
+            <a:extLst>
+              <a:ext uri="{FF2B5EF4-FFF2-40B4-BE49-F238E27FC236}">
+                <a16:creationId xmlns:a16="http://schemas.microsoft.com/office/drawing/2014/main" id="{B82C7024-1544-EE54-3B50-560BE2C35BDD}"/>
+              </a:ext>
+            </a:extLst>
+          </p:cNvPr>
+          <p:cNvSpPr/>
+          <p:nvPr/>
+        </p:nvSpPr>
+        <p:spPr>
+          <a:xfrm>
+            <a:off x="838200" y="1683806"/>
+            <a:ext cx="10515600" cy="18000"/>
+          </a:xfrm>
+          <a:prstGeom prst="rect">
+            <a:avLst/>
+          </a:prstGeom>
+          <a:solidFill>
+            <a:srgbClr val="997B0F"/>
+          </a:solidFill>
+          <a:ln>
+            <a:solidFill>
+              <a:srgbClr val="CDA715"/>
+            </a:solidFill>
+          </a:ln>
+        </p:spPr>
+        <p:style>
+          <a:lnRef idx="2">
+            <a:schemeClr val="accent1">
+              <a:shade val="50000"/>
+            </a:schemeClr>
+          </a:lnRef>
+          <a:fillRef idx="1">
+            <a:schemeClr val="accent1"/>
+          </a:fillRef>
+          <a:effectRef idx="0">
+            <a:schemeClr val="accent1"/>
+          </a:effectRef>
+          <a:fontRef idx="minor">
+            <a:schemeClr val="lt1"/>
+          </a:fontRef>
+        </p:style>
+        <p:txBody>
+          <a:bodyPr rtlCol="0" anchor="ctr"/>
+          <a:lstStyle/>
+          <a:p>
+            <a:pPr algn="ctr"/>
             <a:endParaRPr lang="zh-CN" altLang="en-US"/>
+          </a:p>
+        </p:txBody>
+      </p:sp>
+      <p:sp>
+        <p:nvSpPr>
+          <p:cNvPr id="6" name="文本框 5">
+            <a:extLst>
+              <a:ext uri="{FF2B5EF4-FFF2-40B4-BE49-F238E27FC236}">
+                <a16:creationId xmlns:a16="http://schemas.microsoft.com/office/drawing/2014/main" id="{11903110-FEA9-EAC6-CA89-2CDC6193F2A0}"/>
+              </a:ext>
+            </a:extLst>
+          </p:cNvPr>
+          <p:cNvSpPr txBox="1"/>
+          <p:nvPr/>
+        </p:nvSpPr>
+        <p:spPr>
+          <a:xfrm>
+            <a:off x="11565468" y="6361668"/>
+            <a:ext cx="491066" cy="369332"/>
+          </a:xfrm>
+          <a:prstGeom prst="rect">
+            <a:avLst/>
+          </a:prstGeom>
+          <a:noFill/>
+        </p:spPr>
+        <p:txBody>
+          <a:bodyPr wrap="square">
+            <a:spAutoFit/>
+          </a:bodyPr>
+          <a:lstStyle/>
+          <a:p>
+            <a:r>
+              <a:rPr lang="en-US" altLang="zh-CN" dirty="0"/>
+              <a:t>1.1</a:t>
+            </a:r>
+            <a:endParaRPr lang="zh-CN" altLang="en-US" dirty="0"/>
           </a:p>
         </p:txBody>
       </p:sp>
     </p:spTree>
     <p:extLst>
       <p:ext uri="{BB962C8B-B14F-4D97-AF65-F5344CB8AC3E}">
-        <p14:creationId xmlns:p14="http://schemas.microsoft.com/office/powerpoint/2010/main" val="3658150231"/>
+        <p14:creationId xmlns:p14="http://schemas.microsoft.com/office/powerpoint/2010/main" val="4019756829"/>
       </p:ext>
     </p:extLst>
   </p:cSld>
@@ -4955,7 +9688,7 @@
           <p:cNvPr id="2" name="标题 1">
             <a:extLst>
               <a:ext uri="{FF2B5EF4-FFF2-40B4-BE49-F238E27FC236}">
-                <a16:creationId xmlns:a16="http://schemas.microsoft.com/office/drawing/2014/main" id="{64C63C38-F749-80A6-DB9B-75868EF80141}"/>
+                <a16:creationId xmlns:a16="http://schemas.microsoft.com/office/drawing/2014/main" id="{0ABCDB25-326D-4B74-48C7-AB72A920A8CC}"/>
               </a:ext>
             </a:extLst>
           </p:cNvPr>
@@ -4968,7 +9701,9 @@
         </p:nvSpPr>
         <p:spPr/>
         <p:txBody>
-          <a:bodyPr/>
+          <a:bodyPr>
+            <a:normAutofit/>
+          </a:bodyPr>
           <a:lstStyle/>
           <a:p>
             <a:pPr marL="571500" indent="-571500">
@@ -4976,13 +9711,13 @@
               <a:buChar char="•"/>
             </a:pPr>
             <a:r>
-              <a:rPr lang="en-US" altLang="zh-CN" dirty="0">
+              <a:rPr lang="en-US" altLang="zh-CN" sz="6000" dirty="0">
                 <a:latin typeface="Times New Roman" panose="02020603050405020304" pitchFamily="18" charset="0"/>
                 <a:cs typeface="Times New Roman" panose="02020603050405020304" pitchFamily="18" charset="0"/>
               </a:rPr>
               <a:t>Context</a:t>
             </a:r>
-            <a:endParaRPr lang="zh-CN" altLang="en-US" dirty="0">
+            <a:endParaRPr lang="zh-CN" altLang="en-US" sz="6000" dirty="0">
               <a:latin typeface="Times New Roman" panose="02020603050405020304" pitchFamily="18" charset="0"/>
               <a:cs typeface="Times New Roman" panose="02020603050405020304" pitchFamily="18" charset="0"/>
             </a:endParaRPr>
@@ -4994,7 +9729,7 @@
           <p:cNvPr id="3" name="内容占位符 2">
             <a:extLst>
               <a:ext uri="{FF2B5EF4-FFF2-40B4-BE49-F238E27FC236}">
-                <a16:creationId xmlns:a16="http://schemas.microsoft.com/office/drawing/2014/main" id="{B472DCF5-CA9D-CEC5-C248-9DD1FAAEB6DA}"/>
+                <a16:creationId xmlns:a16="http://schemas.microsoft.com/office/drawing/2014/main" id="{303C7CD2-64A6-91F4-E855-B13983DAA3F7}"/>
               </a:ext>
             </a:extLst>
           </p:cNvPr>
@@ -5005,11 +9740,238 @@
             <p:ph idx="1"/>
           </p:nvPr>
         </p:nvSpPr>
-        <p:spPr/>
-        <p:txBody>
-          <a:bodyPr/>
-          <a:lstStyle/>
-          <a:p>
+        <p:spPr>
+          <a:xfrm>
+            <a:off x="838200" y="1871133"/>
+            <a:ext cx="10515600" cy="4307400"/>
+          </a:xfrm>
+        </p:spPr>
+        <p:txBody>
+          <a:bodyPr>
+            <a:normAutofit/>
+          </a:bodyPr>
+          <a:lstStyle/>
+          <a:p>
+            <a:pPr>
+              <a:lnSpc>
+                <a:spcPct val="200000"/>
+              </a:lnSpc>
+            </a:pPr>
+            <a:r>
+              <a:rPr lang="en-US" altLang="zh-CN" sz="4000" dirty="0">
+                <a:latin typeface="Times New Roman" panose="02020603050405020304" pitchFamily="18" charset="0"/>
+                <a:cs typeface="Times New Roman" panose="02020603050405020304" pitchFamily="18" charset="0"/>
+              </a:rPr>
+              <a:t>Autonomous Delivery Vehicle</a:t>
+            </a:r>
+          </a:p>
+          <a:p>
+            <a:pPr marL="0" indent="0">
+              <a:lnSpc>
+                <a:spcPct val="200000"/>
+              </a:lnSpc>
+              <a:buNone/>
+            </a:pPr>
+            <a:r>
+              <a:rPr lang="en-US" altLang="zh-CN" sz="3600" dirty="0">
+                <a:latin typeface="Times New Roman" panose="02020603050405020304" pitchFamily="18" charset="0"/>
+                <a:cs typeface="Times New Roman" panose="02020603050405020304" pitchFamily="18" charset="0"/>
+              </a:rPr>
+              <a:t>	GPS-vehicle tracking</a:t>
+            </a:r>
+          </a:p>
+          <a:p>
+            <a:pPr marL="0" indent="0">
+              <a:lnSpc>
+                <a:spcPct val="200000"/>
+              </a:lnSpc>
+              <a:buNone/>
+            </a:pPr>
+            <a:r>
+              <a:rPr lang="en-US" altLang="zh-CN" sz="3600" dirty="0">
+                <a:latin typeface="Times New Roman" panose="02020603050405020304" pitchFamily="18" charset="0"/>
+                <a:cs typeface="Times New Roman" panose="02020603050405020304" pitchFamily="18" charset="0"/>
+              </a:rPr>
+              <a:t>	Logistics Network</a:t>
+            </a:r>
+          </a:p>
+        </p:txBody>
+      </p:sp>
+      <p:sp>
+        <p:nvSpPr>
+          <p:cNvPr id="4" name="矩形 3">
+            <a:extLst>
+              <a:ext uri="{FF2B5EF4-FFF2-40B4-BE49-F238E27FC236}">
+                <a16:creationId xmlns:a16="http://schemas.microsoft.com/office/drawing/2014/main" id="{FA06EF4E-8F41-A2EB-22CE-5BA672347D08}"/>
+              </a:ext>
+            </a:extLst>
+          </p:cNvPr>
+          <p:cNvSpPr/>
+          <p:nvPr/>
+        </p:nvSpPr>
+        <p:spPr>
+          <a:xfrm>
+            <a:off x="838200" y="1618617"/>
+            <a:ext cx="10515600" cy="36000"/>
+          </a:xfrm>
+          <a:prstGeom prst="rect">
+            <a:avLst/>
+          </a:prstGeom>
+          <a:solidFill>
+            <a:srgbClr val="002060"/>
+          </a:solidFill>
+          <a:ln>
+            <a:solidFill>
+              <a:srgbClr val="002060"/>
+            </a:solidFill>
+          </a:ln>
+        </p:spPr>
+        <p:style>
+          <a:lnRef idx="2">
+            <a:schemeClr val="accent1">
+              <a:shade val="50000"/>
+            </a:schemeClr>
+          </a:lnRef>
+          <a:fillRef idx="1">
+            <a:schemeClr val="accent1"/>
+          </a:fillRef>
+          <a:effectRef idx="0">
+            <a:schemeClr val="accent1"/>
+          </a:effectRef>
+          <a:fontRef idx="minor">
+            <a:schemeClr val="lt1"/>
+          </a:fontRef>
+        </p:style>
+        <p:txBody>
+          <a:bodyPr rtlCol="0" anchor="ctr"/>
+          <a:lstStyle/>
+          <a:p>
+            <a:pPr algn="ctr"/>
+            <a:endParaRPr lang="zh-CN" altLang="en-US" dirty="0"/>
+          </a:p>
+        </p:txBody>
+      </p:sp>
+      <p:sp>
+        <p:nvSpPr>
+          <p:cNvPr id="5" name="矩形 4">
+            <a:extLst>
+              <a:ext uri="{FF2B5EF4-FFF2-40B4-BE49-F238E27FC236}">
+                <a16:creationId xmlns:a16="http://schemas.microsoft.com/office/drawing/2014/main" id="{B82C7024-1544-EE54-3B50-560BE2C35BDD}"/>
+              </a:ext>
+            </a:extLst>
+          </p:cNvPr>
+          <p:cNvSpPr/>
+          <p:nvPr/>
+        </p:nvSpPr>
+        <p:spPr>
+          <a:xfrm>
+            <a:off x="838200" y="1683806"/>
+            <a:ext cx="10515600" cy="18000"/>
+          </a:xfrm>
+          <a:prstGeom prst="rect">
+            <a:avLst/>
+          </a:prstGeom>
+          <a:solidFill>
+            <a:srgbClr val="997B0F"/>
+          </a:solidFill>
+          <a:ln>
+            <a:solidFill>
+              <a:srgbClr val="CDA715"/>
+            </a:solidFill>
+          </a:ln>
+        </p:spPr>
+        <p:style>
+          <a:lnRef idx="2">
+            <a:schemeClr val="accent1">
+              <a:shade val="50000"/>
+            </a:schemeClr>
+          </a:lnRef>
+          <a:fillRef idx="1">
+            <a:schemeClr val="accent1"/>
+          </a:fillRef>
+          <a:effectRef idx="0">
+            <a:schemeClr val="accent1"/>
+          </a:effectRef>
+          <a:fontRef idx="minor">
+            <a:schemeClr val="lt1"/>
+          </a:fontRef>
+        </p:style>
+        <p:txBody>
+          <a:bodyPr rtlCol="0" anchor="ctr"/>
+          <a:lstStyle/>
+          <a:p>
+            <a:pPr algn="ctr"/>
+            <a:endParaRPr lang="zh-CN" altLang="en-US"/>
+          </a:p>
+        </p:txBody>
+      </p:sp>
+      <p:pic>
+        <p:nvPicPr>
+          <p:cNvPr id="7" name="图片 6" descr="卡车停在路边&#10;&#10;描述已自动生成">
+            <a:extLst>
+              <a:ext uri="{FF2B5EF4-FFF2-40B4-BE49-F238E27FC236}">
+                <a16:creationId xmlns:a16="http://schemas.microsoft.com/office/drawing/2014/main" id="{7F7CBA43-1A4F-4360-8D4C-C8CF8854F371}"/>
+              </a:ext>
+            </a:extLst>
+          </p:cNvPr>
+          <p:cNvPicPr>
+            <a:picLocks noChangeAspect="1"/>
+          </p:cNvPicPr>
+          <p:nvPr/>
+        </p:nvPicPr>
+        <p:blipFill rotWithShape="1">
+          <a:blip r:embed="rId2">
+            <a:extLst>
+              <a:ext uri="{28A0092B-C50C-407E-A947-70E740481C1C}">
+                <a14:useLocalDpi xmlns:a14="http://schemas.microsoft.com/office/drawing/2010/main" val="0"/>
+              </a:ext>
+            </a:extLst>
+          </a:blip>
+          <a:srcRect l="24939" t="19077" r="321"/>
+          <a:stretch/>
+        </p:blipFill>
+        <p:spPr>
+          <a:xfrm>
+            <a:off x="7414799" y="3257527"/>
+            <a:ext cx="3939001" cy="2852208"/>
+          </a:xfrm>
+          <a:prstGeom prst="rect">
+            <a:avLst/>
+          </a:prstGeom>
+        </p:spPr>
+      </p:pic>
+      <p:sp>
+        <p:nvSpPr>
+          <p:cNvPr id="6" name="文本框 5">
+            <a:extLst>
+              <a:ext uri="{FF2B5EF4-FFF2-40B4-BE49-F238E27FC236}">
+                <a16:creationId xmlns:a16="http://schemas.microsoft.com/office/drawing/2014/main" id="{7E474CDD-1660-A398-63B8-9E65F991FD7D}"/>
+              </a:ext>
+            </a:extLst>
+          </p:cNvPr>
+          <p:cNvSpPr txBox="1"/>
+          <p:nvPr/>
+        </p:nvSpPr>
+        <p:spPr>
+          <a:xfrm>
+            <a:off x="11565468" y="6361668"/>
+            <a:ext cx="491066" cy="369332"/>
+          </a:xfrm>
+          <a:prstGeom prst="rect">
+            <a:avLst/>
+          </a:prstGeom>
+          <a:noFill/>
+        </p:spPr>
+        <p:txBody>
+          <a:bodyPr wrap="square">
+            <a:spAutoFit/>
+          </a:bodyPr>
+          <a:lstStyle/>
+          <a:p>
+            <a:r>
+              <a:rPr lang="en-US" altLang="zh-CN" dirty="0"/>
+              <a:t>1.2</a:t>
+            </a:r>
             <a:endParaRPr lang="zh-CN" altLang="en-US" dirty="0"/>
           </a:p>
         </p:txBody>
@@ -5017,7 +9979,7 @@
     </p:spTree>
     <p:extLst>
       <p:ext uri="{BB962C8B-B14F-4D97-AF65-F5344CB8AC3E}">
-        <p14:creationId xmlns:p14="http://schemas.microsoft.com/office/powerpoint/2010/main" val="71600936"/>
+        <p14:creationId xmlns:p14="http://schemas.microsoft.com/office/powerpoint/2010/main" val="1317368850"/>
       </p:ext>
     </p:extLst>
   </p:cSld>
@@ -5049,7 +10011,7 @@
           <p:cNvPr id="2" name="标题 1">
             <a:extLst>
               <a:ext uri="{FF2B5EF4-FFF2-40B4-BE49-F238E27FC236}">
-                <a16:creationId xmlns:a16="http://schemas.microsoft.com/office/drawing/2014/main" id="{E52CD01F-DC5E-9281-62B2-DB46A3940031}"/>
+                <a16:creationId xmlns:a16="http://schemas.microsoft.com/office/drawing/2014/main" id="{0ABCDB25-326D-4B74-48C7-AB72A920A8CC}"/>
               </a:ext>
             </a:extLst>
           </p:cNvPr>
@@ -5062,14 +10024,26 @@
         </p:nvSpPr>
         <p:spPr/>
         <p:txBody>
-          <a:bodyPr/>
-          <a:lstStyle/>
-          <a:p>
-            <a:r>
-              <a:rPr lang="en-US" altLang="zh-CN" dirty="0"/>
-              <a:t>Literature Review</a:t>
-            </a:r>
-            <a:endParaRPr lang="zh-CN" altLang="en-US" dirty="0"/>
+          <a:bodyPr>
+            <a:normAutofit/>
+          </a:bodyPr>
+          <a:lstStyle/>
+          <a:p>
+            <a:pPr marL="571500" indent="-571500">
+              <a:buFont typeface="Arial" panose="020B0604020202020204" pitchFamily="34" charset="0"/>
+              <a:buChar char="•"/>
+            </a:pPr>
+            <a:r>
+              <a:rPr lang="en-US" altLang="zh-CN" sz="6000" dirty="0">
+                <a:latin typeface="Times New Roman" panose="02020603050405020304" pitchFamily="18" charset="0"/>
+                <a:cs typeface="Times New Roman" panose="02020603050405020304" pitchFamily="18" charset="0"/>
+              </a:rPr>
+              <a:t>Outline Requirement</a:t>
+            </a:r>
+            <a:endParaRPr lang="zh-CN" altLang="en-US" sz="6000" dirty="0">
+              <a:latin typeface="Times New Roman" panose="02020603050405020304" pitchFamily="18" charset="0"/>
+              <a:cs typeface="Times New Roman" panose="02020603050405020304" pitchFamily="18" charset="0"/>
+            </a:endParaRPr>
           </a:p>
         </p:txBody>
       </p:sp>
@@ -5078,7 +10052,7 @@
           <p:cNvPr id="3" name="内容占位符 2">
             <a:extLst>
               <a:ext uri="{FF2B5EF4-FFF2-40B4-BE49-F238E27FC236}">
-                <a16:creationId xmlns:a16="http://schemas.microsoft.com/office/drawing/2014/main" id="{767D4AB4-B934-027E-E308-533A4959EBE9}"/>
+                <a16:creationId xmlns:a16="http://schemas.microsoft.com/office/drawing/2014/main" id="{303C7CD2-64A6-91F4-E855-B13983DAA3F7}"/>
               </a:ext>
             </a:extLst>
           </p:cNvPr>
@@ -5089,55 +10063,212 @@
             <p:ph idx="1"/>
           </p:nvPr>
         </p:nvSpPr>
-        <p:spPr/>
-        <p:txBody>
-          <a:bodyPr/>
-          <a:lstStyle/>
-          <a:p>
-            <a:r>
-              <a:rPr lang="en-US" altLang="zh-CN" b="0" i="0">
-                <a:effectLst/>
-                <a:latin typeface="Arial" panose="020B0604020202020204" pitchFamily="34" charset="0"/>
+        <p:spPr>
+          <a:xfrm>
+            <a:off x="838200" y="2135733"/>
+            <a:ext cx="10515600" cy="3531600"/>
+          </a:xfrm>
+        </p:spPr>
+        <p:txBody>
+          <a:bodyPr>
+            <a:normAutofit/>
+          </a:bodyPr>
+          <a:lstStyle/>
+          <a:p>
+            <a:pPr>
+              <a:lnSpc>
+                <a:spcPct val="150000"/>
+              </a:lnSpc>
+            </a:pPr>
+            <a:r>
+              <a:rPr lang="en-US" altLang="zh-CN" sz="4000" dirty="0">
+                <a:latin typeface="Times New Roman" panose="02020603050405020304" pitchFamily="18" charset="0"/>
+                <a:cs typeface="Times New Roman" panose="02020603050405020304" pitchFamily="18" charset="0"/>
               </a:rPr>
-              <a:t>R</a:t>
-            </a:r>
-            <a:r>
-              <a:rPr lang="en-US" altLang="zh-CN" b="0" i="0" dirty="0" err="1">
-                <a:effectLst/>
-                <a:latin typeface="Arial" panose="020B0604020202020204" pitchFamily="34" charset="0"/>
+              <a:t>Accurate Surveillance System</a:t>
+            </a:r>
+          </a:p>
+          <a:p>
+            <a:pPr lvl="1">
+              <a:lnSpc>
+                <a:spcPct val="150000"/>
+              </a:lnSpc>
+            </a:pPr>
+            <a:r>
+              <a:rPr lang="en-US" altLang="zh-CN" sz="3600" dirty="0">
+                <a:latin typeface="Times New Roman" panose="02020603050405020304" pitchFamily="18" charset="0"/>
+                <a:cs typeface="Times New Roman" panose="02020603050405020304" pitchFamily="18" charset="0"/>
               </a:rPr>
-              <a:t>.C.Gonzalez</a:t>
-            </a:r>
-            <a:r>
-              <a:rPr lang="en-US" altLang="zh-CN" b="0" i="0" dirty="0">
-                <a:effectLst/>
-                <a:latin typeface="Arial" panose="020B0604020202020204" pitchFamily="34" charset="0"/>
+              <a:t>Smart City Management (project)</a:t>
+            </a:r>
+          </a:p>
+          <a:p>
+            <a:pPr lvl="1">
+              <a:lnSpc>
+                <a:spcPct val="150000"/>
+              </a:lnSpc>
+            </a:pPr>
+            <a:r>
+              <a:rPr lang="en-US" altLang="zh-CN" sz="3600" dirty="0">
+                <a:latin typeface="Times New Roman" panose="02020603050405020304" pitchFamily="18" charset="0"/>
+                <a:cs typeface="Times New Roman" panose="02020603050405020304" pitchFamily="18" charset="0"/>
               </a:rPr>
-              <a:t>, </a:t>
-            </a:r>
-            <a:r>
-              <a:rPr lang="en-US" altLang="zh-CN" b="0" i="0" dirty="0" err="1">
-                <a:effectLst/>
-                <a:latin typeface="Arial" panose="020B0604020202020204" pitchFamily="34" charset="0"/>
-              </a:rPr>
-              <a:t>R.E.Woods</a:t>
-            </a:r>
-            <a:r>
-              <a:rPr lang="en-US" altLang="zh-CN" b="0" i="0" dirty="0">
-                <a:effectLst/>
-                <a:latin typeface="Arial" panose="020B0604020202020204" pitchFamily="34" charset="0"/>
-              </a:rPr>
-              <a:t>, Digital Image Processing, 3rd</a:t>
-            </a:r>
-            <a:br>
+              <a:t>Control Theory about Kalman Filter (personal)</a:t>
+            </a:r>
+          </a:p>
+          <a:p>
+            <a:pPr marL="0" indent="0">
+              <a:lnSpc>
+                <a:spcPct val="150000"/>
+              </a:lnSpc>
+              <a:buNone/>
+            </a:pPr>
+            <a:endParaRPr lang="en-US" altLang="zh-CN" sz="4000" dirty="0">
+              <a:latin typeface="Times New Roman" panose="02020603050405020304" pitchFamily="18" charset="0"/>
+              <a:cs typeface="Times New Roman" panose="02020603050405020304" pitchFamily="18" charset="0"/>
+            </a:endParaRPr>
+          </a:p>
+        </p:txBody>
+      </p:sp>
+      <p:sp>
+        <p:nvSpPr>
+          <p:cNvPr id="4" name="矩形 3">
+            <a:extLst>
+              <a:ext uri="{FF2B5EF4-FFF2-40B4-BE49-F238E27FC236}">
+                <a16:creationId xmlns:a16="http://schemas.microsoft.com/office/drawing/2014/main" id="{FA06EF4E-8F41-A2EB-22CE-5BA672347D08}"/>
+              </a:ext>
+            </a:extLst>
+          </p:cNvPr>
+          <p:cNvSpPr/>
+          <p:nvPr/>
+        </p:nvSpPr>
+        <p:spPr>
+          <a:xfrm>
+            <a:off x="838200" y="1618617"/>
+            <a:ext cx="10515600" cy="36000"/>
+          </a:xfrm>
+          <a:prstGeom prst="rect">
+            <a:avLst/>
+          </a:prstGeom>
+          <a:solidFill>
+            <a:srgbClr val="002060"/>
+          </a:solidFill>
+          <a:ln>
+            <a:solidFill>
+              <a:srgbClr val="002060"/>
+            </a:solidFill>
+          </a:ln>
+        </p:spPr>
+        <p:style>
+          <a:lnRef idx="2">
+            <a:schemeClr val="accent1">
+              <a:shade val="50000"/>
+            </a:schemeClr>
+          </a:lnRef>
+          <a:fillRef idx="1">
+            <a:schemeClr val="accent1"/>
+          </a:fillRef>
+          <a:effectRef idx="0">
+            <a:schemeClr val="accent1"/>
+          </a:effectRef>
+          <a:fontRef idx="minor">
+            <a:schemeClr val="lt1"/>
+          </a:fontRef>
+        </p:style>
+        <p:txBody>
+          <a:bodyPr rtlCol="0" anchor="ctr"/>
+          <a:lstStyle/>
+          <a:p>
+            <a:pPr algn="ctr"/>
+            <a:endParaRPr lang="zh-CN" altLang="en-US" dirty="0"/>
+          </a:p>
+        </p:txBody>
+      </p:sp>
+      <p:sp>
+        <p:nvSpPr>
+          <p:cNvPr id="5" name="矩形 4">
+            <a:extLst>
+              <a:ext uri="{FF2B5EF4-FFF2-40B4-BE49-F238E27FC236}">
+                <a16:creationId xmlns:a16="http://schemas.microsoft.com/office/drawing/2014/main" id="{B82C7024-1544-EE54-3B50-560BE2C35BDD}"/>
+              </a:ext>
+            </a:extLst>
+          </p:cNvPr>
+          <p:cNvSpPr/>
+          <p:nvPr/>
+        </p:nvSpPr>
+        <p:spPr>
+          <a:xfrm>
+            <a:off x="838200" y="1683806"/>
+            <a:ext cx="10515600" cy="18000"/>
+          </a:xfrm>
+          <a:prstGeom prst="rect">
+            <a:avLst/>
+          </a:prstGeom>
+          <a:solidFill>
+            <a:srgbClr val="997B0F"/>
+          </a:solidFill>
+          <a:ln>
+            <a:solidFill>
+              <a:srgbClr val="CDA715"/>
+            </a:solidFill>
+          </a:ln>
+        </p:spPr>
+        <p:style>
+          <a:lnRef idx="2">
+            <a:schemeClr val="accent1">
+              <a:shade val="50000"/>
+            </a:schemeClr>
+          </a:lnRef>
+          <a:fillRef idx="1">
+            <a:schemeClr val="accent1"/>
+          </a:fillRef>
+          <a:effectRef idx="0">
+            <a:schemeClr val="accent1"/>
+          </a:effectRef>
+          <a:fontRef idx="minor">
+            <a:schemeClr val="lt1"/>
+          </a:fontRef>
+        </p:style>
+        <p:txBody>
+          <a:bodyPr rtlCol="0" anchor="ctr"/>
+          <a:lstStyle/>
+          <a:p>
+            <a:pPr algn="ctr"/>
+            <a:endParaRPr lang="zh-CN" altLang="en-US"/>
+          </a:p>
+        </p:txBody>
+      </p:sp>
+      <p:sp>
+        <p:nvSpPr>
+          <p:cNvPr id="6" name="文本框 5">
+            <a:extLst>
+              <a:ext uri="{FF2B5EF4-FFF2-40B4-BE49-F238E27FC236}">
+                <a16:creationId xmlns:a16="http://schemas.microsoft.com/office/drawing/2014/main" id="{3A39C0FB-262E-530A-3F2B-63BAAC034E91}"/>
+              </a:ext>
+            </a:extLst>
+          </p:cNvPr>
+          <p:cNvSpPr txBox="1"/>
+          <p:nvPr/>
+        </p:nvSpPr>
+        <p:spPr>
+          <a:xfrm>
+            <a:off x="11557001" y="6361668"/>
+            <a:ext cx="491066" cy="369332"/>
+          </a:xfrm>
+          <a:prstGeom prst="rect">
+            <a:avLst/>
+          </a:prstGeom>
+          <a:noFill/>
+        </p:spPr>
+        <p:txBody>
+          <a:bodyPr wrap="square">
+            <a:spAutoFit/>
+          </a:bodyPr>
+          <a:lstStyle/>
+          <a:p>
+            <a:r>
               <a:rPr lang="en-US" altLang="zh-CN" dirty="0"/>
-            </a:br>
-            <a:r>
-              <a:rPr lang="en-US" altLang="zh-CN" b="0" i="0" dirty="0">
-                <a:effectLst/>
-                <a:latin typeface="Arial" panose="020B0604020202020204" pitchFamily="34" charset="0"/>
-              </a:rPr>
-              <a:t>Edition, Pearson / Prentice Hall, 2010.</a:t>
+              <a:t>1.3</a:t>
             </a:r>
             <a:endParaRPr lang="zh-CN" altLang="en-US" dirty="0"/>
           </a:p>
@@ -5146,7 +10277,7 @@
     </p:spTree>
     <p:extLst>
       <p:ext uri="{BB962C8B-B14F-4D97-AF65-F5344CB8AC3E}">
-        <p14:creationId xmlns:p14="http://schemas.microsoft.com/office/powerpoint/2010/main" val="515235804"/>
+        <p14:creationId xmlns:p14="http://schemas.microsoft.com/office/powerpoint/2010/main" val="403408503"/>
       </p:ext>
     </p:extLst>
   </p:cSld>
@@ -5205,7 +10336,7 @@
                 <a:latin typeface="Times New Roman" panose="02020603050405020304" pitchFamily="18" charset="0"/>
                 <a:cs typeface="Times New Roman" panose="02020603050405020304" pitchFamily="18" charset="0"/>
               </a:rPr>
-              <a:t>Project Planning</a:t>
+              <a:t>Initial Design</a:t>
             </a:r>
             <a:endParaRPr lang="zh-CN" altLang="en-US" sz="6000" dirty="0">
               <a:latin typeface="Times New Roman" panose="02020603050405020304" pitchFamily="18" charset="0"/>
@@ -5233,7 +10364,7 @@
         <p:spPr>
           <a:xfrm>
             <a:off x="838200" y="2135733"/>
-            <a:ext cx="10515600" cy="3408867"/>
+            <a:ext cx="10515600" cy="4267142"/>
           </a:xfrm>
         </p:spPr>
         <p:txBody>
@@ -5252,7 +10383,24 @@
                 <a:latin typeface="Times New Roman" panose="02020603050405020304" pitchFamily="18" charset="0"/>
                 <a:cs typeface="Times New Roman" panose="02020603050405020304" pitchFamily="18" charset="0"/>
               </a:rPr>
-              <a:t>Outline Requirement</a:t>
+              <a:t>Image</a:t>
+            </a:r>
+            <a:r>
+              <a:rPr lang="en-US" altLang="zh-CN" dirty="0">
+                <a:solidFill>
+                  <a:srgbClr val="000000"/>
+                </a:solidFill>
+                <a:latin typeface="Calibri" panose="020F0502020204030204" pitchFamily="34" charset="0"/>
+                <a:cs typeface="Times New Roman" panose="02020603050405020304" pitchFamily="18" charset="0"/>
+              </a:rPr>
+              <a:t> </a:t>
+            </a:r>
+            <a:r>
+              <a:rPr lang="en-US" altLang="zh-CN" sz="4000" dirty="0">
+                <a:latin typeface="Times New Roman" panose="02020603050405020304" pitchFamily="18" charset="0"/>
+                <a:cs typeface="Times New Roman" panose="02020603050405020304" pitchFamily="18" charset="0"/>
+              </a:rPr>
+              <a:t>Processing</a:t>
             </a:r>
           </a:p>
           <a:p>
@@ -5266,8 +10414,12 @@
                 <a:latin typeface="Times New Roman" panose="02020603050405020304" pitchFamily="18" charset="0"/>
                 <a:cs typeface="Times New Roman" panose="02020603050405020304" pitchFamily="18" charset="0"/>
               </a:rPr>
-              <a:t>Initial Design</a:t>
-            </a:r>
+              <a:t>Single Vehicle Tracking</a:t>
+            </a:r>
+            <a:endParaRPr lang="en-US" altLang="zh-CN" sz="3600" dirty="0">
+              <a:latin typeface="Times New Roman" panose="02020603050405020304" pitchFamily="18" charset="0"/>
+              <a:cs typeface="Times New Roman" panose="02020603050405020304" pitchFamily="18" charset="0"/>
+            </a:endParaRPr>
           </a:p>
           <a:p>
             <a:pPr>
@@ -5280,9 +10432,20 @@
                 <a:latin typeface="Times New Roman" panose="02020603050405020304" pitchFamily="18" charset="0"/>
                 <a:cs typeface="Times New Roman" panose="02020603050405020304" pitchFamily="18" charset="0"/>
               </a:rPr>
-              <a:t>Gannt Chart</a:t>
-            </a:r>
-            <a:endParaRPr lang="zh-CN" altLang="en-US" sz="4000" dirty="0"/>
+              <a:t>Multiple Vehicles Tracking</a:t>
+            </a:r>
+          </a:p>
+          <a:p>
+            <a:pPr marL="0" indent="0">
+              <a:lnSpc>
+                <a:spcPct val="150000"/>
+              </a:lnSpc>
+              <a:buNone/>
+            </a:pPr>
+            <a:endParaRPr lang="en-US" altLang="zh-CN" sz="4000" dirty="0">
+              <a:latin typeface="Times New Roman" panose="02020603050405020304" pitchFamily="18" charset="0"/>
+              <a:cs typeface="Times New Roman" panose="02020603050405020304" pitchFamily="18" charset="0"/>
+            </a:endParaRPr>
           </a:p>
         </p:txBody>
       </p:sp>
@@ -5394,10 +10557,46 @@
           </a:p>
         </p:txBody>
       </p:sp>
+      <p:sp>
+        <p:nvSpPr>
+          <p:cNvPr id="6" name="文本框 5">
+            <a:extLst>
+              <a:ext uri="{FF2B5EF4-FFF2-40B4-BE49-F238E27FC236}">
+                <a16:creationId xmlns:a16="http://schemas.microsoft.com/office/drawing/2014/main" id="{EB3480FC-0683-E7D8-A768-76AB61BAA780}"/>
+              </a:ext>
+            </a:extLst>
+          </p:cNvPr>
+          <p:cNvSpPr txBox="1"/>
+          <p:nvPr/>
+        </p:nvSpPr>
+        <p:spPr>
+          <a:xfrm>
+            <a:off x="11565468" y="6361668"/>
+            <a:ext cx="491066" cy="369332"/>
+          </a:xfrm>
+          <a:prstGeom prst="rect">
+            <a:avLst/>
+          </a:prstGeom>
+          <a:noFill/>
+        </p:spPr>
+        <p:txBody>
+          <a:bodyPr wrap="square">
+            <a:spAutoFit/>
+          </a:bodyPr>
+          <a:lstStyle/>
+          <a:p>
+            <a:r>
+              <a:rPr lang="en-US" altLang="zh-CN" dirty="0"/>
+              <a:t>1.4</a:t>
+            </a:r>
+            <a:endParaRPr lang="zh-CN" altLang="en-US" dirty="0"/>
+          </a:p>
+        </p:txBody>
+      </p:sp>
     </p:spTree>
     <p:extLst>
       <p:ext uri="{BB962C8B-B14F-4D97-AF65-F5344CB8AC3E}">
-        <p14:creationId xmlns:p14="http://schemas.microsoft.com/office/powerpoint/2010/main" val="2788181292"/>
+        <p14:creationId xmlns:p14="http://schemas.microsoft.com/office/powerpoint/2010/main" val="3055076122"/>
       </p:ext>
     </p:extLst>
   </p:cSld>
@@ -5429,7 +10628,7 @@
           <p:cNvPr id="2" name="标题 1">
             <a:extLst>
               <a:ext uri="{FF2B5EF4-FFF2-40B4-BE49-F238E27FC236}">
-                <a16:creationId xmlns:a16="http://schemas.microsoft.com/office/drawing/2014/main" id="{9F736C2B-B907-070A-9C25-0A4919061446}"/>
+                <a16:creationId xmlns:a16="http://schemas.microsoft.com/office/drawing/2014/main" id="{0ABCDB25-326D-4B74-48C7-AB72A920A8CC}"/>
               </a:ext>
             </a:extLst>
           </p:cNvPr>
@@ -5442,7 +10641,9 @@
         </p:nvSpPr>
         <p:spPr/>
         <p:txBody>
-          <a:bodyPr/>
+          <a:bodyPr>
+            <a:normAutofit/>
+          </a:bodyPr>
           <a:lstStyle/>
           <a:p>
             <a:pPr marL="571500" indent="-571500">
@@ -5450,10 +10651,16 @@
               <a:buChar char="•"/>
             </a:pPr>
             <a:r>
-              <a:rPr lang="en-US" altLang="zh-CN" dirty="0"/>
-              <a:t>Outline Requirement</a:t>
-            </a:r>
-            <a:endParaRPr lang="zh-CN" altLang="en-US" dirty="0"/>
+              <a:rPr lang="en-US" altLang="zh-CN" sz="6000" dirty="0">
+                <a:latin typeface="Times New Roman" panose="02020603050405020304" pitchFamily="18" charset="0"/>
+                <a:cs typeface="Times New Roman" panose="02020603050405020304" pitchFamily="18" charset="0"/>
+              </a:rPr>
+              <a:t>Project Planning</a:t>
+            </a:r>
+            <a:endParaRPr lang="zh-CN" altLang="en-US" sz="6000" dirty="0">
+              <a:latin typeface="Times New Roman" panose="02020603050405020304" pitchFamily="18" charset="0"/>
+              <a:cs typeface="Times New Roman" panose="02020603050405020304" pitchFamily="18" charset="0"/>
+            </a:endParaRPr>
           </a:p>
         </p:txBody>
       </p:sp>
@@ -5462,7 +10669,7 @@
           <p:cNvPr id="3" name="内容占位符 2">
             <a:extLst>
               <a:ext uri="{FF2B5EF4-FFF2-40B4-BE49-F238E27FC236}">
-                <a16:creationId xmlns:a16="http://schemas.microsoft.com/office/drawing/2014/main" id="{7503BA2A-3A65-DD4E-9AF2-F11DD2B65CF9}"/>
+                <a16:creationId xmlns:a16="http://schemas.microsoft.com/office/drawing/2014/main" id="{303C7CD2-64A6-91F4-E855-B13983DAA3F7}"/>
               </a:ext>
             </a:extLst>
           </p:cNvPr>
@@ -5473,19 +10680,196 @@
             <p:ph idx="1"/>
           </p:nvPr>
         </p:nvSpPr>
-        <p:spPr/>
-        <p:txBody>
-          <a:bodyPr/>
-          <a:lstStyle/>
-          <a:p>
+        <p:spPr>
+          <a:xfrm>
+            <a:off x="838200" y="2135733"/>
+            <a:ext cx="10515600" cy="3408867"/>
+          </a:xfrm>
+        </p:spPr>
+        <p:txBody>
+          <a:bodyPr>
+            <a:normAutofit/>
+          </a:bodyPr>
+          <a:lstStyle/>
+          <a:p>
+            <a:pPr>
+              <a:lnSpc>
+                <a:spcPct val="150000"/>
+              </a:lnSpc>
+            </a:pPr>
+            <a:r>
+              <a:rPr lang="en-US" altLang="zh-CN" sz="4000" dirty="0">
+                <a:latin typeface="Times New Roman" panose="02020603050405020304" pitchFamily="18" charset="0"/>
+                <a:cs typeface="Times New Roman" panose="02020603050405020304" pitchFamily="18" charset="0"/>
+              </a:rPr>
+              <a:t>Gannt Chart</a:t>
+            </a:r>
+          </a:p>
+          <a:p>
+            <a:pPr>
+              <a:lnSpc>
+                <a:spcPct val="150000"/>
+              </a:lnSpc>
+            </a:pPr>
+            <a:r>
+              <a:rPr lang="en-US" altLang="zh-CN" sz="4000" dirty="0">
+                <a:latin typeface="Times New Roman" panose="02020603050405020304" pitchFamily="18" charset="0"/>
+                <a:cs typeface="Times New Roman" panose="02020603050405020304" pitchFamily="18" charset="0"/>
+              </a:rPr>
+              <a:t>Application</a:t>
+            </a:r>
+            <a:endParaRPr lang="zh-CN" altLang="en-US" sz="4000" dirty="0"/>
+          </a:p>
+        </p:txBody>
+      </p:sp>
+      <p:sp>
+        <p:nvSpPr>
+          <p:cNvPr id="4" name="矩形 3">
+            <a:extLst>
+              <a:ext uri="{FF2B5EF4-FFF2-40B4-BE49-F238E27FC236}">
+                <a16:creationId xmlns:a16="http://schemas.microsoft.com/office/drawing/2014/main" id="{FA06EF4E-8F41-A2EB-22CE-5BA672347D08}"/>
+              </a:ext>
+            </a:extLst>
+          </p:cNvPr>
+          <p:cNvSpPr/>
+          <p:nvPr/>
+        </p:nvSpPr>
+        <p:spPr>
+          <a:xfrm>
+            <a:off x="838200" y="1618617"/>
+            <a:ext cx="10515600" cy="36000"/>
+          </a:xfrm>
+          <a:prstGeom prst="rect">
+            <a:avLst/>
+          </a:prstGeom>
+          <a:solidFill>
+            <a:srgbClr val="002060"/>
+          </a:solidFill>
+          <a:ln>
+            <a:solidFill>
+              <a:srgbClr val="002060"/>
+            </a:solidFill>
+          </a:ln>
+        </p:spPr>
+        <p:style>
+          <a:lnRef idx="2">
+            <a:schemeClr val="accent1">
+              <a:shade val="50000"/>
+            </a:schemeClr>
+          </a:lnRef>
+          <a:fillRef idx="1">
+            <a:schemeClr val="accent1"/>
+          </a:fillRef>
+          <a:effectRef idx="0">
+            <a:schemeClr val="accent1"/>
+          </a:effectRef>
+          <a:fontRef idx="minor">
+            <a:schemeClr val="lt1"/>
+          </a:fontRef>
+        </p:style>
+        <p:txBody>
+          <a:bodyPr rtlCol="0" anchor="ctr"/>
+          <a:lstStyle/>
+          <a:p>
+            <a:pPr algn="ctr"/>
+            <a:endParaRPr lang="zh-CN" altLang="en-US" dirty="0"/>
+          </a:p>
+        </p:txBody>
+      </p:sp>
+      <p:sp>
+        <p:nvSpPr>
+          <p:cNvPr id="5" name="矩形 4">
+            <a:extLst>
+              <a:ext uri="{FF2B5EF4-FFF2-40B4-BE49-F238E27FC236}">
+                <a16:creationId xmlns:a16="http://schemas.microsoft.com/office/drawing/2014/main" id="{B82C7024-1544-EE54-3B50-560BE2C35BDD}"/>
+              </a:ext>
+            </a:extLst>
+          </p:cNvPr>
+          <p:cNvSpPr/>
+          <p:nvPr/>
+        </p:nvSpPr>
+        <p:spPr>
+          <a:xfrm>
+            <a:off x="838200" y="1683806"/>
+            <a:ext cx="10515600" cy="18000"/>
+          </a:xfrm>
+          <a:prstGeom prst="rect">
+            <a:avLst/>
+          </a:prstGeom>
+          <a:solidFill>
+            <a:srgbClr val="997B0F"/>
+          </a:solidFill>
+          <a:ln>
+            <a:solidFill>
+              <a:srgbClr val="CDA715"/>
+            </a:solidFill>
+          </a:ln>
+        </p:spPr>
+        <p:style>
+          <a:lnRef idx="2">
+            <a:schemeClr val="accent1">
+              <a:shade val="50000"/>
+            </a:schemeClr>
+          </a:lnRef>
+          <a:fillRef idx="1">
+            <a:schemeClr val="accent1"/>
+          </a:fillRef>
+          <a:effectRef idx="0">
+            <a:schemeClr val="accent1"/>
+          </a:effectRef>
+          <a:fontRef idx="minor">
+            <a:schemeClr val="lt1"/>
+          </a:fontRef>
+        </p:style>
+        <p:txBody>
+          <a:bodyPr rtlCol="0" anchor="ctr"/>
+          <a:lstStyle/>
+          <a:p>
+            <a:pPr algn="ctr"/>
             <a:endParaRPr lang="zh-CN" altLang="en-US"/>
+          </a:p>
+        </p:txBody>
+      </p:sp>
+      <p:sp>
+        <p:nvSpPr>
+          <p:cNvPr id="7" name="文本框 6">
+            <a:extLst>
+              <a:ext uri="{FF2B5EF4-FFF2-40B4-BE49-F238E27FC236}">
+                <a16:creationId xmlns:a16="http://schemas.microsoft.com/office/drawing/2014/main" id="{512CD10E-277B-ECE2-0D4D-1D01D433743F}"/>
+              </a:ext>
+            </a:extLst>
+          </p:cNvPr>
+          <p:cNvSpPr txBox="1"/>
+          <p:nvPr/>
+        </p:nvSpPr>
+        <p:spPr>
+          <a:xfrm>
+            <a:off x="11717866" y="6361668"/>
+            <a:ext cx="262467" cy="369332"/>
+          </a:xfrm>
+          <a:prstGeom prst="rect">
+            <a:avLst/>
+          </a:prstGeom>
+          <a:noFill/>
+        </p:spPr>
+        <p:txBody>
+          <a:bodyPr wrap="square">
+            <a:spAutoFit/>
+          </a:bodyPr>
+          <a:lstStyle/>
+          <a:p>
+            <a:r>
+              <a:rPr lang="en-US" altLang="zh-CN" dirty="0"/>
+              <a:t>2</a:t>
+            </a:r>
+            <a:endParaRPr lang="zh-CN" altLang="en-US" dirty="0"/>
           </a:p>
         </p:txBody>
       </p:sp>
     </p:spTree>
     <p:extLst>
       <p:ext uri="{BB962C8B-B14F-4D97-AF65-F5344CB8AC3E}">
-        <p14:creationId xmlns:p14="http://schemas.microsoft.com/office/powerpoint/2010/main" val="3338723362"/>
+        <p14:creationId xmlns:p14="http://schemas.microsoft.com/office/powerpoint/2010/main" val="2788181292"/>
       </p:ext>
     </p:extLst>
   </p:cSld>
@@ -5517,7 +10901,7 @@
           <p:cNvPr id="2" name="标题 1">
             <a:extLst>
               <a:ext uri="{FF2B5EF4-FFF2-40B4-BE49-F238E27FC236}">
-                <a16:creationId xmlns:a16="http://schemas.microsoft.com/office/drawing/2014/main" id="{7844C270-8571-5D7B-A47E-6074B6874AAD}"/>
+                <a16:creationId xmlns:a16="http://schemas.microsoft.com/office/drawing/2014/main" id="{0ABCDB25-326D-4B74-48C7-AB72A920A8CC}"/>
               </a:ext>
             </a:extLst>
           </p:cNvPr>
@@ -5528,9 +10912,16 @@
             <p:ph type="title"/>
           </p:nvPr>
         </p:nvSpPr>
-        <p:spPr/>
-        <p:txBody>
-          <a:bodyPr/>
+        <p:spPr>
+          <a:xfrm>
+            <a:off x="770467" y="153593"/>
+            <a:ext cx="10515600" cy="845475"/>
+          </a:xfrm>
+        </p:spPr>
+        <p:txBody>
+          <a:bodyPr>
+            <a:normAutofit fontScale="90000"/>
+          </a:bodyPr>
           <a:lstStyle/>
           <a:p>
             <a:pPr marL="571500" indent="-571500">
@@ -5538,42 +10929,88 @@
               <a:buChar char="•"/>
             </a:pPr>
             <a:r>
+              <a:rPr lang="en-US" altLang="zh-CN" sz="6000" dirty="0">
+                <a:latin typeface="Times New Roman" panose="02020603050405020304" pitchFamily="18" charset="0"/>
+                <a:cs typeface="Times New Roman" panose="02020603050405020304" pitchFamily="18" charset="0"/>
+              </a:rPr>
+              <a:t>Gannt Chart</a:t>
+            </a:r>
+            <a:endParaRPr lang="zh-CN" altLang="en-US" sz="6000" dirty="0">
+              <a:latin typeface="Times New Roman" panose="02020603050405020304" pitchFamily="18" charset="0"/>
+              <a:cs typeface="Times New Roman" panose="02020603050405020304" pitchFamily="18" charset="0"/>
+            </a:endParaRPr>
+          </a:p>
+        </p:txBody>
+      </p:sp>
+      <p:pic>
+        <p:nvPicPr>
+          <p:cNvPr id="8" name="图片 7">
+            <a:extLst>
+              <a:ext uri="{FF2B5EF4-FFF2-40B4-BE49-F238E27FC236}">
+                <a16:creationId xmlns:a16="http://schemas.microsoft.com/office/drawing/2014/main" id="{2B688563-9A72-2384-9DD1-8112002D90E8}"/>
+              </a:ext>
+            </a:extLst>
+          </p:cNvPr>
+          <p:cNvPicPr>
+            <a:picLocks noChangeAspect="1"/>
+          </p:cNvPicPr>
+          <p:nvPr/>
+        </p:nvPicPr>
+        <p:blipFill rotWithShape="1">
+          <a:blip r:embed="rId2"/>
+          <a:srcRect l="9265" t="22360" r="12654" b="19759"/>
+          <a:stretch/>
+        </p:blipFill>
+        <p:spPr>
+          <a:xfrm>
+            <a:off x="396888" y="1176868"/>
+            <a:ext cx="11398223" cy="5281066"/>
+          </a:xfrm>
+          <a:prstGeom prst="rect">
+            <a:avLst/>
+          </a:prstGeom>
+        </p:spPr>
+      </p:pic>
+      <p:sp>
+        <p:nvSpPr>
+          <p:cNvPr id="3" name="文本框 2">
+            <a:extLst>
+              <a:ext uri="{FF2B5EF4-FFF2-40B4-BE49-F238E27FC236}">
+                <a16:creationId xmlns:a16="http://schemas.microsoft.com/office/drawing/2014/main" id="{7B624340-BDF6-A683-0A23-97CCC4BDCBA3}"/>
+              </a:ext>
+            </a:extLst>
+          </p:cNvPr>
+          <p:cNvSpPr txBox="1"/>
+          <p:nvPr/>
+        </p:nvSpPr>
+        <p:spPr>
+          <a:xfrm>
+            <a:off x="11565468" y="6361668"/>
+            <a:ext cx="491066" cy="369332"/>
+          </a:xfrm>
+          <a:prstGeom prst="rect">
+            <a:avLst/>
+          </a:prstGeom>
+          <a:noFill/>
+        </p:spPr>
+        <p:txBody>
+          <a:bodyPr wrap="square">
+            <a:spAutoFit/>
+          </a:bodyPr>
+          <a:lstStyle/>
+          <a:p>
+            <a:r>
               <a:rPr lang="en-US" altLang="zh-CN" dirty="0"/>
-              <a:t>Initial Design</a:t>
+              <a:t>2.1</a:t>
             </a:r>
             <a:endParaRPr lang="zh-CN" altLang="en-US" dirty="0"/>
-          </a:p>
-        </p:txBody>
-      </p:sp>
-      <p:sp>
-        <p:nvSpPr>
-          <p:cNvPr id="3" name="内容占位符 2">
-            <a:extLst>
-              <a:ext uri="{FF2B5EF4-FFF2-40B4-BE49-F238E27FC236}">
-                <a16:creationId xmlns:a16="http://schemas.microsoft.com/office/drawing/2014/main" id="{8B68064A-3C43-ED7B-AD1C-F4D859A564E3}"/>
-              </a:ext>
-            </a:extLst>
-          </p:cNvPr>
-          <p:cNvSpPr>
-            <a:spLocks noGrp="1"/>
-          </p:cNvSpPr>
-          <p:nvPr>
-            <p:ph idx="1"/>
-          </p:nvPr>
-        </p:nvSpPr>
-        <p:spPr/>
-        <p:txBody>
-          <a:bodyPr/>
-          <a:lstStyle/>
-          <a:p>
-            <a:endParaRPr lang="zh-CN" altLang="en-US"/>
           </a:p>
         </p:txBody>
       </p:sp>
     </p:spTree>
     <p:extLst>
       <p:ext uri="{BB962C8B-B14F-4D97-AF65-F5344CB8AC3E}">
-        <p14:creationId xmlns:p14="http://schemas.microsoft.com/office/powerpoint/2010/main" val="1523902364"/>
+        <p14:creationId xmlns:p14="http://schemas.microsoft.com/office/powerpoint/2010/main" val="3321664794"/>
       </p:ext>
     </p:extLst>
   </p:cSld>
